--- a/sunum18Jan.pptx
+++ b/sunum18Jan.pptx
@@ -5,44 +5,45 @@
     <p:sldMasterId id="2147483648" r:id="rId1"/>
   </p:sldMasterIdLst>
   <p:notesMasterIdLst>
-    <p:notesMasterId r:id="rId37"/>
+    <p:notesMasterId r:id="rId38"/>
   </p:notesMasterIdLst>
   <p:sldIdLst>
     <p:sldId id="335" r:id="rId2"/>
     <p:sldId id="296" r:id="rId3"/>
     <p:sldId id="259" r:id="rId4"/>
     <p:sldId id="260" r:id="rId5"/>
-    <p:sldId id="262" r:id="rId6"/>
-    <p:sldId id="263" r:id="rId7"/>
-    <p:sldId id="268" r:id="rId8"/>
-    <p:sldId id="272" r:id="rId9"/>
-    <p:sldId id="274" r:id="rId10"/>
-    <p:sldId id="276" r:id="rId11"/>
-    <p:sldId id="280" r:id="rId12"/>
-    <p:sldId id="285" r:id="rId13"/>
-    <p:sldId id="283" r:id="rId14"/>
-    <p:sldId id="303" r:id="rId15"/>
-    <p:sldId id="304" r:id="rId16"/>
-    <p:sldId id="307" r:id="rId17"/>
-    <p:sldId id="308" r:id="rId18"/>
-    <p:sldId id="309" r:id="rId19"/>
-    <p:sldId id="310" r:id="rId20"/>
-    <p:sldId id="311" r:id="rId21"/>
-    <p:sldId id="313" r:id="rId22"/>
-    <p:sldId id="314" r:id="rId23"/>
-    <p:sldId id="316" r:id="rId24"/>
-    <p:sldId id="334" r:id="rId25"/>
-    <p:sldId id="318" r:id="rId26"/>
-    <p:sldId id="319" r:id="rId27"/>
-    <p:sldId id="320" r:id="rId28"/>
-    <p:sldId id="321" r:id="rId29"/>
-    <p:sldId id="323" r:id="rId30"/>
-    <p:sldId id="324" r:id="rId31"/>
-    <p:sldId id="325" r:id="rId32"/>
-    <p:sldId id="328" r:id="rId33"/>
-    <p:sldId id="330" r:id="rId34"/>
-    <p:sldId id="332" r:id="rId35"/>
-    <p:sldId id="336" r:id="rId36"/>
+    <p:sldId id="337" r:id="rId6"/>
+    <p:sldId id="262" r:id="rId7"/>
+    <p:sldId id="263" r:id="rId8"/>
+    <p:sldId id="268" r:id="rId9"/>
+    <p:sldId id="272" r:id="rId10"/>
+    <p:sldId id="274" r:id="rId11"/>
+    <p:sldId id="276" r:id="rId12"/>
+    <p:sldId id="280" r:id="rId13"/>
+    <p:sldId id="285" r:id="rId14"/>
+    <p:sldId id="283" r:id="rId15"/>
+    <p:sldId id="303" r:id="rId16"/>
+    <p:sldId id="304" r:id="rId17"/>
+    <p:sldId id="307" r:id="rId18"/>
+    <p:sldId id="308" r:id="rId19"/>
+    <p:sldId id="309" r:id="rId20"/>
+    <p:sldId id="310" r:id="rId21"/>
+    <p:sldId id="311" r:id="rId22"/>
+    <p:sldId id="316" r:id="rId23"/>
+    <p:sldId id="313" r:id="rId24"/>
+    <p:sldId id="314" r:id="rId25"/>
+    <p:sldId id="334" r:id="rId26"/>
+    <p:sldId id="318" r:id="rId27"/>
+    <p:sldId id="319" r:id="rId28"/>
+    <p:sldId id="320" r:id="rId29"/>
+    <p:sldId id="321" r:id="rId30"/>
+    <p:sldId id="323" r:id="rId31"/>
+    <p:sldId id="324" r:id="rId32"/>
+    <p:sldId id="325" r:id="rId33"/>
+    <p:sldId id="328" r:id="rId34"/>
+    <p:sldId id="330" r:id="rId35"/>
+    <p:sldId id="332" r:id="rId36"/>
+    <p:sldId id="336" r:id="rId37"/>
   </p:sldIdLst>
   <p:sldSz cx="9144000" cy="6858000" type="screen4x3"/>
   <p:notesSz cx="6858000" cy="9144000"/>
@@ -227,7 +228,7 @@
             <a:fld id="{412B4FB5-DB9C-408E-9DB4-4509C0792843}" type="datetimeFigureOut">
               <a:rPr lang="tr-TR" smtClean="0"/>
               <a:pPr/>
-              <a:t>1/17/13</a:t>
+              <a:t>17.01.2013</a:t>
             </a:fld>
             <a:endParaRPr lang="en-US" dirty="0"/>
           </a:p>
@@ -398,7 +399,7 @@
     </p:spTree>
     <p:extLst>
       <p:ext uri="{BB962C8B-B14F-4D97-AF65-F5344CB8AC3E}">
-        <p14:creationId xmlns:p14="http://schemas.microsoft.com/office/powerpoint/2010/main" val="1728728690"/>
+        <p14:creationId xmlns:p14="http://schemas.microsoft.com/office/powerpoint/2010/main" xmlns="" val="1728728690"/>
       </p:ext>
     </p:extLst>
   </p:cSld>
@@ -566,7 +567,7 @@
             <a:fld id="{A1EAFB59-DC4D-4EED-85F4-1C64D3038115}" type="slidenum">
               <a:rPr lang="en-US" smtClean="0"/>
               <a:pPr/>
-              <a:t>5</a:t>
+              <a:t>6</a:t>
             </a:fld>
             <a:endParaRPr lang="en-US" dirty="0"/>
           </a:p>
@@ -762,7 +763,7 @@
             <a:fld id="{34990BF1-3FBF-4FBC-A078-BCBD6928206A}" type="datetimeFigureOut">
               <a:rPr lang="tr-TR" smtClean="0"/>
               <a:pPr/>
-              <a:t>1/17/13</a:t>
+              <a:t>17.01.2013</a:t>
             </a:fld>
             <a:endParaRPr lang="en-US" dirty="0"/>
           </a:p>
@@ -929,7 +930,7 @@
             <a:fld id="{34990BF1-3FBF-4FBC-A078-BCBD6928206A}" type="datetimeFigureOut">
               <a:rPr lang="tr-TR" smtClean="0"/>
               <a:pPr/>
-              <a:t>1/17/13</a:t>
+              <a:t>17.01.2013</a:t>
             </a:fld>
             <a:endParaRPr lang="en-US" dirty="0"/>
           </a:p>
@@ -1106,7 +1107,7 @@
             <a:fld id="{34990BF1-3FBF-4FBC-A078-BCBD6928206A}" type="datetimeFigureOut">
               <a:rPr lang="tr-TR" smtClean="0"/>
               <a:pPr/>
-              <a:t>1/17/13</a:t>
+              <a:t>17.01.2013</a:t>
             </a:fld>
             <a:endParaRPr lang="en-US" dirty="0"/>
           </a:p>
@@ -1273,7 +1274,7 @@
             <a:fld id="{34990BF1-3FBF-4FBC-A078-BCBD6928206A}" type="datetimeFigureOut">
               <a:rPr lang="tr-TR" smtClean="0"/>
               <a:pPr/>
-              <a:t>1/17/13</a:t>
+              <a:t>17.01.2013</a:t>
             </a:fld>
             <a:endParaRPr lang="en-US" dirty="0"/>
           </a:p>
@@ -1516,7 +1517,7 @@
             <a:fld id="{34990BF1-3FBF-4FBC-A078-BCBD6928206A}" type="datetimeFigureOut">
               <a:rPr lang="tr-TR" smtClean="0"/>
               <a:pPr/>
-              <a:t>1/17/13</a:t>
+              <a:t>17.01.2013</a:t>
             </a:fld>
             <a:endParaRPr lang="en-US" dirty="0"/>
           </a:p>
@@ -1801,7 +1802,7 @@
             <a:fld id="{34990BF1-3FBF-4FBC-A078-BCBD6928206A}" type="datetimeFigureOut">
               <a:rPr lang="tr-TR" smtClean="0"/>
               <a:pPr/>
-              <a:t>1/17/13</a:t>
+              <a:t>17.01.2013</a:t>
             </a:fld>
             <a:endParaRPr lang="en-US" dirty="0"/>
           </a:p>
@@ -2220,7 +2221,7 @@
             <a:fld id="{34990BF1-3FBF-4FBC-A078-BCBD6928206A}" type="datetimeFigureOut">
               <a:rPr lang="tr-TR" smtClean="0"/>
               <a:pPr/>
-              <a:t>1/17/13</a:t>
+              <a:t>17.01.2013</a:t>
             </a:fld>
             <a:endParaRPr lang="en-US" dirty="0"/>
           </a:p>
@@ -2335,7 +2336,7 @@
             <a:fld id="{34990BF1-3FBF-4FBC-A078-BCBD6928206A}" type="datetimeFigureOut">
               <a:rPr lang="tr-TR" smtClean="0"/>
               <a:pPr/>
-              <a:t>1/17/13</a:t>
+              <a:t>17.01.2013</a:t>
             </a:fld>
             <a:endParaRPr lang="en-US" dirty="0"/>
           </a:p>
@@ -2427,7 +2428,7 @@
             <a:fld id="{34990BF1-3FBF-4FBC-A078-BCBD6928206A}" type="datetimeFigureOut">
               <a:rPr lang="tr-TR" smtClean="0"/>
               <a:pPr/>
-              <a:t>1/17/13</a:t>
+              <a:t>17.01.2013</a:t>
             </a:fld>
             <a:endParaRPr lang="en-US" dirty="0"/>
           </a:p>
@@ -2701,7 +2702,7 @@
             <a:fld id="{34990BF1-3FBF-4FBC-A078-BCBD6928206A}" type="datetimeFigureOut">
               <a:rPr lang="tr-TR" smtClean="0"/>
               <a:pPr/>
-              <a:t>1/17/13</a:t>
+              <a:t>17.01.2013</a:t>
             </a:fld>
             <a:endParaRPr lang="en-US" dirty="0"/>
           </a:p>
@@ -2951,7 +2952,7 @@
             <a:fld id="{34990BF1-3FBF-4FBC-A078-BCBD6928206A}" type="datetimeFigureOut">
               <a:rPr lang="tr-TR" smtClean="0"/>
               <a:pPr/>
-              <a:t>1/17/13</a:t>
+              <a:t>17.01.2013</a:t>
             </a:fld>
             <a:endParaRPr lang="en-US" dirty="0"/>
           </a:p>
@@ -3161,7 +3162,7 @@
             <a:fld id="{34990BF1-3FBF-4FBC-A078-BCBD6928206A}" type="datetimeFigureOut">
               <a:rPr lang="tr-TR" smtClean="0"/>
               <a:pPr/>
-              <a:t>1/17/13</a:t>
+              <a:t>17.01.2013</a:t>
             </a:fld>
             <a:endParaRPr lang="en-US" dirty="0"/>
           </a:p>
@@ -3577,33 +3578,7 @@
                 <a:effectLst/>
                 <a:cs typeface="Arial"/>
               </a:rPr>
-              <a:t>and Seamless </a:t>
-            </a:r>
-            <a:r>
-              <a:rPr lang="en-US" sz="3200" b="1" kern="0" noProof="0" dirty="0" smtClean="0">
-                <a:ln w="9000" cmpd="sng">
-                  <a:solidFill>
-                    <a:schemeClr val="bg1"/>
-                  </a:solidFill>
-                  <a:prstDash val="solid"/>
-                </a:ln>
-                <a:effectLst/>
-                <a:cs typeface="Arial"/>
-              </a:rPr>
-              <a:t>Prepayment </a:t>
-            </a:r>
-            <a:r>
-              <a:rPr lang="en-US" sz="3200" b="1" kern="0" noProof="0" dirty="0" smtClean="0">
-                <a:ln w="9000" cmpd="sng">
-                  <a:solidFill>
-                    <a:schemeClr val="bg1"/>
-                  </a:solidFill>
-                  <a:prstDash val="solid"/>
-                </a:ln>
-                <a:effectLst/>
-                <a:cs typeface="Arial"/>
-              </a:rPr>
-              <a:t>for Wireless Mesh Networks</a:t>
+              <a:t>and Seamless Prepayment for Wireless Mesh Networks</a:t>
             </a:r>
             <a:r>
               <a:rPr lang="en-US" sz="3200" b="1" kern="0" noProof="0" dirty="0" smtClean="0">
@@ -3700,17 +3675,7 @@
                 <a:latin typeface="+mj-lt"/>
                 <a:cs typeface="Times New Roman" pitchFamily="18" charset="0"/>
               </a:rPr>
-              <a:t>Can </a:t>
-            </a:r>
-            <a:r>
-              <a:rPr lang="en-US" noProof="0" dirty="0" smtClean="0">
-                <a:solidFill>
-                  <a:srgbClr val="515151"/>
-                </a:solidFill>
-                <a:latin typeface="+mj-lt"/>
-                <a:cs typeface="Times New Roman" pitchFamily="18" charset="0"/>
-              </a:rPr>
-              <a:t>Serhat Leloğlu</a:t>
+              <a:t>Can Serhat Leloğlu</a:t>
             </a:r>
           </a:p>
           <a:p>
@@ -3722,17 +3687,7 @@
                 <a:latin typeface="+mj-lt"/>
                 <a:cs typeface="Times New Roman" pitchFamily="18" charset="0"/>
               </a:rPr>
-              <a:t>canleloglu</a:t>
-            </a:r>
-            <a:r>
-              <a:rPr lang="en-US" sz="1800" noProof="0" dirty="0" err="1" smtClean="0">
-                <a:solidFill>
-                  <a:srgbClr val="515151"/>
-                </a:solidFill>
-                <a:latin typeface="+mj-lt"/>
-                <a:cs typeface="Times New Roman" pitchFamily="18" charset="0"/>
-              </a:rPr>
-              <a:t>@sabanciuniv.edu</a:t>
+              <a:t>canleloglu@sabanciuniv.edu</a:t>
             </a:r>
             <a:r>
               <a:rPr lang="en-US" sz="1800" noProof="0" dirty="0" smtClean="0">
@@ -3790,7 +3745,7 @@
           <a:blip r:embed="rId2" cstate="print">
             <a:extLst>
               <a:ext uri="{28A0092B-C50C-407E-A947-70E740481C1C}">
-                <a14:useLocalDpi xmlns:a14="http://schemas.microsoft.com/office/drawing/2010/main" val="0"/>
+                <a14:useLocalDpi xmlns:a14="http://schemas.microsoft.com/office/drawing/2010/main" xmlns="" val="0"/>
               </a:ext>
             </a:extLst>
           </a:blip>
@@ -3835,7 +3790,7 @@
     </p:spTree>
     <p:extLst>
       <p:ext uri="{BB962C8B-B14F-4D97-AF65-F5344CB8AC3E}">
-        <p14:creationId xmlns:p14="http://schemas.microsoft.com/office/powerpoint/2010/main" val="3462100809"/>
+        <p14:creationId xmlns:p14="http://schemas.microsoft.com/office/powerpoint/2010/main" xmlns="" val="3462100809"/>
       </p:ext>
     </p:extLst>
   </p:cSld>
@@ -3845,7 +3800,7 @@
   <p:timing>
     <p:tnLst>
       <p:par>
-        <p:cTn xmlns:p14="http://schemas.microsoft.com/office/powerpoint/2010/main" id="1" dur="indefinite" restart="never" nodeType="tmRoot"/>
+        <p:cTn id="1" dur="indefinite" restart="never" nodeType="tmRoot"/>
       </p:par>
     </p:tnLst>
   </p:timing>
@@ -3879,6 +3834,129 @@
             <p:ph type="title"/>
           </p:nvPr>
         </p:nvSpPr>
+        <p:spPr>
+          <a:xfrm>
+            <a:off x="457200" y="274638"/>
+            <a:ext cx="8229600" cy="850106"/>
+          </a:xfrm>
+        </p:spPr>
+        <p:txBody>
+          <a:bodyPr/>
+          <a:lstStyle/>
+          <a:p>
+            <a:r>
+              <a:rPr lang="en-US" noProof="0" smtClean="0"/>
+              <a:t>Packet Transfer</a:t>
+            </a:r>
+            <a:endParaRPr lang="en-US" noProof="0"/>
+          </a:p>
+        </p:txBody>
+      </p:sp>
+      <p:sp>
+        <p:nvSpPr>
+          <p:cNvPr id="5" name="Content Placeholder 2"/>
+          <p:cNvSpPr>
+            <a:spLocks noGrp="1"/>
+          </p:cNvSpPr>
+          <p:nvPr>
+            <p:ph idx="1"/>
+          </p:nvPr>
+        </p:nvSpPr>
+        <p:spPr>
+          <a:xfrm>
+            <a:off x="467544" y="1124744"/>
+            <a:ext cx="8229600" cy="748680"/>
+          </a:xfrm>
+        </p:spPr>
+        <p:txBody>
+          <a:bodyPr>
+            <a:normAutofit fontScale="77500" lnSpcReduction="20000"/>
+          </a:bodyPr>
+          <a:lstStyle/>
+          <a:p>
+            <a:r>
+              <a:rPr lang="en-US" noProof="0" smtClean="0"/>
+              <a:t>After mutual authentication of client and  access point, client starts to send data packets to access point.</a:t>
+            </a:r>
+            <a:endParaRPr lang="en-US" noProof="0"/>
+          </a:p>
+        </p:txBody>
+      </p:sp>
+      <p:pic>
+        <p:nvPicPr>
+          <p:cNvPr id="6" name="Picture 5" descr="Macintosh HD:Users:canleloglu:Desktop:worddoc:thesisImages:protocolsInDetail:seqDiagram:pdf:packetTransfer.pdf"/>
+          <p:cNvPicPr/>
+          <p:nvPr/>
+        </p:nvPicPr>
+        <p:blipFill>
+          <a:blip r:embed="rId2" cstate="print">
+            <a:extLst>
+              <a:ext uri="{28A0092B-C50C-407E-A947-70E740481C1C}">
+                <a14:useLocalDpi xmlns:a14="http://schemas.microsoft.com/office/drawing/2010/main" xmlns="" val="0"/>
+              </a:ext>
+            </a:extLst>
+          </a:blip>
+          <a:srcRect/>
+          <a:stretch>
+            <a:fillRect/>
+          </a:stretch>
+        </p:blipFill>
+        <p:spPr bwMode="auto">
+          <a:xfrm>
+            <a:off x="2214546" y="1785922"/>
+            <a:ext cx="4481401" cy="5072078"/>
+          </a:xfrm>
+          <a:prstGeom prst="rect">
+            <a:avLst/>
+          </a:prstGeom>
+          <a:noFill/>
+          <a:ln>
+            <a:noFill/>
+          </a:ln>
+        </p:spPr>
+      </p:pic>
+    </p:spTree>
+  </p:cSld>
+  <p:clrMapOvr>
+    <a:masterClrMapping/>
+  </p:clrMapOvr>
+  <p:timing>
+    <p:tnLst>
+      <p:par>
+        <p:cTn id="1" dur="indefinite" restart="never" nodeType="tmRoot"/>
+      </p:par>
+    </p:tnLst>
+  </p:timing>
+</p:sld>
+</file>
+
+<file path=ppt/slides/slide11.xml><?xml version="1.0" encoding="utf-8"?>
+<p:sld xmlns:a="http://schemas.openxmlformats.org/drawingml/2006/main" xmlns:r="http://schemas.openxmlformats.org/officeDocument/2006/relationships" xmlns:p="http://schemas.openxmlformats.org/presentationml/2006/main">
+  <p:cSld>
+    <p:spTree>
+      <p:nvGrpSpPr>
+        <p:cNvPr id="1" name=""/>
+        <p:cNvGrpSpPr/>
+        <p:nvPr/>
+      </p:nvGrpSpPr>
+      <p:grpSpPr>
+        <a:xfrm>
+          <a:off x="0" y="0"/>
+          <a:ext cx="0" cy="0"/>
+          <a:chOff x="0" y="0"/>
+          <a:chExt cx="0" cy="0"/>
+        </a:xfrm>
+      </p:grpSpPr>
+      <p:sp>
+        <p:nvSpPr>
+          <p:cNvPr id="2" name="Title 1"/>
+          <p:cNvSpPr>
+            <a:spLocks noGrp="1"/>
+          </p:cNvSpPr>
+          <p:nvPr>
+            <p:ph type="title"/>
+          </p:nvPr>
+        </p:nvSpPr>
         <p:spPr/>
         <p:txBody>
           <a:bodyPr/>
@@ -3902,7 +3980,7 @@
           <a:blip r:embed="rId2" cstate="print">
             <a:extLst>
               <a:ext uri="{28A0092B-C50C-407E-A947-70E740481C1C}">
-                <a14:useLocalDpi xmlns:a14="http://schemas.microsoft.com/office/drawing/2010/main" val="0"/>
+                <a14:useLocalDpi xmlns:a14="http://schemas.microsoft.com/office/drawing/2010/main" xmlns="" val="0"/>
               </a:ext>
             </a:extLst>
           </a:blip>
@@ -3933,95 +4011,7 @@
   <p:timing>
     <p:tnLst>
       <p:par>
-        <p:cTn xmlns:p14="http://schemas.microsoft.com/office/powerpoint/2010/main" id="1" dur="indefinite" restart="never" nodeType="tmRoot"/>
-      </p:par>
-    </p:tnLst>
-  </p:timing>
-</p:sld>
-</file>
-
-<file path=ppt/slides/slide11.xml><?xml version="1.0" encoding="utf-8"?>
-<p:sld xmlns:a="http://schemas.openxmlformats.org/drawingml/2006/main" xmlns:r="http://schemas.openxmlformats.org/officeDocument/2006/relationships" xmlns:p="http://schemas.openxmlformats.org/presentationml/2006/main">
-  <p:cSld>
-    <p:spTree>
-      <p:nvGrpSpPr>
-        <p:cNvPr id="1" name=""/>
-        <p:cNvGrpSpPr/>
-        <p:nvPr/>
-      </p:nvGrpSpPr>
-      <p:grpSpPr>
-        <a:xfrm>
-          <a:off x="0" y="0"/>
-          <a:ext cx="0" cy="0"/>
-          <a:chOff x="0" y="0"/>
-          <a:chExt cx="0" cy="0"/>
-        </a:xfrm>
-      </p:grpSpPr>
-      <p:sp>
-        <p:nvSpPr>
-          <p:cNvPr id="2" name="Title 1"/>
-          <p:cNvSpPr>
-            <a:spLocks noGrp="1"/>
-          </p:cNvSpPr>
-          <p:nvPr>
-            <p:ph type="title"/>
-          </p:nvPr>
-        </p:nvSpPr>
-        <p:spPr/>
-        <p:txBody>
-          <a:bodyPr/>
-          <a:lstStyle/>
-          <a:p>
-            <a:r>
-              <a:rPr lang="en-US" noProof="0" smtClean="0"/>
-              <a:t>Disconnection</a:t>
-            </a:r>
-            <a:endParaRPr lang="en-US" noProof="0"/>
-          </a:p>
-        </p:txBody>
-      </p:sp>
-      <p:pic>
-        <p:nvPicPr>
-          <p:cNvPr id="5" name="Picture 4" descr="Macintosh HD:Users:canleloglu:Desktop:worddoc:thesisImages:protocolsInDetail:seqDiagram:pdf:updatePackets.pdf"/>
-          <p:cNvPicPr/>
-          <p:nvPr/>
-        </p:nvPicPr>
-        <p:blipFill>
-          <a:blip r:embed="rId2" cstate="print">
-            <a:extLst>
-              <a:ext uri="{28A0092B-C50C-407E-A947-70E740481C1C}">
-                <a14:useLocalDpi xmlns:a14="http://schemas.microsoft.com/office/drawing/2010/main" val="0"/>
-              </a:ext>
-            </a:extLst>
-          </a:blip>
-          <a:srcRect/>
-          <a:stretch>
-            <a:fillRect/>
-          </a:stretch>
-        </p:blipFill>
-        <p:spPr bwMode="auto">
-          <a:xfrm>
-            <a:off x="1643042" y="1285860"/>
-            <a:ext cx="5730875" cy="5359400"/>
-          </a:xfrm>
-          <a:prstGeom prst="rect">
-            <a:avLst/>
-          </a:prstGeom>
-          <a:noFill/>
-          <a:ln>
-            <a:noFill/>
-          </a:ln>
-        </p:spPr>
-      </p:pic>
-    </p:spTree>
-  </p:cSld>
-  <p:clrMapOvr>
-    <a:masterClrMapping/>
-  </p:clrMapOvr>
-  <p:timing>
-    <p:tnLst>
-      <p:par>
-        <p:cTn xmlns:p14="http://schemas.microsoft.com/office/powerpoint/2010/main" id="1" dur="indefinite" restart="never" nodeType="tmRoot"/>
+        <p:cTn id="1" dur="indefinite" restart="never" nodeType="tmRoot"/>
       </p:par>
     </p:tnLst>
   </p:timing>
@@ -4057,6 +4047,81 @@
         </p:nvSpPr>
         <p:spPr/>
         <p:txBody>
+          <a:bodyPr/>
+          <a:lstStyle/>
+          <a:p>
+            <a:r>
+              <a:rPr lang="en-US" noProof="0" smtClean="0"/>
+              <a:t>Disconnection</a:t>
+            </a:r>
+            <a:endParaRPr lang="en-US" noProof="0"/>
+          </a:p>
+        </p:txBody>
+      </p:sp>
+      <p:graphicFrame>
+        <p:nvGraphicFramePr>
+          <p:cNvPr id="2051" name="Object 3"/>
+          <p:cNvGraphicFramePr>
+            <a:graphicFrameLocks noChangeAspect="1"/>
+          </p:cNvGraphicFramePr>
+          <p:nvPr/>
+        </p:nvGraphicFramePr>
+        <p:xfrm>
+          <a:off x="1714480" y="1500174"/>
+          <a:ext cx="5572164" cy="4905375"/>
+        </p:xfrm>
+        <a:graphic>
+          <a:graphicData uri="http://schemas.openxmlformats.org/presentationml/2006/ole">
+            <p:oleObj spid="_x0000_s2051" name="Acrobat Document" r:id="rId3" imgW="4238506" imgH="4905208" progId="AcroExch.Document.11">
+              <p:embed/>
+            </p:oleObj>
+          </a:graphicData>
+        </a:graphic>
+      </p:graphicFrame>
+    </p:spTree>
+  </p:cSld>
+  <p:clrMapOvr>
+    <a:masterClrMapping/>
+  </p:clrMapOvr>
+  <p:timing>
+    <p:tnLst>
+      <p:par>
+        <p:cTn id="1" dur="indefinite" restart="never" nodeType="tmRoot"/>
+      </p:par>
+    </p:tnLst>
+  </p:timing>
+</p:sld>
+</file>
+
+<file path=ppt/slides/slide13.xml><?xml version="1.0" encoding="utf-8"?>
+<p:sld xmlns:a="http://schemas.openxmlformats.org/drawingml/2006/main" xmlns:r="http://schemas.openxmlformats.org/officeDocument/2006/relationships" xmlns:p="http://schemas.openxmlformats.org/presentationml/2006/main">
+  <p:cSld>
+    <p:spTree>
+      <p:nvGrpSpPr>
+        <p:cNvPr id="1" name=""/>
+        <p:cNvGrpSpPr/>
+        <p:nvPr/>
+      </p:nvGrpSpPr>
+      <p:grpSpPr>
+        <a:xfrm>
+          <a:off x="0" y="0"/>
+          <a:ext cx="0" cy="0"/>
+          <a:chOff x="0" y="0"/>
+          <a:chExt cx="0" cy="0"/>
+        </a:xfrm>
+      </p:grpSpPr>
+      <p:sp>
+        <p:nvSpPr>
+          <p:cNvPr id="2" name="Title 1"/>
+          <p:cNvSpPr>
+            <a:spLocks noGrp="1"/>
+          </p:cNvSpPr>
+          <p:nvPr>
+            <p:ph type="title"/>
+          </p:nvPr>
+        </p:nvSpPr>
+        <p:spPr/>
+        <p:txBody>
           <a:bodyPr>
             <a:normAutofit fontScale="90000"/>
           </a:bodyPr>
@@ -4108,10 +4173,10 @@
           <p:nvPr/>
         </p:nvPicPr>
         <p:blipFill>
-          <a:blip r:embed="rId2">
+          <a:blip r:embed="rId2" cstate="print">
             <a:extLst>
               <a:ext uri="{28A0092B-C50C-407E-A947-70E740481C1C}">
-                <a14:useLocalDpi xmlns:a14="http://schemas.microsoft.com/office/drawing/2010/main" val="0"/>
+                <a14:useLocalDpi xmlns:a14="http://schemas.microsoft.com/office/drawing/2010/main" xmlns="" val="0"/>
               </a:ext>
             </a:extLst>
           </a:blip>
@@ -4137,14 +4202,14 @@
   <p:timing>
     <p:tnLst>
       <p:par>
-        <p:cTn xmlns:p14="http://schemas.microsoft.com/office/powerpoint/2010/main" id="1" dur="indefinite" restart="never" nodeType="tmRoot"/>
+        <p:cTn id="1" dur="indefinite" restart="never" nodeType="tmRoot"/>
       </p:par>
     </p:tnLst>
   </p:timing>
 </p:sld>
 </file>
 
-<file path=ppt/slides/slide13.xml><?xml version="1.0" encoding="utf-8"?>
+<file path=ppt/slides/slide14.xml><?xml version="1.0" encoding="utf-8"?>
 <p:sld xmlns:a="http://schemas.openxmlformats.org/drawingml/2006/main" xmlns:r="http://schemas.openxmlformats.org/officeDocument/2006/relationships" xmlns:p="http://schemas.openxmlformats.org/presentationml/2006/main">
   <p:cSld>
     <p:spTree>
@@ -4222,10 +4287,10 @@
           <p:nvPr/>
         </p:nvPicPr>
         <p:blipFill>
-          <a:blip r:embed="rId2">
+          <a:blip r:embed="rId2" cstate="print">
             <a:extLst>
               <a:ext uri="{28A0092B-C50C-407E-A947-70E740481C1C}">
-                <a14:useLocalDpi xmlns:a14="http://schemas.microsoft.com/office/drawing/2010/main" val="0"/>
+                <a14:useLocalDpi xmlns:a14="http://schemas.microsoft.com/office/drawing/2010/main" xmlns="" val="0"/>
               </a:ext>
             </a:extLst>
           </a:blip>
@@ -4251,95 +4316,7 @@
   <p:timing>
     <p:tnLst>
       <p:par>
-        <p:cTn xmlns:p14="http://schemas.microsoft.com/office/powerpoint/2010/main" id="1" dur="indefinite" restart="never" nodeType="tmRoot"/>
-      </p:par>
-    </p:tnLst>
-  </p:timing>
-</p:sld>
-</file>
-
-<file path=ppt/slides/slide14.xml><?xml version="1.0" encoding="utf-8"?>
-<p:sld xmlns:a="http://schemas.openxmlformats.org/drawingml/2006/main" xmlns:r="http://schemas.openxmlformats.org/officeDocument/2006/relationships" xmlns:p="http://schemas.openxmlformats.org/presentationml/2006/main">
-  <p:cSld>
-    <p:spTree>
-      <p:nvGrpSpPr>
-        <p:cNvPr id="1" name=""/>
-        <p:cNvGrpSpPr/>
-        <p:nvPr/>
-      </p:nvGrpSpPr>
-      <p:grpSpPr>
-        <a:xfrm>
-          <a:off x="0" y="0"/>
-          <a:ext cx="0" cy="0"/>
-          <a:chOff x="0" y="0"/>
-          <a:chExt cx="0" cy="0"/>
-        </a:xfrm>
-      </p:grpSpPr>
-      <p:sp>
-        <p:nvSpPr>
-          <p:cNvPr id="2" name="Title 1"/>
-          <p:cNvSpPr>
-            <a:spLocks noGrp="1"/>
-          </p:cNvSpPr>
-          <p:nvPr>
-            <p:ph type="title"/>
-          </p:nvPr>
-        </p:nvSpPr>
-        <p:spPr/>
-        <p:txBody>
-          <a:bodyPr>
-            <a:normAutofit fontScale="90000"/>
-          </a:bodyPr>
-          <a:lstStyle/>
-          <a:p>
-            <a:r>
-              <a:rPr lang="en-US" noProof="0" smtClean="0"/>
-              <a:t>Performance Evaluation of SSPayWMN</a:t>
-            </a:r>
-            <a:endParaRPr lang="en-US" noProof="0"/>
-          </a:p>
-        </p:txBody>
-      </p:sp>
-      <p:sp>
-        <p:nvSpPr>
-          <p:cNvPr id="3" name="Content Placeholder 2"/>
-          <p:cNvSpPr>
-            <a:spLocks noGrp="1"/>
-          </p:cNvSpPr>
-          <p:nvPr>
-            <p:ph idx="1"/>
-          </p:nvPr>
-        </p:nvSpPr>
-        <p:spPr/>
-        <p:txBody>
-          <a:bodyPr/>
-          <a:lstStyle/>
-          <a:p>
-            <a:r>
-              <a:rPr lang="en-US" noProof="0" smtClean="0"/>
-              <a:t>The simulations of SSPayWMN are conducted using ns-3.</a:t>
-            </a:r>
-          </a:p>
-          <a:p>
-            <a:r>
-              <a:rPr lang="en-US" noProof="0" smtClean="0"/>
-              <a:t>The simulator was run on a computer with 2.4 GHz Intel Core 2 Duo, 2 GB 1067 MHz DDR3, Apple MacBook OSX v10.6.8.</a:t>
-            </a:r>
-          </a:p>
-          <a:p>
-            <a:endParaRPr lang="en-US" noProof="0"/>
-          </a:p>
-        </p:txBody>
-      </p:sp>
-    </p:spTree>
-  </p:cSld>
-  <p:clrMapOvr>
-    <a:masterClrMapping/>
-  </p:clrMapOvr>
-  <p:timing>
-    <p:tnLst>
-      <p:par>
-        <p:cTn xmlns:p14="http://schemas.microsoft.com/office/powerpoint/2010/main" id="1" dur="indefinite" restart="never" nodeType="tmRoot"/>
+        <p:cTn id="1" dur="indefinite" restart="never" nodeType="tmRoot"/>
       </p:par>
     </p:tnLst>
   </p:timing>
@@ -4375,6 +4352,94 @@
         </p:nvSpPr>
         <p:spPr/>
         <p:txBody>
+          <a:bodyPr>
+            <a:normAutofit fontScale="90000"/>
+          </a:bodyPr>
+          <a:lstStyle/>
+          <a:p>
+            <a:r>
+              <a:rPr lang="en-US" noProof="0" smtClean="0"/>
+              <a:t>Performance Evaluation of SSPayWMN</a:t>
+            </a:r>
+            <a:endParaRPr lang="en-US" noProof="0"/>
+          </a:p>
+        </p:txBody>
+      </p:sp>
+      <p:sp>
+        <p:nvSpPr>
+          <p:cNvPr id="3" name="Content Placeholder 2"/>
+          <p:cNvSpPr>
+            <a:spLocks noGrp="1"/>
+          </p:cNvSpPr>
+          <p:nvPr>
+            <p:ph idx="1"/>
+          </p:nvPr>
+        </p:nvSpPr>
+        <p:spPr/>
+        <p:txBody>
+          <a:bodyPr/>
+          <a:lstStyle/>
+          <a:p>
+            <a:r>
+              <a:rPr lang="en-US" noProof="0" smtClean="0"/>
+              <a:t>The simulations of SSPayWMN are conducted using ns-3.</a:t>
+            </a:r>
+          </a:p>
+          <a:p>
+            <a:r>
+              <a:rPr lang="en-US" noProof="0" smtClean="0"/>
+              <a:t>The simulator was run on a computer with 2.4 GHz Intel Core 2 Duo, 2 GB 1067 MHz DDR3, Apple MacBook OSX v10.6.8.</a:t>
+            </a:r>
+          </a:p>
+          <a:p>
+            <a:endParaRPr lang="en-US" noProof="0"/>
+          </a:p>
+        </p:txBody>
+      </p:sp>
+    </p:spTree>
+  </p:cSld>
+  <p:clrMapOvr>
+    <a:masterClrMapping/>
+  </p:clrMapOvr>
+  <p:timing>
+    <p:tnLst>
+      <p:par>
+        <p:cTn id="1" dur="indefinite" restart="never" nodeType="tmRoot"/>
+      </p:par>
+    </p:tnLst>
+  </p:timing>
+</p:sld>
+</file>
+
+<file path=ppt/slides/slide16.xml><?xml version="1.0" encoding="utf-8"?>
+<p:sld xmlns:a="http://schemas.openxmlformats.org/drawingml/2006/main" xmlns:r="http://schemas.openxmlformats.org/officeDocument/2006/relationships" xmlns:p="http://schemas.openxmlformats.org/presentationml/2006/main">
+  <p:cSld>
+    <p:spTree>
+      <p:nvGrpSpPr>
+        <p:cNvPr id="1" name=""/>
+        <p:cNvGrpSpPr/>
+        <p:nvPr/>
+      </p:nvGrpSpPr>
+      <p:grpSpPr>
+        <a:xfrm>
+          <a:off x="0" y="0"/>
+          <a:ext cx="0" cy="0"/>
+          <a:chOff x="0" y="0"/>
+          <a:chExt cx="0" cy="0"/>
+        </a:xfrm>
+      </p:grpSpPr>
+      <p:sp>
+        <p:nvSpPr>
+          <p:cNvPr id="2" name="Title 1"/>
+          <p:cNvSpPr>
+            <a:spLocks noGrp="1"/>
+          </p:cNvSpPr>
+          <p:nvPr>
+            <p:ph type="title"/>
+          </p:nvPr>
+        </p:nvSpPr>
+        <p:spPr/>
+        <p:txBody>
           <a:bodyPr/>
           <a:lstStyle/>
           <a:p>
@@ -4433,7 +4498,7 @@
           <p:nvPr>
             <p:extLst>
               <p:ext uri="{D42A27DB-BD31-4B8C-83A1-F6EECF244321}">
-                <p14:modId xmlns:p14="http://schemas.microsoft.com/office/powerpoint/2010/main" val="3172586298"/>
+                <p14:modId xmlns:p14="http://schemas.microsoft.com/office/powerpoint/2010/main" xmlns="" val="3172586298"/>
               </p:ext>
             </p:extLst>
           </p:nvPr>
@@ -5036,107 +5101,7 @@
   <p:timing>
     <p:tnLst>
       <p:par>
-        <p:cTn xmlns:p14="http://schemas.microsoft.com/office/powerpoint/2010/main" id="1" dur="indefinite" restart="never" nodeType="tmRoot"/>
-      </p:par>
-    </p:tnLst>
-  </p:timing>
-</p:sld>
-</file>
-
-<file path=ppt/slides/slide16.xml><?xml version="1.0" encoding="utf-8"?>
-<p:sld xmlns:a="http://schemas.openxmlformats.org/drawingml/2006/main" xmlns:r="http://schemas.openxmlformats.org/officeDocument/2006/relationships" xmlns:p="http://schemas.openxmlformats.org/presentationml/2006/main">
-  <p:cSld>
-    <p:spTree>
-      <p:nvGrpSpPr>
-        <p:cNvPr id="1" name=""/>
-        <p:cNvGrpSpPr/>
-        <p:nvPr/>
-      </p:nvGrpSpPr>
-      <p:grpSpPr>
-        <a:xfrm>
-          <a:off x="0" y="0"/>
-          <a:ext cx="0" cy="0"/>
-          <a:chOff x="0" y="0"/>
-          <a:chExt cx="0" cy="0"/>
-        </a:xfrm>
-      </p:grpSpPr>
-      <p:sp>
-        <p:nvSpPr>
-          <p:cNvPr id="2" name="Title 1"/>
-          <p:cNvSpPr>
-            <a:spLocks noGrp="1"/>
-          </p:cNvSpPr>
-          <p:nvPr>
-            <p:ph type="title"/>
-          </p:nvPr>
-        </p:nvSpPr>
-        <p:spPr/>
-        <p:txBody>
-          <a:bodyPr/>
-          <a:lstStyle/>
-          <a:p>
-            <a:r>
-              <a:rPr lang="en-US" noProof="0" smtClean="0"/>
-              <a:t>SSPayWMN Simulations</a:t>
-            </a:r>
-            <a:endParaRPr lang="en-US" noProof="0"/>
-          </a:p>
-        </p:txBody>
-      </p:sp>
-      <p:sp>
-        <p:nvSpPr>
-          <p:cNvPr id="3" name="Content Placeholder 2"/>
-          <p:cNvSpPr>
-            <a:spLocks noGrp="1"/>
-          </p:cNvSpPr>
-          <p:nvPr>
-            <p:ph idx="1"/>
-          </p:nvPr>
-        </p:nvSpPr>
-        <p:spPr/>
-        <p:txBody>
-          <a:bodyPr>
-            <a:normAutofit lnSpcReduction="10000"/>
-          </a:bodyPr>
-          <a:lstStyle/>
-          <a:p>
-            <a:r>
-              <a:rPr lang="en-US" noProof="0" dirty="0" smtClean="0"/>
-              <a:t>We have conducted the simulations of SSPayWMN in two groups.</a:t>
-            </a:r>
-          </a:p>
-          <a:p>
-            <a:r>
-              <a:rPr lang="en-US" noProof="0" dirty="0" smtClean="0"/>
-              <a:t>Unit Tests: </a:t>
-            </a:r>
-            <a:r>
-              <a:rPr lang="en-US" dirty="0" smtClean="0"/>
-              <a:t>Independent </a:t>
-            </a:r>
-            <a:r>
-              <a:rPr lang="en-US" noProof="0" dirty="0" smtClean="0"/>
-              <a:t>protocol runs to analyze the delay caused by protocols.</a:t>
-            </a:r>
-          </a:p>
-          <a:p>
-            <a:r>
-              <a:rPr lang="en-US" noProof="0" dirty="0" smtClean="0"/>
-              <a:t>Real-life Scenario Simulation: These simulations evaluate the system’s overall performance in an ordinary day usage with client mobility and realistic Internet service demand.</a:t>
-            </a:r>
-            <a:endParaRPr lang="en-US" noProof="0" dirty="0"/>
-          </a:p>
-        </p:txBody>
-      </p:sp>
-    </p:spTree>
-  </p:cSld>
-  <p:clrMapOvr>
-    <a:masterClrMapping/>
-  </p:clrMapOvr>
-  <p:timing>
-    <p:tnLst>
-      <p:par>
-        <p:cTn xmlns:p14="http://schemas.microsoft.com/office/powerpoint/2010/main" id="1" dur="indefinite" restart="never" nodeType="tmRoot"/>
+        <p:cTn id="1" dur="indefinite" restart="never" nodeType="tmRoot"/>
       </p:par>
     </p:tnLst>
   </p:timing>
@@ -5177,6 +5142,106 @@
           <a:p>
             <a:r>
               <a:rPr lang="en-US" noProof="0" smtClean="0"/>
+              <a:t>SSPayWMN Simulations</a:t>
+            </a:r>
+            <a:endParaRPr lang="en-US" noProof="0"/>
+          </a:p>
+        </p:txBody>
+      </p:sp>
+      <p:sp>
+        <p:nvSpPr>
+          <p:cNvPr id="3" name="Content Placeholder 2"/>
+          <p:cNvSpPr>
+            <a:spLocks noGrp="1"/>
+          </p:cNvSpPr>
+          <p:nvPr>
+            <p:ph idx="1"/>
+          </p:nvPr>
+        </p:nvSpPr>
+        <p:spPr/>
+        <p:txBody>
+          <a:bodyPr>
+            <a:normAutofit lnSpcReduction="10000"/>
+          </a:bodyPr>
+          <a:lstStyle/>
+          <a:p>
+            <a:r>
+              <a:rPr lang="en-US" noProof="0" dirty="0" smtClean="0"/>
+              <a:t>We have conducted the simulations of SSPayWMN in two groups.</a:t>
+            </a:r>
+          </a:p>
+          <a:p>
+            <a:r>
+              <a:rPr lang="en-US" noProof="0" dirty="0" smtClean="0"/>
+              <a:t>Unit Tests: </a:t>
+            </a:r>
+            <a:r>
+              <a:rPr lang="en-US" dirty="0" smtClean="0"/>
+              <a:t>Independent </a:t>
+            </a:r>
+            <a:r>
+              <a:rPr lang="en-US" noProof="0" dirty="0" smtClean="0"/>
+              <a:t>protocol runs to analyze the delay caused by protocols.</a:t>
+            </a:r>
+          </a:p>
+          <a:p>
+            <a:r>
+              <a:rPr lang="en-US" noProof="0" dirty="0" smtClean="0"/>
+              <a:t>Real-life Scenario Simulation: These simulations evaluate the system’s overall performance in an ordinary day usage with client mobility and realistic Internet service demand.</a:t>
+            </a:r>
+            <a:endParaRPr lang="en-US" noProof="0" dirty="0"/>
+          </a:p>
+        </p:txBody>
+      </p:sp>
+    </p:spTree>
+  </p:cSld>
+  <p:clrMapOvr>
+    <a:masterClrMapping/>
+  </p:clrMapOvr>
+  <p:timing>
+    <p:tnLst>
+      <p:par>
+        <p:cTn id="1" dur="indefinite" restart="never" nodeType="tmRoot"/>
+      </p:par>
+    </p:tnLst>
+  </p:timing>
+</p:sld>
+</file>
+
+<file path=ppt/slides/slide18.xml><?xml version="1.0" encoding="utf-8"?>
+<p:sld xmlns:a="http://schemas.openxmlformats.org/drawingml/2006/main" xmlns:r="http://schemas.openxmlformats.org/officeDocument/2006/relationships" xmlns:p="http://schemas.openxmlformats.org/presentationml/2006/main">
+  <p:cSld>
+    <p:spTree>
+      <p:nvGrpSpPr>
+        <p:cNvPr id="1" name=""/>
+        <p:cNvGrpSpPr/>
+        <p:nvPr/>
+      </p:nvGrpSpPr>
+      <p:grpSpPr>
+        <a:xfrm>
+          <a:off x="0" y="0"/>
+          <a:ext cx="0" cy="0"/>
+          <a:chOff x="0" y="0"/>
+          <a:chExt cx="0" cy="0"/>
+        </a:xfrm>
+      </p:grpSpPr>
+      <p:sp>
+        <p:nvSpPr>
+          <p:cNvPr id="2" name="Title 1"/>
+          <p:cNvSpPr>
+            <a:spLocks noGrp="1"/>
+          </p:cNvSpPr>
+          <p:nvPr>
+            <p:ph type="title"/>
+          </p:nvPr>
+        </p:nvSpPr>
+        <p:spPr/>
+        <p:txBody>
+          <a:bodyPr/>
+          <a:lstStyle/>
+          <a:p>
+            <a:r>
+              <a:rPr lang="en-US" noProof="0" smtClean="0"/>
               <a:t>Unit Test Results</a:t>
             </a:r>
             <a:endParaRPr lang="en-US" noProof="0"/>
@@ -5218,7 +5283,7 @@
           <p:nvPr/>
         </p:nvPicPr>
         <p:blipFill>
-          <a:blip r:embed="rId2"/>
+          <a:blip r:embed="rId2" cstate="print"/>
           <a:srcRect/>
           <a:stretch>
             <a:fillRect/>
@@ -5249,14 +5314,14 @@
   <p:timing>
     <p:tnLst>
       <p:par>
-        <p:cTn xmlns:p14="http://schemas.microsoft.com/office/powerpoint/2010/main" id="1" dur="indefinite" restart="never" nodeType="tmRoot"/>
+        <p:cTn id="1" dur="indefinite" restart="never" nodeType="tmRoot"/>
       </p:par>
     </p:tnLst>
   </p:timing>
 </p:sld>
 </file>
 
-<file path=ppt/slides/slide18.xml><?xml version="1.0" encoding="utf-8"?>
+<file path=ppt/slides/slide19.xml><?xml version="1.0" encoding="utf-8"?>
 <p:sld xmlns:a="http://schemas.openxmlformats.org/drawingml/2006/main" xmlns:r="http://schemas.openxmlformats.org/officeDocument/2006/relationships" xmlns:p="http://schemas.openxmlformats.org/presentationml/2006/main">
   <p:cSld>
     <p:spTree>
@@ -5331,7 +5396,7 @@
           <p:nvPr/>
         </p:nvPicPr>
         <p:blipFill>
-          <a:blip r:embed="rId2"/>
+          <a:blip r:embed="rId2" cstate="print"/>
           <a:srcRect/>
           <a:stretch>
             <a:fillRect/>
@@ -5362,14 +5427,14 @@
   <p:timing>
     <p:tnLst>
       <p:par>
-        <p:cTn xmlns:p14="http://schemas.microsoft.com/office/powerpoint/2010/main" id="1" dur="indefinite" restart="never" nodeType="tmRoot"/>
+        <p:cTn id="1" dur="indefinite" restart="never" nodeType="tmRoot"/>
       </p:par>
     </p:tnLst>
   </p:timing>
 </p:sld>
 </file>
 
-<file path=ppt/slides/slide19.xml><?xml version="1.0" encoding="utf-8"?>
+<file path=ppt/slides/slide2.xml><?xml version="1.0" encoding="utf-8"?>
 <p:sld xmlns:a="http://schemas.openxmlformats.org/drawingml/2006/main" xmlns:r="http://schemas.openxmlformats.org/officeDocument/2006/relationships" xmlns:p="http://schemas.openxmlformats.org/presentationml/2006/main">
   <p:cSld>
     <p:spTree>
@@ -5402,6 +5467,115 @@
           <a:lstStyle/>
           <a:p>
             <a:r>
+              <a:rPr lang="en-US" noProof="0" dirty="0" smtClean="0"/>
+              <a:t>Outline</a:t>
+            </a:r>
+            <a:endParaRPr lang="en-US" noProof="0" dirty="0"/>
+          </a:p>
+        </p:txBody>
+      </p:sp>
+      <p:sp>
+        <p:nvSpPr>
+          <p:cNvPr id="3" name="Content Placeholder 2"/>
+          <p:cNvSpPr>
+            <a:spLocks noGrp="1"/>
+          </p:cNvSpPr>
+          <p:nvPr>
+            <p:ph idx="1"/>
+          </p:nvPr>
+        </p:nvSpPr>
+        <p:spPr/>
+        <p:txBody>
+          <a:bodyPr>
+            <a:normAutofit/>
+          </a:bodyPr>
+          <a:lstStyle/>
+          <a:p>
+            <a:r>
+              <a:rPr lang="en-US" noProof="0" dirty="0" smtClean="0"/>
+              <a:t>Thesis description</a:t>
+            </a:r>
+          </a:p>
+          <a:p>
+            <a:r>
+              <a:rPr lang="en-US" noProof="0" dirty="0" smtClean="0"/>
+              <a:t>Building blocks of the system</a:t>
+            </a:r>
+          </a:p>
+          <a:p>
+            <a:r>
+              <a:rPr lang="en-US" noProof="0" dirty="0" smtClean="0"/>
+              <a:t>Protocol specifications</a:t>
+            </a:r>
+          </a:p>
+          <a:p>
+            <a:r>
+              <a:rPr lang="en-US" noProof="0" dirty="0" smtClean="0"/>
+              <a:t>Simulations of SSPayWMN</a:t>
+            </a:r>
+          </a:p>
+          <a:p>
+            <a:r>
+              <a:rPr lang="en-US" noProof="0" dirty="0" smtClean="0"/>
+              <a:t>Discussion on success of SSPayWMN</a:t>
+            </a:r>
+          </a:p>
+          <a:p>
+            <a:r>
+              <a:rPr lang="en-US" noProof="0" dirty="0" smtClean="0"/>
+              <a:t>Conclusions</a:t>
+            </a:r>
+          </a:p>
+        </p:txBody>
+      </p:sp>
+    </p:spTree>
+  </p:cSld>
+  <p:clrMapOvr>
+    <a:masterClrMapping/>
+  </p:clrMapOvr>
+  <p:timing>
+    <p:tnLst>
+      <p:par>
+        <p:cTn id="1" dur="indefinite" restart="never" nodeType="tmRoot"/>
+      </p:par>
+    </p:tnLst>
+  </p:timing>
+</p:sld>
+</file>
+
+<file path=ppt/slides/slide20.xml><?xml version="1.0" encoding="utf-8"?>
+<p:sld xmlns:a="http://schemas.openxmlformats.org/drawingml/2006/main" xmlns:r="http://schemas.openxmlformats.org/officeDocument/2006/relationships" xmlns:p="http://schemas.openxmlformats.org/presentationml/2006/main">
+  <p:cSld>
+    <p:spTree>
+      <p:nvGrpSpPr>
+        <p:cNvPr id="1" name=""/>
+        <p:cNvGrpSpPr/>
+        <p:nvPr/>
+      </p:nvGrpSpPr>
+      <p:grpSpPr>
+        <a:xfrm>
+          <a:off x="0" y="0"/>
+          <a:ext cx="0" cy="0"/>
+          <a:chOff x="0" y="0"/>
+          <a:chExt cx="0" cy="0"/>
+        </a:xfrm>
+      </p:grpSpPr>
+      <p:sp>
+        <p:nvSpPr>
+          <p:cNvPr id="2" name="Title 1"/>
+          <p:cNvSpPr>
+            <a:spLocks noGrp="1"/>
+          </p:cNvSpPr>
+          <p:nvPr>
+            <p:ph type="title"/>
+          </p:nvPr>
+        </p:nvSpPr>
+        <p:spPr/>
+        <p:txBody>
+          <a:bodyPr/>
+          <a:lstStyle/>
+          <a:p>
+            <a:r>
               <a:rPr lang="en-US" noProof="0" smtClean="0"/>
               <a:t>Unit Test Results</a:t>
             </a:r>
@@ -5446,7 +5620,7 @@
           <p:nvPr/>
         </p:nvPicPr>
         <p:blipFill>
-          <a:blip r:embed="rId2"/>
+          <a:blip r:embed="rId2" cstate="print"/>
           <a:srcRect/>
           <a:stretch>
             <a:fillRect/>
@@ -5477,124 +5651,14 @@
   <p:timing>
     <p:tnLst>
       <p:par>
-        <p:cTn xmlns:p14="http://schemas.microsoft.com/office/powerpoint/2010/main" id="1" dur="indefinite" restart="never" nodeType="tmRoot"/>
+        <p:cTn id="1" dur="indefinite" restart="never" nodeType="tmRoot"/>
       </p:par>
     </p:tnLst>
   </p:timing>
 </p:sld>
 </file>
 
-<file path=ppt/slides/slide2.xml><?xml version="1.0" encoding="utf-8"?>
-<p:sld xmlns:a="http://schemas.openxmlformats.org/drawingml/2006/main" xmlns:r="http://schemas.openxmlformats.org/officeDocument/2006/relationships" xmlns:p="http://schemas.openxmlformats.org/presentationml/2006/main">
-  <p:cSld>
-    <p:spTree>
-      <p:nvGrpSpPr>
-        <p:cNvPr id="1" name=""/>
-        <p:cNvGrpSpPr/>
-        <p:nvPr/>
-      </p:nvGrpSpPr>
-      <p:grpSpPr>
-        <a:xfrm>
-          <a:off x="0" y="0"/>
-          <a:ext cx="0" cy="0"/>
-          <a:chOff x="0" y="0"/>
-          <a:chExt cx="0" cy="0"/>
-        </a:xfrm>
-      </p:grpSpPr>
-      <p:sp>
-        <p:nvSpPr>
-          <p:cNvPr id="2" name="Title 1"/>
-          <p:cNvSpPr>
-            <a:spLocks noGrp="1"/>
-          </p:cNvSpPr>
-          <p:nvPr>
-            <p:ph type="title"/>
-          </p:nvPr>
-        </p:nvSpPr>
-        <p:spPr/>
-        <p:txBody>
-          <a:bodyPr/>
-          <a:lstStyle/>
-          <a:p>
-            <a:r>
-              <a:rPr lang="en-US" noProof="0" dirty="0" smtClean="0"/>
-              <a:t>Outline</a:t>
-            </a:r>
-            <a:endParaRPr lang="en-US" noProof="0" dirty="0"/>
-          </a:p>
-        </p:txBody>
-      </p:sp>
-      <p:sp>
-        <p:nvSpPr>
-          <p:cNvPr id="3" name="Content Placeholder 2"/>
-          <p:cNvSpPr>
-            <a:spLocks noGrp="1"/>
-          </p:cNvSpPr>
-          <p:nvPr>
-            <p:ph idx="1"/>
-          </p:nvPr>
-        </p:nvSpPr>
-        <p:spPr/>
-        <p:txBody>
-          <a:bodyPr>
-            <a:normAutofit/>
-          </a:bodyPr>
-          <a:lstStyle/>
-          <a:p>
-            <a:r>
-              <a:rPr lang="en-US" noProof="0" dirty="0" smtClean="0"/>
-              <a:t>Thesis description</a:t>
-            </a:r>
-          </a:p>
-          <a:p>
-            <a:r>
-              <a:rPr lang="en-US" noProof="0" dirty="0" smtClean="0"/>
-              <a:t>Building blocks of the system</a:t>
-            </a:r>
-          </a:p>
-          <a:p>
-            <a:r>
-              <a:rPr lang="en-US" noProof="0" dirty="0" smtClean="0"/>
-              <a:t>Protocol specifications</a:t>
-            </a:r>
-          </a:p>
-          <a:p>
-            <a:r>
-              <a:rPr lang="en-US" noProof="0" dirty="0" smtClean="0"/>
-              <a:t>Simulations of SSPayWMN</a:t>
-            </a:r>
-            <a:endParaRPr lang="en-US" noProof="0" dirty="0" smtClean="0"/>
-          </a:p>
-          <a:p>
-            <a:r>
-              <a:rPr lang="en-US" noProof="0" dirty="0" smtClean="0"/>
-              <a:t>Discussion on success of SSPayWMN</a:t>
-            </a:r>
-          </a:p>
-          <a:p>
-            <a:r>
-              <a:rPr lang="en-US" noProof="0" dirty="0" smtClean="0"/>
-              <a:t>Conclusions</a:t>
-            </a:r>
-          </a:p>
-        </p:txBody>
-      </p:sp>
-    </p:spTree>
-  </p:cSld>
-  <p:clrMapOvr>
-    <a:masterClrMapping/>
-  </p:clrMapOvr>
-  <p:timing>
-    <p:tnLst>
-      <p:par>
-        <p:cTn xmlns:p14="http://schemas.microsoft.com/office/powerpoint/2010/main" id="1" dur="indefinite" restart="never" nodeType="tmRoot"/>
-      </p:par>
-    </p:tnLst>
-  </p:timing>
-</p:sld>
-</file>
-
-<file path=ppt/slides/slide20.xml><?xml version="1.0" encoding="utf-8"?>
+<file path=ppt/slides/slide21.xml><?xml version="1.0" encoding="utf-8"?>
 <p:sld xmlns:a="http://schemas.openxmlformats.org/drawingml/2006/main" xmlns:r="http://schemas.openxmlformats.org/officeDocument/2006/relationships" xmlns:p="http://schemas.openxmlformats.org/presentationml/2006/main">
   <p:cSld>
     <p:spTree>
@@ -5700,14 +5764,14 @@
   <p:timing>
     <p:tnLst>
       <p:par>
-        <p:cTn xmlns:p14="http://schemas.microsoft.com/office/powerpoint/2010/main" id="1" dur="indefinite" restart="never" nodeType="tmRoot"/>
+        <p:cTn id="1" dur="indefinite" restart="never" nodeType="tmRoot"/>
       </p:par>
     </p:tnLst>
   </p:timing>
 </p:sld>
 </file>
 
-<file path=ppt/slides/slide21.xml><?xml version="1.0" encoding="utf-8"?>
+<file path=ppt/slides/slide22.xml><?xml version="1.0" encoding="utf-8"?>
 <p:sld xmlns:a="http://schemas.openxmlformats.org/drawingml/2006/main" xmlns:r="http://schemas.openxmlformats.org/officeDocument/2006/relationships" xmlns:p="http://schemas.openxmlformats.org/presentationml/2006/main">
   <p:cSld>
     <p:spTree>
@@ -5736,182 +5800,59 @@
         </p:nvSpPr>
         <p:spPr/>
         <p:txBody>
+          <a:bodyPr/>
+          <a:lstStyle/>
+          <a:p>
+            <a:r>
+              <a:rPr lang="en-US" noProof="0" smtClean="0"/>
+              <a:t>Client Types</a:t>
+            </a:r>
+            <a:endParaRPr lang="en-US" noProof="0"/>
+          </a:p>
+        </p:txBody>
+      </p:sp>
+      <p:sp>
+        <p:nvSpPr>
+          <p:cNvPr id="3" name="Content Placeholder 2"/>
+          <p:cNvSpPr>
+            <a:spLocks noGrp="1"/>
+          </p:cNvSpPr>
+          <p:nvPr>
+            <p:ph idx="1"/>
+          </p:nvPr>
+        </p:nvSpPr>
+        <p:spPr/>
+        <p:txBody>
           <a:bodyPr>
-            <a:normAutofit fontScale="90000"/>
+            <a:normAutofit/>
           </a:bodyPr>
           <a:lstStyle/>
           <a:p>
             <a:r>
-              <a:rPr lang="en-US" noProof="0" smtClean="0"/>
-              <a:t>User Modeling and Mobility in </a:t>
-            </a:r>
-            <a:br>
-              <a:rPr lang="en-US" noProof="0" smtClean="0"/>
-            </a:br>
-            <a:r>
-              <a:rPr lang="en-US" noProof="0" smtClean="0"/>
-              <a:t>Real-Life Scenario</a:t>
-            </a:r>
-            <a:endParaRPr lang="en-US" noProof="0"/>
-          </a:p>
-        </p:txBody>
-      </p:sp>
-      <p:sp>
-        <p:nvSpPr>
-          <p:cNvPr id="3" name="Content Placeholder 2"/>
-          <p:cNvSpPr>
-            <a:spLocks noGrp="1"/>
-          </p:cNvSpPr>
-          <p:nvPr>
-            <p:ph idx="1"/>
-          </p:nvPr>
-        </p:nvSpPr>
-        <p:spPr/>
-        <p:txBody>
-          <a:bodyPr>
-            <a:normAutofit fontScale="77500" lnSpcReduction="20000"/>
-          </a:bodyPr>
-          <a:lstStyle/>
-          <a:p>
-            <a:r>
               <a:rPr lang="en-US" noProof="0" dirty="0" smtClean="0"/>
-              <a:t>The proposed system intends to serve a variety of users. </a:t>
-            </a:r>
-          </a:p>
-          <a:p>
-            <a:r>
-              <a:rPr lang="en-US" dirty="0" smtClean="0"/>
-              <a:t>Clients perform certain kinds of actions and </a:t>
-            </a:r>
-            <a:r>
-              <a:rPr lang="en-US" dirty="0"/>
-              <a:t>a</a:t>
-            </a:r>
-            <a:r>
-              <a:rPr lang="en-US" noProof="0" dirty="0" err="1" smtClean="0"/>
-              <a:t>ll</a:t>
-            </a:r>
+              <a:t>Three different user types are outlined with different networking and mobility requirements.</a:t>
+            </a:r>
+          </a:p>
+          <a:p>
+            <a:pPr lvl="1"/>
             <a:r>
               <a:rPr lang="en-US" noProof="0" dirty="0" smtClean="0"/>
-              <a:t> of these actions are triggered as a result of a random event.</a:t>
-            </a:r>
-          </a:p>
-          <a:p>
-            <a:pPr marL="0" indent="0" algn="ctr">
-              <a:buNone/>
-            </a:pPr>
-            <a:endParaRPr lang="en-US" i="1" dirty="0" smtClean="0"/>
-          </a:p>
-          <a:p>
-            <a:pPr marL="0" indent="0" algn="ctr">
-              <a:buNone/>
-            </a:pPr>
-            <a:r>
-              <a:rPr lang="en-US" i="1" dirty="0" err="1" smtClean="0"/>
-              <a:t>beco</a:t>
-            </a:r>
-            <a:r>
-              <a:rPr lang="en-US" i="1" dirty="0" smtClean="0"/>
-              <a:t>𝑚</a:t>
-            </a:r>
-            <a:r>
-              <a:rPr lang="en-US" i="1" dirty="0" err="1" smtClean="0"/>
-              <a:t>eActiveProb</a:t>
-            </a:r>
-            <a:r>
-              <a:rPr lang="en-US" i="1" dirty="0"/>
-              <a:t>&lt;Domestic&gt;  = {0.40, 0.60, 0.60};</a:t>
-            </a:r>
-            <a:endParaRPr lang="en-US" dirty="0"/>
-          </a:p>
-          <a:p>
-            <a:pPr marL="0" indent="0" algn="ctr">
-              <a:buNone/>
-            </a:pPr>
-            <a:r>
-              <a:rPr lang="en-US" i="1" dirty="0" err="1"/>
-              <a:t>becomeActiveProb</a:t>
-            </a:r>
-            <a:r>
-              <a:rPr lang="en-US" i="1" dirty="0"/>
-              <a:t>&lt;Student&gt;  = {0.20, 0.20, 0.80};</a:t>
-            </a:r>
-            <a:endParaRPr lang="en-US" dirty="0"/>
-          </a:p>
-          <a:p>
-            <a:pPr marL="0" indent="0" algn="ctr">
-              <a:buNone/>
-            </a:pPr>
-            <a:r>
-              <a:rPr lang="en-US" i="1" dirty="0" err="1"/>
-              <a:t>becomeActiveProb</a:t>
-            </a:r>
-            <a:r>
-              <a:rPr lang="en-US" i="1" dirty="0"/>
-              <a:t>&lt;Employee&gt;  = {0.20, 0.99, 0.20};</a:t>
-            </a:r>
-            <a:endParaRPr lang="en-US" dirty="0"/>
-          </a:p>
-          <a:p>
-            <a:pPr marL="0" indent="0" algn="ctr">
-              <a:buNone/>
-            </a:pPr>
-            <a:r>
-              <a:rPr lang="en-US" dirty="0"/>
-              <a:t> </a:t>
-            </a:r>
-          </a:p>
-          <a:p>
-            <a:pPr marL="0" indent="0" algn="ctr">
-              <a:buNone/>
-            </a:pPr>
-            <a:r>
-              <a:rPr lang="en-US" i="1" dirty="0" err="1"/>
-              <a:t>stayActiveProb</a:t>
-            </a:r>
-            <a:r>
-              <a:rPr lang="en-US" i="1" dirty="0"/>
-              <a:t>&lt;</a:t>
-            </a:r>
-            <a:r>
-              <a:rPr lang="en-US" i="1" dirty="0" err="1"/>
-              <a:t>Domesti</a:t>
-            </a:r>
-            <a:r>
-              <a:rPr lang="en-US" i="1" dirty="0"/>
-              <a:t>𝑐&gt;  = {0.90, 0.98, 0.80};</a:t>
-            </a:r>
-            <a:endParaRPr lang="en-US" dirty="0"/>
-          </a:p>
-          <a:p>
-            <a:pPr marL="0" indent="0" algn="ctr">
-              <a:buNone/>
-            </a:pPr>
-            <a:r>
-              <a:rPr lang="en-US" i="1" dirty="0" err="1"/>
-              <a:t>stayActiveProb</a:t>
-            </a:r>
-            <a:r>
-              <a:rPr lang="en-US" i="1" dirty="0"/>
-              <a:t>&lt;Student&gt; = {0.30, 0.20, 0.98};</a:t>
-            </a:r>
-            <a:endParaRPr lang="en-US" dirty="0"/>
-          </a:p>
-          <a:p>
-            <a:pPr marL="0" indent="0" algn="ctr">
-              <a:buNone/>
-            </a:pPr>
-            <a:r>
-              <a:rPr lang="en-US" i="1" dirty="0" err="1"/>
-              <a:t>stayActiveProb</a:t>
-            </a:r>
-            <a:r>
-              <a:rPr lang="en-US" i="1" dirty="0"/>
-              <a:t>&lt;Employee&gt;  = {0.30, 0.99, 0.20};</a:t>
-            </a:r>
-            <a:endParaRPr lang="en-US" dirty="0"/>
-          </a:p>
-          <a:p>
+              <a:t>Students</a:t>
+            </a:r>
+          </a:p>
+          <a:p>
+            <a:pPr lvl="1"/>
+            <a:r>
+              <a:rPr lang="en-US" noProof="0" dirty="0" smtClean="0"/>
+              <a:t>Employees</a:t>
+            </a:r>
+          </a:p>
+          <a:p>
+            <a:pPr lvl="1"/>
+            <a:r>
+              <a:rPr lang="en-US" noProof="0" dirty="0" smtClean="0"/>
+              <a:t>Domestics</a:t>
+            </a:r>
             <a:endParaRPr lang="en-US" noProof="0" dirty="0"/>
           </a:p>
         </p:txBody>
@@ -5924,14 +5865,722 @@
   <p:timing>
     <p:tnLst>
       <p:par>
-        <p:cTn xmlns:p14="http://schemas.microsoft.com/office/powerpoint/2010/main" id="1" dur="indefinite" restart="never" nodeType="tmRoot"/>
+        <p:cTn id="1" dur="indefinite" restart="never" nodeType="tmRoot"/>
       </p:par>
     </p:tnLst>
   </p:timing>
 </p:sld>
 </file>
 
-<file path=ppt/slides/slide22.xml><?xml version="1.0" encoding="utf-8"?>
+<file path=ppt/slides/slide23.xml><?xml version="1.0" encoding="utf-8"?>
+<p:sld xmlns:a="http://schemas.openxmlformats.org/drawingml/2006/main" xmlns:r="http://schemas.openxmlformats.org/officeDocument/2006/relationships" xmlns:p="http://schemas.openxmlformats.org/presentationml/2006/main">
+  <p:cSld>
+    <p:spTree>
+      <p:nvGrpSpPr>
+        <p:cNvPr id="1" name=""/>
+        <p:cNvGrpSpPr/>
+        <p:nvPr/>
+      </p:nvGrpSpPr>
+      <p:grpSpPr>
+        <a:xfrm>
+          <a:off x="0" y="0"/>
+          <a:ext cx="0" cy="0"/>
+          <a:chOff x="0" y="0"/>
+          <a:chExt cx="0" cy="0"/>
+        </a:xfrm>
+      </p:grpSpPr>
+      <p:sp>
+        <p:nvSpPr>
+          <p:cNvPr id="2" name="Title 1"/>
+          <p:cNvSpPr>
+            <a:spLocks noGrp="1"/>
+          </p:cNvSpPr>
+          <p:nvPr>
+            <p:ph type="title"/>
+          </p:nvPr>
+        </p:nvSpPr>
+        <p:spPr/>
+        <p:txBody>
+          <a:bodyPr>
+            <a:normAutofit fontScale="90000"/>
+          </a:bodyPr>
+          <a:lstStyle/>
+          <a:p>
+            <a:r>
+              <a:rPr lang="en-US" noProof="0" smtClean="0"/>
+              <a:t>User Modeling and Mobility in </a:t>
+            </a:r>
+            <a:br>
+              <a:rPr lang="en-US" noProof="0" smtClean="0"/>
+            </a:br>
+            <a:r>
+              <a:rPr lang="en-US" noProof="0" smtClean="0"/>
+              <a:t>Real-Life Scenario</a:t>
+            </a:r>
+            <a:endParaRPr lang="en-US" noProof="0"/>
+          </a:p>
+        </p:txBody>
+      </p:sp>
+      <p:sp>
+        <p:nvSpPr>
+          <p:cNvPr id="3" name="Content Placeholder 2"/>
+          <p:cNvSpPr>
+            <a:spLocks noGrp="1"/>
+          </p:cNvSpPr>
+          <p:nvPr>
+            <p:ph idx="1"/>
+          </p:nvPr>
+        </p:nvSpPr>
+        <p:spPr>
+          <a:xfrm>
+            <a:off x="457200" y="1600200"/>
+            <a:ext cx="8229600" cy="1900237"/>
+          </a:xfrm>
+        </p:spPr>
+        <p:txBody>
+          <a:bodyPr>
+            <a:normAutofit fontScale="77500" lnSpcReduction="20000"/>
+          </a:bodyPr>
+          <a:lstStyle/>
+          <a:p>
+            <a:r>
+              <a:rPr lang="en-US" noProof="0" dirty="0" smtClean="0"/>
+              <a:t>The proposed system intends to serve a variety of users. </a:t>
+            </a:r>
+          </a:p>
+          <a:p>
+            <a:r>
+              <a:rPr lang="en-US" dirty="0" smtClean="0"/>
+              <a:t>Clients perform certain kinds of actions and </a:t>
+            </a:r>
+            <a:r>
+              <a:rPr lang="en-US" dirty="0"/>
+              <a:t>a</a:t>
+            </a:r>
+            <a:r>
+              <a:rPr lang="en-US" noProof="0" dirty="0" err="1" smtClean="0"/>
+              <a:t>ll</a:t>
+            </a:r>
+            <a:r>
+              <a:rPr lang="en-US" noProof="0" dirty="0" smtClean="0"/>
+              <a:t> of these actions are triggered as a result of a random event.</a:t>
+            </a:r>
+          </a:p>
+          <a:p>
+            <a:pPr marL="0" indent="0" algn="ctr">
+              <a:buNone/>
+            </a:pPr>
+            <a:r>
+              <a:rPr lang="en-US" dirty="0"/>
+              <a:t> </a:t>
+            </a:r>
+          </a:p>
+        </p:txBody>
+      </p:sp>
+      <p:graphicFrame>
+        <p:nvGraphicFramePr>
+          <p:cNvPr id="4" name="Table 3"/>
+          <p:cNvGraphicFramePr>
+            <a:graphicFrameLocks noGrp="1"/>
+          </p:cNvGraphicFramePr>
+          <p:nvPr/>
+        </p:nvGraphicFramePr>
+        <p:xfrm>
+          <a:off x="2500298" y="2857496"/>
+          <a:ext cx="6096000" cy="1483360"/>
+        </p:xfrm>
+        <a:graphic>
+          <a:graphicData uri="http://schemas.openxmlformats.org/drawingml/2006/table">
+            <a:tbl>
+              <a:tblPr firstRow="1" bandRow="1">
+                <a:tableStyleId>{5C22544A-7EE6-4342-B048-85BDC9FD1C3A}</a:tableStyleId>
+              </a:tblPr>
+              <a:tblGrid>
+                <a:gridCol w="1524000"/>
+                <a:gridCol w="1524000"/>
+                <a:gridCol w="1524000"/>
+                <a:gridCol w="1524000"/>
+              </a:tblGrid>
+              <a:tr h="370840">
+                <a:tc>
+                  <a:txBody>
+                    <a:bodyPr/>
+                    <a:lstStyle/>
+                    <a:p>
+                      <a:endParaRPr lang="en-US" dirty="0"/>
+                    </a:p>
+                  </a:txBody>
+                  <a:tcPr/>
+                </a:tc>
+                <a:tc>
+                  <a:txBody>
+                    <a:bodyPr/>
+                    <a:lstStyle/>
+                    <a:p>
+                      <a:r>
+                        <a:rPr lang="tr-TR" dirty="0" smtClean="0"/>
+                        <a:t>Morning</a:t>
+                      </a:r>
+                      <a:endParaRPr lang="en-US" dirty="0"/>
+                    </a:p>
+                  </a:txBody>
+                  <a:tcPr/>
+                </a:tc>
+                <a:tc>
+                  <a:txBody>
+                    <a:bodyPr/>
+                    <a:lstStyle/>
+                    <a:p>
+                      <a:r>
+                        <a:rPr lang="tr-TR" dirty="0" smtClean="0"/>
+                        <a:t>Daytime</a:t>
+                      </a:r>
+                      <a:endParaRPr lang="en-US" dirty="0"/>
+                    </a:p>
+                  </a:txBody>
+                  <a:tcPr/>
+                </a:tc>
+                <a:tc>
+                  <a:txBody>
+                    <a:bodyPr/>
+                    <a:lstStyle/>
+                    <a:p>
+                      <a:r>
+                        <a:rPr lang="tr-TR" dirty="0" smtClean="0"/>
+                        <a:t>Evening</a:t>
+                      </a:r>
+                      <a:endParaRPr lang="en-US" dirty="0"/>
+                    </a:p>
+                  </a:txBody>
+                  <a:tcPr/>
+                </a:tc>
+              </a:tr>
+              <a:tr h="370840">
+                <a:tc>
+                  <a:txBody>
+                    <a:bodyPr/>
+                    <a:lstStyle/>
+                    <a:p>
+                      <a:r>
+                        <a:rPr lang="tr-TR" dirty="0" smtClean="0"/>
+                        <a:t>Domestics</a:t>
+                      </a:r>
+                      <a:endParaRPr lang="en-US" dirty="0"/>
+                    </a:p>
+                  </a:txBody>
+                  <a:tcPr/>
+                </a:tc>
+                <a:tc>
+                  <a:txBody>
+                    <a:bodyPr/>
+                    <a:lstStyle/>
+                    <a:p>
+                      <a:r>
+                        <a:rPr lang="tr-TR" dirty="0" smtClean="0"/>
+                        <a:t>0,40</a:t>
+                      </a:r>
+                      <a:endParaRPr lang="en-US" dirty="0"/>
+                    </a:p>
+                  </a:txBody>
+                  <a:tcPr/>
+                </a:tc>
+                <a:tc>
+                  <a:txBody>
+                    <a:bodyPr/>
+                    <a:lstStyle/>
+                    <a:p>
+                      <a:r>
+                        <a:rPr lang="tr-TR" dirty="0" smtClean="0"/>
+                        <a:t>0,60</a:t>
+                      </a:r>
+                      <a:endParaRPr lang="en-US" dirty="0"/>
+                    </a:p>
+                  </a:txBody>
+                  <a:tcPr/>
+                </a:tc>
+                <a:tc>
+                  <a:txBody>
+                    <a:bodyPr/>
+                    <a:lstStyle/>
+                    <a:p>
+                      <a:r>
+                        <a:rPr lang="tr-TR" dirty="0" smtClean="0"/>
+                        <a:t>0,60</a:t>
+                      </a:r>
+                      <a:endParaRPr lang="en-US" dirty="0"/>
+                    </a:p>
+                  </a:txBody>
+                  <a:tcPr/>
+                </a:tc>
+              </a:tr>
+              <a:tr h="370840">
+                <a:tc>
+                  <a:txBody>
+                    <a:bodyPr/>
+                    <a:lstStyle/>
+                    <a:p>
+                      <a:r>
+                        <a:rPr lang="tr-TR" dirty="0" smtClean="0"/>
+                        <a:t>Students</a:t>
+                      </a:r>
+                      <a:endParaRPr lang="en-US" dirty="0"/>
+                    </a:p>
+                  </a:txBody>
+                  <a:tcPr/>
+                </a:tc>
+                <a:tc>
+                  <a:txBody>
+                    <a:bodyPr/>
+                    <a:lstStyle/>
+                    <a:p>
+                      <a:r>
+                        <a:rPr lang="tr-TR" dirty="0" smtClean="0"/>
+                        <a:t>0,20</a:t>
+                      </a:r>
+                      <a:endParaRPr lang="en-US" dirty="0"/>
+                    </a:p>
+                  </a:txBody>
+                  <a:tcPr/>
+                </a:tc>
+                <a:tc>
+                  <a:txBody>
+                    <a:bodyPr/>
+                    <a:lstStyle/>
+                    <a:p>
+                      <a:r>
+                        <a:rPr lang="tr-TR" dirty="0" smtClean="0"/>
+                        <a:t>0,20</a:t>
+                      </a:r>
+                      <a:endParaRPr lang="en-US" dirty="0"/>
+                    </a:p>
+                  </a:txBody>
+                  <a:tcPr/>
+                </a:tc>
+                <a:tc>
+                  <a:txBody>
+                    <a:bodyPr/>
+                    <a:lstStyle/>
+                    <a:p>
+                      <a:r>
+                        <a:rPr lang="tr-TR" dirty="0" smtClean="0"/>
+                        <a:t>0,80</a:t>
+                      </a:r>
+                      <a:endParaRPr lang="en-US" dirty="0"/>
+                    </a:p>
+                  </a:txBody>
+                  <a:tcPr/>
+                </a:tc>
+              </a:tr>
+              <a:tr h="370840">
+                <a:tc>
+                  <a:txBody>
+                    <a:bodyPr/>
+                    <a:lstStyle/>
+                    <a:p>
+                      <a:r>
+                        <a:rPr lang="tr-TR" dirty="0" smtClean="0"/>
+                        <a:t>Employees</a:t>
+                      </a:r>
+                      <a:endParaRPr lang="en-US" dirty="0"/>
+                    </a:p>
+                  </a:txBody>
+                  <a:tcPr/>
+                </a:tc>
+                <a:tc>
+                  <a:txBody>
+                    <a:bodyPr/>
+                    <a:lstStyle/>
+                    <a:p>
+                      <a:r>
+                        <a:rPr lang="tr-TR" dirty="0" smtClean="0"/>
+                        <a:t>0,20</a:t>
+                      </a:r>
+                      <a:endParaRPr lang="en-US" dirty="0"/>
+                    </a:p>
+                  </a:txBody>
+                  <a:tcPr/>
+                </a:tc>
+                <a:tc>
+                  <a:txBody>
+                    <a:bodyPr/>
+                    <a:lstStyle/>
+                    <a:p>
+                      <a:r>
+                        <a:rPr lang="tr-TR" dirty="0" smtClean="0"/>
+                        <a:t>0,99</a:t>
+                      </a:r>
+                      <a:endParaRPr lang="en-US" dirty="0"/>
+                    </a:p>
+                  </a:txBody>
+                  <a:tcPr/>
+                </a:tc>
+                <a:tc>
+                  <a:txBody>
+                    <a:bodyPr/>
+                    <a:lstStyle/>
+                    <a:p>
+                      <a:r>
+                        <a:rPr lang="tr-TR" dirty="0" smtClean="0"/>
+                        <a:t>0,20</a:t>
+                      </a:r>
+                      <a:endParaRPr lang="en-US" dirty="0"/>
+                    </a:p>
+                  </a:txBody>
+                  <a:tcPr/>
+                </a:tc>
+              </a:tr>
+            </a:tbl>
+          </a:graphicData>
+        </a:graphic>
+      </p:graphicFrame>
+      <p:graphicFrame>
+        <p:nvGraphicFramePr>
+          <p:cNvPr id="5" name="Table 4"/>
+          <p:cNvGraphicFramePr>
+            <a:graphicFrameLocks noGrp="1"/>
+          </p:cNvGraphicFramePr>
+          <p:nvPr/>
+        </p:nvGraphicFramePr>
+        <p:xfrm>
+          <a:off x="2547966" y="4714884"/>
+          <a:ext cx="6096000" cy="1483360"/>
+        </p:xfrm>
+        <a:graphic>
+          <a:graphicData uri="http://schemas.openxmlformats.org/drawingml/2006/table">
+            <a:tbl>
+              <a:tblPr firstRow="1" bandRow="1">
+                <a:tableStyleId>{5C22544A-7EE6-4342-B048-85BDC9FD1C3A}</a:tableStyleId>
+              </a:tblPr>
+              <a:tblGrid>
+                <a:gridCol w="1524000"/>
+                <a:gridCol w="1524000"/>
+                <a:gridCol w="1524000"/>
+                <a:gridCol w="1524000"/>
+              </a:tblGrid>
+              <a:tr h="370840">
+                <a:tc>
+                  <a:txBody>
+                    <a:bodyPr/>
+                    <a:lstStyle/>
+                    <a:p>
+                      <a:endParaRPr lang="en-US" dirty="0"/>
+                    </a:p>
+                  </a:txBody>
+                  <a:tcPr/>
+                </a:tc>
+                <a:tc>
+                  <a:txBody>
+                    <a:bodyPr/>
+                    <a:lstStyle/>
+                    <a:p>
+                      <a:r>
+                        <a:rPr lang="tr-TR" dirty="0" smtClean="0"/>
+                        <a:t>Morning</a:t>
+                      </a:r>
+                      <a:endParaRPr lang="en-US" dirty="0"/>
+                    </a:p>
+                  </a:txBody>
+                  <a:tcPr/>
+                </a:tc>
+                <a:tc>
+                  <a:txBody>
+                    <a:bodyPr/>
+                    <a:lstStyle/>
+                    <a:p>
+                      <a:r>
+                        <a:rPr lang="tr-TR" dirty="0" smtClean="0"/>
+                        <a:t>Daytime</a:t>
+                      </a:r>
+                      <a:endParaRPr lang="en-US" dirty="0"/>
+                    </a:p>
+                  </a:txBody>
+                  <a:tcPr/>
+                </a:tc>
+                <a:tc>
+                  <a:txBody>
+                    <a:bodyPr/>
+                    <a:lstStyle/>
+                    <a:p>
+                      <a:r>
+                        <a:rPr lang="tr-TR" dirty="0" smtClean="0"/>
+                        <a:t>Evening</a:t>
+                      </a:r>
+                      <a:endParaRPr lang="en-US" dirty="0"/>
+                    </a:p>
+                  </a:txBody>
+                  <a:tcPr/>
+                </a:tc>
+              </a:tr>
+              <a:tr h="370840">
+                <a:tc>
+                  <a:txBody>
+                    <a:bodyPr/>
+                    <a:lstStyle/>
+                    <a:p>
+                      <a:r>
+                        <a:rPr lang="tr-TR" dirty="0" smtClean="0"/>
+                        <a:t>Domestics</a:t>
+                      </a:r>
+                      <a:endParaRPr lang="en-US" dirty="0"/>
+                    </a:p>
+                  </a:txBody>
+                  <a:tcPr/>
+                </a:tc>
+                <a:tc>
+                  <a:txBody>
+                    <a:bodyPr/>
+                    <a:lstStyle/>
+                    <a:p>
+                      <a:r>
+                        <a:rPr lang="tr-TR" dirty="0" smtClean="0"/>
+                        <a:t>0,90</a:t>
+                      </a:r>
+                      <a:endParaRPr lang="en-US" dirty="0"/>
+                    </a:p>
+                  </a:txBody>
+                  <a:tcPr/>
+                </a:tc>
+                <a:tc>
+                  <a:txBody>
+                    <a:bodyPr/>
+                    <a:lstStyle/>
+                    <a:p>
+                      <a:r>
+                        <a:rPr lang="tr-TR" dirty="0" smtClean="0"/>
+                        <a:t>0,98</a:t>
+                      </a:r>
+                      <a:endParaRPr lang="en-US" dirty="0"/>
+                    </a:p>
+                  </a:txBody>
+                  <a:tcPr/>
+                </a:tc>
+                <a:tc>
+                  <a:txBody>
+                    <a:bodyPr/>
+                    <a:lstStyle/>
+                    <a:p>
+                      <a:r>
+                        <a:rPr lang="tr-TR" dirty="0" smtClean="0"/>
+                        <a:t>0,80</a:t>
+                      </a:r>
+                      <a:endParaRPr lang="en-US" dirty="0"/>
+                    </a:p>
+                  </a:txBody>
+                  <a:tcPr/>
+                </a:tc>
+              </a:tr>
+              <a:tr h="370840">
+                <a:tc>
+                  <a:txBody>
+                    <a:bodyPr/>
+                    <a:lstStyle/>
+                    <a:p>
+                      <a:r>
+                        <a:rPr lang="tr-TR" dirty="0" smtClean="0"/>
+                        <a:t>Students</a:t>
+                      </a:r>
+                      <a:endParaRPr lang="en-US" dirty="0"/>
+                    </a:p>
+                  </a:txBody>
+                  <a:tcPr/>
+                </a:tc>
+                <a:tc>
+                  <a:txBody>
+                    <a:bodyPr/>
+                    <a:lstStyle/>
+                    <a:p>
+                      <a:r>
+                        <a:rPr lang="tr-TR" dirty="0" smtClean="0"/>
+                        <a:t>0,30</a:t>
+                      </a:r>
+                      <a:endParaRPr lang="en-US" dirty="0"/>
+                    </a:p>
+                  </a:txBody>
+                  <a:tcPr/>
+                </a:tc>
+                <a:tc>
+                  <a:txBody>
+                    <a:bodyPr/>
+                    <a:lstStyle/>
+                    <a:p>
+                      <a:r>
+                        <a:rPr lang="tr-TR" dirty="0" smtClean="0"/>
+                        <a:t>0,20</a:t>
+                      </a:r>
+                      <a:endParaRPr lang="en-US" dirty="0"/>
+                    </a:p>
+                  </a:txBody>
+                  <a:tcPr/>
+                </a:tc>
+                <a:tc>
+                  <a:txBody>
+                    <a:bodyPr/>
+                    <a:lstStyle/>
+                    <a:p>
+                      <a:r>
+                        <a:rPr lang="tr-TR" dirty="0" smtClean="0"/>
+                        <a:t>0,98</a:t>
+                      </a:r>
+                      <a:endParaRPr lang="en-US" dirty="0"/>
+                    </a:p>
+                  </a:txBody>
+                  <a:tcPr/>
+                </a:tc>
+              </a:tr>
+              <a:tr h="370840">
+                <a:tc>
+                  <a:txBody>
+                    <a:bodyPr/>
+                    <a:lstStyle/>
+                    <a:p>
+                      <a:r>
+                        <a:rPr lang="tr-TR" dirty="0" smtClean="0"/>
+                        <a:t>Employees</a:t>
+                      </a:r>
+                      <a:endParaRPr lang="en-US" dirty="0"/>
+                    </a:p>
+                  </a:txBody>
+                  <a:tcPr/>
+                </a:tc>
+                <a:tc>
+                  <a:txBody>
+                    <a:bodyPr/>
+                    <a:lstStyle/>
+                    <a:p>
+                      <a:r>
+                        <a:rPr lang="tr-TR" dirty="0" smtClean="0"/>
+                        <a:t>0,30</a:t>
+                      </a:r>
+                      <a:endParaRPr lang="en-US" dirty="0"/>
+                    </a:p>
+                  </a:txBody>
+                  <a:tcPr/>
+                </a:tc>
+                <a:tc>
+                  <a:txBody>
+                    <a:bodyPr/>
+                    <a:lstStyle/>
+                    <a:p>
+                      <a:r>
+                        <a:rPr lang="tr-TR" dirty="0" smtClean="0"/>
+                        <a:t>0,99</a:t>
+                      </a:r>
+                      <a:endParaRPr lang="en-US" dirty="0"/>
+                    </a:p>
+                  </a:txBody>
+                  <a:tcPr/>
+                </a:tc>
+                <a:tc>
+                  <a:txBody>
+                    <a:bodyPr/>
+                    <a:lstStyle/>
+                    <a:p>
+                      <a:r>
+                        <a:rPr lang="tr-TR" dirty="0" smtClean="0"/>
+                        <a:t>0,20</a:t>
+                      </a:r>
+                      <a:endParaRPr lang="en-US" dirty="0"/>
+                    </a:p>
+                  </a:txBody>
+                  <a:tcPr/>
+                </a:tc>
+              </a:tr>
+            </a:tbl>
+          </a:graphicData>
+        </a:graphic>
+      </p:graphicFrame>
+      <p:sp>
+        <p:nvSpPr>
+          <p:cNvPr id="6" name="TextBox 5"/>
+          <p:cNvSpPr txBox="1"/>
+          <p:nvPr/>
+        </p:nvSpPr>
+        <p:spPr>
+          <a:xfrm>
+            <a:off x="785786" y="3357562"/>
+            <a:ext cx="1626407" cy="646331"/>
+          </a:xfrm>
+          <a:prstGeom prst="rect">
+            <a:avLst/>
+          </a:prstGeom>
+          <a:noFill/>
+        </p:spPr>
+        <p:txBody>
+          <a:bodyPr wrap="none" rtlCol="0">
+            <a:spAutoFit/>
+          </a:bodyPr>
+          <a:lstStyle/>
+          <a:p>
+            <a:pPr algn="ctr"/>
+            <a:r>
+              <a:rPr lang="tr-TR" dirty="0" smtClean="0"/>
+              <a:t>Become Active </a:t>
+            </a:r>
+          </a:p>
+          <a:p>
+            <a:pPr algn="ctr"/>
+            <a:r>
+              <a:rPr lang="tr-TR" dirty="0" smtClean="0"/>
+              <a:t>Probabilities</a:t>
+            </a:r>
+            <a:endParaRPr lang="en-US" dirty="0"/>
+          </a:p>
+        </p:txBody>
+      </p:sp>
+      <p:sp>
+        <p:nvSpPr>
+          <p:cNvPr id="7" name="TextBox 6"/>
+          <p:cNvSpPr txBox="1"/>
+          <p:nvPr/>
+        </p:nvSpPr>
+        <p:spPr>
+          <a:xfrm>
+            <a:off x="897491" y="5214950"/>
+            <a:ext cx="1349536" cy="646331"/>
+          </a:xfrm>
+          <a:prstGeom prst="rect">
+            <a:avLst/>
+          </a:prstGeom>
+          <a:noFill/>
+        </p:spPr>
+        <p:txBody>
+          <a:bodyPr wrap="none" rtlCol="0">
+            <a:spAutoFit/>
+          </a:bodyPr>
+          <a:lstStyle/>
+          <a:p>
+            <a:pPr algn="ctr"/>
+            <a:r>
+              <a:rPr lang="tr-TR" dirty="0" smtClean="0"/>
+              <a:t>Stay Active </a:t>
+            </a:r>
+          </a:p>
+          <a:p>
+            <a:pPr algn="ctr"/>
+            <a:r>
+              <a:rPr lang="tr-TR" dirty="0" smtClean="0"/>
+              <a:t>Probabilities</a:t>
+            </a:r>
+            <a:endParaRPr lang="en-US" dirty="0"/>
+          </a:p>
+        </p:txBody>
+      </p:sp>
+    </p:spTree>
+  </p:cSld>
+  <p:clrMapOvr>
+    <a:masterClrMapping/>
+  </p:clrMapOvr>
+  <p:timing>
+    <p:tnLst>
+      <p:par>
+        <p:cTn id="1" dur="indefinite" restart="never" nodeType="tmRoot"/>
+      </p:par>
+    </p:tnLst>
+  </p:timing>
+</p:sld>
+</file>
+
+<file path=ppt/slides/slide24.xml><?xml version="1.0" encoding="utf-8"?>
 <p:sld xmlns:a="http://schemas.openxmlformats.org/drawingml/2006/main" xmlns:r="http://schemas.openxmlformats.org/officeDocument/2006/relationships" xmlns:p="http://schemas.openxmlformats.org/presentationml/2006/main">
   <p:cSld>
     <p:spTree>
@@ -6038,115 +6687,14 @@
   <p:timing>
     <p:tnLst>
       <p:par>
-        <p:cTn xmlns:p14="http://schemas.microsoft.com/office/powerpoint/2010/main" id="1" dur="indefinite" restart="never" nodeType="tmRoot"/>
+        <p:cTn id="1" dur="indefinite" restart="never" nodeType="tmRoot"/>
       </p:par>
     </p:tnLst>
   </p:timing>
 </p:sld>
 </file>
 
-<file path=ppt/slides/slide23.xml><?xml version="1.0" encoding="utf-8"?>
-<p:sld xmlns:a="http://schemas.openxmlformats.org/drawingml/2006/main" xmlns:r="http://schemas.openxmlformats.org/officeDocument/2006/relationships" xmlns:p="http://schemas.openxmlformats.org/presentationml/2006/main">
-  <p:cSld>
-    <p:spTree>
-      <p:nvGrpSpPr>
-        <p:cNvPr id="1" name=""/>
-        <p:cNvGrpSpPr/>
-        <p:nvPr/>
-      </p:nvGrpSpPr>
-      <p:grpSpPr>
-        <a:xfrm>
-          <a:off x="0" y="0"/>
-          <a:ext cx="0" cy="0"/>
-          <a:chOff x="0" y="0"/>
-          <a:chExt cx="0" cy="0"/>
-        </a:xfrm>
-      </p:grpSpPr>
-      <p:sp>
-        <p:nvSpPr>
-          <p:cNvPr id="2" name="Title 1"/>
-          <p:cNvSpPr>
-            <a:spLocks noGrp="1"/>
-          </p:cNvSpPr>
-          <p:nvPr>
-            <p:ph type="title"/>
-          </p:nvPr>
-        </p:nvSpPr>
-        <p:spPr/>
-        <p:txBody>
-          <a:bodyPr/>
-          <a:lstStyle/>
-          <a:p>
-            <a:r>
-              <a:rPr lang="en-US" noProof="0" smtClean="0"/>
-              <a:t>Client Types</a:t>
-            </a:r>
-            <a:endParaRPr lang="en-US" noProof="0"/>
-          </a:p>
-        </p:txBody>
-      </p:sp>
-      <p:sp>
-        <p:nvSpPr>
-          <p:cNvPr id="3" name="Content Placeholder 2"/>
-          <p:cNvSpPr>
-            <a:spLocks noGrp="1"/>
-          </p:cNvSpPr>
-          <p:nvPr>
-            <p:ph idx="1"/>
-          </p:nvPr>
-        </p:nvSpPr>
-        <p:spPr/>
-        <p:txBody>
-          <a:bodyPr>
-            <a:normAutofit/>
-          </a:bodyPr>
-          <a:lstStyle/>
-          <a:p>
-            <a:r>
-              <a:rPr lang="en-US" noProof="0" dirty="0" smtClean="0"/>
-              <a:t>Three different user types are outlined with different networking and mobility requirements.</a:t>
-            </a:r>
-          </a:p>
-          <a:p>
-            <a:pPr lvl="1"/>
-            <a:r>
-              <a:rPr lang="en-US" noProof="0" dirty="0" smtClean="0"/>
-              <a:t>Students</a:t>
-            </a:r>
-          </a:p>
-          <a:p>
-            <a:pPr lvl="1"/>
-            <a:r>
-              <a:rPr lang="en-US" noProof="0" dirty="0" smtClean="0"/>
-              <a:t>Employees</a:t>
-            </a:r>
-          </a:p>
-          <a:p>
-            <a:pPr lvl="1"/>
-            <a:r>
-              <a:rPr lang="en-US" noProof="0" dirty="0" smtClean="0"/>
-              <a:t>Domestics</a:t>
-            </a:r>
-            <a:endParaRPr lang="en-US" noProof="0" dirty="0"/>
-          </a:p>
-        </p:txBody>
-      </p:sp>
-    </p:spTree>
-  </p:cSld>
-  <p:clrMapOvr>
-    <a:masterClrMapping/>
-  </p:clrMapOvr>
-  <p:timing>
-    <p:tnLst>
-      <p:par>
-        <p:cTn xmlns:p14="http://schemas.microsoft.com/office/powerpoint/2010/main" id="1" dur="indefinite" restart="never" nodeType="tmRoot"/>
-      </p:par>
-    </p:tnLst>
-  </p:timing>
-</p:sld>
-</file>
-
-<file path=ppt/slides/slide24.xml><?xml version="1.0" encoding="utf-8"?>
+<file path=ppt/slides/slide25.xml><?xml version="1.0" encoding="utf-8"?>
 <p:sld xmlns:a="http://schemas.openxmlformats.org/drawingml/2006/main" xmlns:r="http://schemas.openxmlformats.org/officeDocument/2006/relationships" xmlns:p="http://schemas.openxmlformats.org/presentationml/2006/main">
   <p:cSld>
     <p:spTree>
@@ -6254,7 +6802,7 @@
 </p:sld>
 </file>
 
-<file path=ppt/slides/slide25.xml><?xml version="1.0" encoding="utf-8"?>
+<file path=ppt/slides/slide26.xml><?xml version="1.0" encoding="utf-8"?>
 <p:sld xmlns:a="http://schemas.openxmlformats.org/drawingml/2006/main" xmlns:r="http://schemas.openxmlformats.org/officeDocument/2006/relationships" xmlns:p="http://schemas.openxmlformats.org/presentationml/2006/main">
   <p:cSld>
     <p:spTree>
@@ -6328,7 +6876,7 @@
           <p:nvPr/>
         </p:nvPicPr>
         <p:blipFill>
-          <a:blip r:embed="rId2"/>
+          <a:blip r:embed="rId2" cstate="print"/>
           <a:srcRect/>
           <a:stretch>
             <a:fillRect/>
@@ -6359,14 +6907,14 @@
   <p:timing>
     <p:tnLst>
       <p:par>
-        <p:cTn xmlns:p14="http://schemas.microsoft.com/office/powerpoint/2010/main" id="1" dur="indefinite" restart="never" nodeType="tmRoot"/>
+        <p:cTn id="1" dur="indefinite" restart="never" nodeType="tmRoot"/>
       </p:par>
     </p:tnLst>
   </p:timing>
 </p:sld>
 </file>
 
-<file path=ppt/slides/slide26.xml><?xml version="1.0" encoding="utf-8"?>
+<file path=ppt/slides/slide27.xml><?xml version="1.0" encoding="utf-8"?>
 <p:sld xmlns:a="http://schemas.openxmlformats.org/drawingml/2006/main" xmlns:r="http://schemas.openxmlformats.org/officeDocument/2006/relationships" xmlns:p="http://schemas.openxmlformats.org/presentationml/2006/main">
   <p:cSld>
     <p:spTree>
@@ -6443,7 +6991,7 @@
           <p:nvPr/>
         </p:nvPicPr>
         <p:blipFill>
-          <a:blip r:embed="rId2"/>
+          <a:blip r:embed="rId2" cstate="print"/>
           <a:srcRect/>
           <a:stretch>
             <a:fillRect/>
@@ -6474,14 +7022,14 @@
   <p:timing>
     <p:tnLst>
       <p:par>
-        <p:cTn xmlns:p14="http://schemas.microsoft.com/office/powerpoint/2010/main" id="1" dur="indefinite" restart="never" nodeType="tmRoot"/>
+        <p:cTn id="1" dur="indefinite" restart="never" nodeType="tmRoot"/>
       </p:par>
     </p:tnLst>
   </p:timing>
 </p:sld>
 </file>
 
-<file path=ppt/slides/slide27.xml><?xml version="1.0" encoding="utf-8"?>
+<file path=ppt/slides/slide28.xml><?xml version="1.0" encoding="utf-8"?>
 <p:sld xmlns:a="http://schemas.openxmlformats.org/drawingml/2006/main" xmlns:r="http://schemas.openxmlformats.org/officeDocument/2006/relationships" xmlns:p="http://schemas.openxmlformats.org/presentationml/2006/main">
   <p:cSld>
     <p:spTree>
@@ -6556,7 +7104,7 @@
           <p:nvPr/>
         </p:nvPicPr>
         <p:blipFill>
-          <a:blip r:embed="rId2"/>
+          <a:blip r:embed="rId2" cstate="print"/>
           <a:srcRect/>
           <a:stretch>
             <a:fillRect/>
@@ -6587,14 +7135,14 @@
   <p:timing>
     <p:tnLst>
       <p:par>
-        <p:cTn xmlns:p14="http://schemas.microsoft.com/office/powerpoint/2010/main" id="1" dur="indefinite" restart="never" nodeType="tmRoot"/>
+        <p:cTn id="1" dur="indefinite" restart="never" nodeType="tmRoot"/>
       </p:par>
     </p:tnLst>
   </p:timing>
 </p:sld>
 </file>
 
-<file path=ppt/slides/slide28.xml><?xml version="1.0" encoding="utf-8"?>
+<file path=ppt/slides/slide29.xml><?xml version="1.0" encoding="utf-8"?>
 <p:sld xmlns:a="http://schemas.openxmlformats.org/drawingml/2006/main" xmlns:r="http://schemas.openxmlformats.org/officeDocument/2006/relationships" xmlns:p="http://schemas.openxmlformats.org/presentationml/2006/main">
   <p:cSld>
     <p:spTree>
@@ -6673,7 +7221,7 @@
           <p:nvPr/>
         </p:nvPicPr>
         <p:blipFill>
-          <a:blip r:embed="rId2"/>
+          <a:blip r:embed="rId2" cstate="print"/>
           <a:srcRect/>
           <a:stretch>
             <a:fillRect/>
@@ -6704,14 +7252,14 @@
   <p:timing>
     <p:tnLst>
       <p:par>
-        <p:cTn xmlns:p14="http://schemas.microsoft.com/office/powerpoint/2010/main" id="1" dur="indefinite" restart="never" nodeType="tmRoot"/>
+        <p:cTn id="1" dur="indefinite" restart="never" nodeType="tmRoot"/>
       </p:par>
     </p:tnLst>
   </p:timing>
 </p:sld>
 </file>
 
-<file path=ppt/slides/slide29.xml><?xml version="1.0" encoding="utf-8"?>
+<file path=ppt/slides/slide3.xml><?xml version="1.0" encoding="utf-8"?>
 <p:sld xmlns:a="http://schemas.openxmlformats.org/drawingml/2006/main" xmlns:r="http://schemas.openxmlformats.org/officeDocument/2006/relationships" xmlns:p="http://schemas.openxmlformats.org/presentationml/2006/main">
   <p:cSld>
     <p:spTree>
@@ -6744,6 +7292,147 @@
           <a:lstStyle/>
           <a:p>
             <a:r>
+              <a:rPr lang="en-US" noProof="0" dirty="0" smtClean="0">
+                <a:cs typeface="Arial"/>
+              </a:rPr>
+              <a:t>Thesis in a Nutshell</a:t>
+            </a:r>
+            <a:endParaRPr lang="en-US" noProof="0" dirty="0">
+              <a:cs typeface="Arial"/>
+            </a:endParaRPr>
+          </a:p>
+        </p:txBody>
+      </p:sp>
+      <p:sp>
+        <p:nvSpPr>
+          <p:cNvPr id="3" name="Content Placeholder 2"/>
+          <p:cNvSpPr>
+            <a:spLocks noGrp="1"/>
+          </p:cNvSpPr>
+          <p:nvPr>
+            <p:ph idx="1"/>
+          </p:nvPr>
+        </p:nvSpPr>
+        <p:spPr/>
+        <p:txBody>
+          <a:bodyPr>
+            <a:normAutofit lnSpcReduction="10000"/>
+          </a:bodyPr>
+          <a:lstStyle/>
+          <a:p>
+            <a:r>
+              <a:rPr lang="en-US" noProof="0" dirty="0" smtClean="0">
+                <a:cs typeface="Arial"/>
+              </a:rPr>
+              <a:t>A secure prepaid payment scheme for broadband Internet access is designed and developed in a simulation environment.</a:t>
+            </a:r>
+          </a:p>
+          <a:p>
+            <a:r>
+              <a:rPr lang="en-US" noProof="0" dirty="0" smtClean="0">
+                <a:cs typeface="Arial"/>
+              </a:rPr>
+              <a:t>This scheme will be particularly for Wireless Mesh Networks with multiple operators.</a:t>
+            </a:r>
+          </a:p>
+          <a:p>
+            <a:r>
+              <a:rPr lang="en-US" dirty="0" smtClean="0">
+                <a:cs typeface="Arial"/>
+              </a:rPr>
+              <a:t>Proposed scheme provides privacy and untraceability.</a:t>
+            </a:r>
+          </a:p>
+          <a:p>
+            <a:r>
+              <a:rPr lang="en-US" noProof="0" dirty="0" smtClean="0">
+                <a:cs typeface="Arial"/>
+              </a:rPr>
+              <a:t>System performance is evaluated using network simulations.</a:t>
+            </a:r>
+            <a:endParaRPr lang="en-US" noProof="0" dirty="0">
+              <a:cs typeface="Arial"/>
+            </a:endParaRPr>
+          </a:p>
+        </p:txBody>
+      </p:sp>
+      <p:sp>
+        <p:nvSpPr>
+          <p:cNvPr id="4" name="Slide Number Placeholder 3"/>
+          <p:cNvSpPr>
+            <a:spLocks noGrp="1"/>
+          </p:cNvSpPr>
+          <p:nvPr>
+            <p:ph type="sldNum" sz="quarter" idx="12"/>
+          </p:nvPr>
+        </p:nvSpPr>
+        <p:spPr/>
+        <p:txBody>
+          <a:bodyPr/>
+          <a:lstStyle/>
+          <a:p>
+            <a:fld id="{7F5CE407-6216-4202-80E4-A30DC2F709B2}" type="slidenum">
+              <a:rPr lang="en-US" smtClean="0"/>
+              <a:pPr/>
+              <a:t>3</a:t>
+            </a:fld>
+            <a:endParaRPr lang="en-US" dirty="0"/>
+          </a:p>
+        </p:txBody>
+      </p:sp>
+    </p:spTree>
+    <p:extLst>
+      <p:ext uri="{BB962C8B-B14F-4D97-AF65-F5344CB8AC3E}">
+        <p14:creationId xmlns:p14="http://schemas.microsoft.com/office/powerpoint/2010/main" xmlns="" val="2774399580"/>
+      </p:ext>
+    </p:extLst>
+  </p:cSld>
+  <p:clrMapOvr>
+    <a:masterClrMapping/>
+  </p:clrMapOvr>
+  <p:timing>
+    <p:tnLst>
+      <p:par>
+        <p:cTn id="1" dur="indefinite" restart="never" nodeType="tmRoot"/>
+      </p:par>
+    </p:tnLst>
+  </p:timing>
+</p:sld>
+</file>
+
+<file path=ppt/slides/slide30.xml><?xml version="1.0" encoding="utf-8"?>
+<p:sld xmlns:a="http://schemas.openxmlformats.org/drawingml/2006/main" xmlns:r="http://schemas.openxmlformats.org/officeDocument/2006/relationships" xmlns:p="http://schemas.openxmlformats.org/presentationml/2006/main">
+  <p:cSld>
+    <p:spTree>
+      <p:nvGrpSpPr>
+        <p:cNvPr id="1" name=""/>
+        <p:cNvGrpSpPr/>
+        <p:nvPr/>
+      </p:nvGrpSpPr>
+      <p:grpSpPr>
+        <a:xfrm>
+          <a:off x="0" y="0"/>
+          <a:ext cx="0" cy="0"/>
+          <a:chOff x="0" y="0"/>
+          <a:chExt cx="0" cy="0"/>
+        </a:xfrm>
+      </p:grpSpPr>
+      <p:sp>
+        <p:nvSpPr>
+          <p:cNvPr id="2" name="Title 1"/>
+          <p:cNvSpPr>
+            <a:spLocks noGrp="1"/>
+          </p:cNvSpPr>
+          <p:nvPr>
+            <p:ph type="title"/>
+          </p:nvPr>
+        </p:nvSpPr>
+        <p:spPr/>
+        <p:txBody>
+          <a:bodyPr/>
+          <a:lstStyle/>
+          <a:p>
+            <a:r>
               <a:rPr lang="en-US" noProof="0" smtClean="0"/>
               <a:t>Simulation Results of Protocols</a:t>
             </a:r>
@@ -6788,7 +7477,7 @@
           <p:nvPr/>
         </p:nvPicPr>
         <p:blipFill>
-          <a:blip r:embed="rId2"/>
+          <a:blip r:embed="rId2" cstate="print"/>
           <a:srcRect/>
           <a:stretch>
             <a:fillRect/>
@@ -6819,14 +7508,14 @@
   <p:timing>
     <p:tnLst>
       <p:par>
-        <p:cTn xmlns:p14="http://schemas.microsoft.com/office/powerpoint/2010/main" id="1" dur="indefinite" restart="never" nodeType="tmRoot"/>
+        <p:cTn id="1" dur="indefinite" restart="never" nodeType="tmRoot"/>
       </p:par>
     </p:tnLst>
   </p:timing>
 </p:sld>
 </file>
 
-<file path=ppt/slides/slide3.xml><?xml version="1.0" encoding="utf-8"?>
+<file path=ppt/slides/slide31.xml><?xml version="1.0" encoding="utf-8"?>
 <p:sld xmlns:a="http://schemas.openxmlformats.org/drawingml/2006/main" xmlns:r="http://schemas.openxmlformats.org/officeDocument/2006/relationships" xmlns:p="http://schemas.openxmlformats.org/presentationml/2006/main">
   <p:cSld>
     <p:spTree>
@@ -6859,147 +7548,6 @@
           <a:lstStyle/>
           <a:p>
             <a:r>
-              <a:rPr lang="en-US" noProof="0" dirty="0" smtClean="0">
-                <a:cs typeface="Arial"/>
-              </a:rPr>
-              <a:t>Thesis in a Nutshell</a:t>
-            </a:r>
-            <a:endParaRPr lang="en-US" noProof="0" dirty="0">
-              <a:cs typeface="Arial"/>
-            </a:endParaRPr>
-          </a:p>
-        </p:txBody>
-      </p:sp>
-      <p:sp>
-        <p:nvSpPr>
-          <p:cNvPr id="3" name="Content Placeholder 2"/>
-          <p:cNvSpPr>
-            <a:spLocks noGrp="1"/>
-          </p:cNvSpPr>
-          <p:nvPr>
-            <p:ph idx="1"/>
-          </p:nvPr>
-        </p:nvSpPr>
-        <p:spPr/>
-        <p:txBody>
-          <a:bodyPr>
-            <a:normAutofit lnSpcReduction="10000"/>
-          </a:bodyPr>
-          <a:lstStyle/>
-          <a:p>
-            <a:r>
-              <a:rPr lang="en-US" noProof="0" dirty="0" smtClean="0">
-                <a:cs typeface="Arial"/>
-              </a:rPr>
-              <a:t>A secure prepaid payment scheme for broadband Internet access is designed and developed in a simulation environment.</a:t>
-            </a:r>
-          </a:p>
-          <a:p>
-            <a:r>
-              <a:rPr lang="en-US" noProof="0" dirty="0" smtClean="0">
-                <a:cs typeface="Arial"/>
-              </a:rPr>
-              <a:t>This scheme will be particularly for Wireless Mesh Networks with multiple operators.</a:t>
-            </a:r>
-          </a:p>
-          <a:p>
-            <a:r>
-              <a:rPr lang="en-US" dirty="0" smtClean="0">
-                <a:cs typeface="Arial"/>
-              </a:rPr>
-              <a:t>Proposed scheme provides privacy and untraceability.</a:t>
-            </a:r>
-          </a:p>
-          <a:p>
-            <a:r>
-              <a:rPr lang="en-US" noProof="0" dirty="0" smtClean="0">
-                <a:cs typeface="Arial"/>
-              </a:rPr>
-              <a:t>System performance is evaluated using network simulations.</a:t>
-            </a:r>
-            <a:endParaRPr lang="en-US" noProof="0" dirty="0">
-              <a:cs typeface="Arial"/>
-            </a:endParaRPr>
-          </a:p>
-        </p:txBody>
-      </p:sp>
-      <p:sp>
-        <p:nvSpPr>
-          <p:cNvPr id="4" name="Slide Number Placeholder 3"/>
-          <p:cNvSpPr>
-            <a:spLocks noGrp="1"/>
-          </p:cNvSpPr>
-          <p:nvPr>
-            <p:ph type="sldNum" sz="quarter" idx="12"/>
-          </p:nvPr>
-        </p:nvSpPr>
-        <p:spPr/>
-        <p:txBody>
-          <a:bodyPr/>
-          <a:lstStyle/>
-          <a:p>
-            <a:fld id="{7F5CE407-6216-4202-80E4-A30DC2F709B2}" type="slidenum">
-              <a:rPr lang="en-US" smtClean="0"/>
-              <a:pPr/>
-              <a:t>3</a:t>
-            </a:fld>
-            <a:endParaRPr lang="en-US" dirty="0"/>
-          </a:p>
-        </p:txBody>
-      </p:sp>
-    </p:spTree>
-    <p:extLst>
-      <p:ext uri="{BB962C8B-B14F-4D97-AF65-F5344CB8AC3E}">
-        <p14:creationId xmlns:p14="http://schemas.microsoft.com/office/powerpoint/2010/main" val="2774399580"/>
-      </p:ext>
-    </p:extLst>
-  </p:cSld>
-  <p:clrMapOvr>
-    <a:masterClrMapping/>
-  </p:clrMapOvr>
-  <p:timing>
-    <p:tnLst>
-      <p:par>
-        <p:cTn xmlns:p14="http://schemas.microsoft.com/office/powerpoint/2010/main" id="1" dur="indefinite" restart="never" nodeType="tmRoot"/>
-      </p:par>
-    </p:tnLst>
-  </p:timing>
-</p:sld>
-</file>
-
-<file path=ppt/slides/slide30.xml><?xml version="1.0" encoding="utf-8"?>
-<p:sld xmlns:a="http://schemas.openxmlformats.org/drawingml/2006/main" xmlns:r="http://schemas.openxmlformats.org/officeDocument/2006/relationships" xmlns:p="http://schemas.openxmlformats.org/presentationml/2006/main">
-  <p:cSld>
-    <p:spTree>
-      <p:nvGrpSpPr>
-        <p:cNvPr id="1" name=""/>
-        <p:cNvGrpSpPr/>
-        <p:nvPr/>
-      </p:nvGrpSpPr>
-      <p:grpSpPr>
-        <a:xfrm>
-          <a:off x="0" y="0"/>
-          <a:ext cx="0" cy="0"/>
-          <a:chOff x="0" y="0"/>
-          <a:chExt cx="0" cy="0"/>
-        </a:xfrm>
-      </p:grpSpPr>
-      <p:sp>
-        <p:nvSpPr>
-          <p:cNvPr id="2" name="Title 1"/>
-          <p:cNvSpPr>
-            <a:spLocks noGrp="1"/>
-          </p:cNvSpPr>
-          <p:nvPr>
-            <p:ph type="title"/>
-          </p:nvPr>
-        </p:nvSpPr>
-        <p:spPr/>
-        <p:txBody>
-          <a:bodyPr/>
-          <a:lstStyle/>
-          <a:p>
-            <a:r>
               <a:rPr lang="en-US" noProof="0" smtClean="0"/>
               <a:t>Simulation Results of Protocols</a:t>
             </a:r>
@@ -7044,7 +7592,7 @@
           <p:nvPr/>
         </p:nvPicPr>
         <p:blipFill>
-          <a:blip r:embed="rId2"/>
+          <a:blip r:embed="rId2" cstate="print"/>
           <a:srcRect/>
           <a:stretch>
             <a:fillRect/>
@@ -7075,14 +7623,14 @@
   <p:timing>
     <p:tnLst>
       <p:par>
-        <p:cTn xmlns:p14="http://schemas.microsoft.com/office/powerpoint/2010/main" id="1" dur="indefinite" restart="never" nodeType="tmRoot"/>
+        <p:cTn id="1" dur="indefinite" restart="never" nodeType="tmRoot"/>
       </p:par>
     </p:tnLst>
   </p:timing>
 </p:sld>
 </file>
 
-<file path=ppt/slides/slide31.xml><?xml version="1.0" encoding="utf-8"?>
+<file path=ppt/slides/slide32.xml><?xml version="1.0" encoding="utf-8"?>
 <p:sld xmlns:a="http://schemas.openxmlformats.org/drawingml/2006/main" xmlns:r="http://schemas.openxmlformats.org/officeDocument/2006/relationships" xmlns:p="http://schemas.openxmlformats.org/presentationml/2006/main">
   <p:cSld>
     <p:spTree>
@@ -7192,14 +7740,14 @@
   <p:timing>
     <p:tnLst>
       <p:par>
-        <p:cTn xmlns:p14="http://schemas.microsoft.com/office/powerpoint/2010/main" id="1" dur="indefinite" restart="never" nodeType="tmRoot"/>
+        <p:cTn id="1" dur="indefinite" restart="never" nodeType="tmRoot"/>
       </p:par>
     </p:tnLst>
   </p:timing>
 </p:sld>
 </file>
 
-<file path=ppt/slides/slide32.xml><?xml version="1.0" encoding="utf-8"?>
+<file path=ppt/slides/slide33.xml><?xml version="1.0" encoding="utf-8"?>
 <p:sld xmlns:a="http://schemas.openxmlformats.org/drawingml/2006/main" xmlns:r="http://schemas.openxmlformats.org/officeDocument/2006/relationships" xmlns:p="http://schemas.openxmlformats.org/presentationml/2006/main">
   <p:cSld>
     <p:spTree>
@@ -7246,10 +7794,10 @@
           <p:nvPr/>
         </p:nvPicPr>
         <p:blipFill>
-          <a:blip r:embed="rId2">
+          <a:blip r:embed="rId2" cstate="print">
             <a:extLst>
               <a:ext uri="{28A0092B-C50C-407E-A947-70E740481C1C}">
-                <a14:useLocalDpi xmlns:a14="http://schemas.microsoft.com/office/drawing/2010/main" val="0"/>
+                <a14:useLocalDpi xmlns:a14="http://schemas.microsoft.com/office/drawing/2010/main" xmlns="" val="0"/>
               </a:ext>
             </a:extLst>
           </a:blip>
@@ -7279,10 +7827,10 @@
           <p:nvPr/>
         </p:nvPicPr>
         <p:blipFill>
-          <a:blip r:embed="rId3">
+          <a:blip r:embed="rId3" cstate="print">
             <a:extLst>
               <a:ext uri="{28A0092B-C50C-407E-A947-70E740481C1C}">
-                <a14:useLocalDpi xmlns:a14="http://schemas.microsoft.com/office/drawing/2010/main" val="0"/>
+                <a14:useLocalDpi xmlns:a14="http://schemas.microsoft.com/office/drawing/2010/main" xmlns="" val="0"/>
               </a:ext>
             </a:extLst>
           </a:blip>
@@ -7313,127 +7861,7 @@
   <p:timing>
     <p:tnLst>
       <p:par>
-        <p:cTn xmlns:p14="http://schemas.microsoft.com/office/powerpoint/2010/main" id="1" dur="indefinite" restart="never" nodeType="tmRoot"/>
-      </p:par>
-    </p:tnLst>
-  </p:timing>
-</p:sld>
-</file>
-
-<file path=ppt/slides/slide33.xml><?xml version="1.0" encoding="utf-8"?>
-<p:sld xmlns:a="http://schemas.openxmlformats.org/drawingml/2006/main" xmlns:r="http://schemas.openxmlformats.org/officeDocument/2006/relationships" xmlns:p="http://schemas.openxmlformats.org/presentationml/2006/main">
-  <p:cSld>
-    <p:spTree>
-      <p:nvGrpSpPr>
-        <p:cNvPr id="1" name=""/>
-        <p:cNvGrpSpPr/>
-        <p:nvPr/>
-      </p:nvGrpSpPr>
-      <p:grpSpPr>
-        <a:xfrm>
-          <a:off x="0" y="0"/>
-          <a:ext cx="0" cy="0"/>
-          <a:chOff x="0" y="0"/>
-          <a:chExt cx="0" cy="0"/>
-        </a:xfrm>
-      </p:grpSpPr>
-      <p:sp>
-        <p:nvSpPr>
-          <p:cNvPr id="2" name="Title 1"/>
-          <p:cNvSpPr>
-            <a:spLocks noGrp="1"/>
-          </p:cNvSpPr>
-          <p:nvPr>
-            <p:ph type="title"/>
-          </p:nvPr>
-        </p:nvSpPr>
-        <p:spPr/>
-        <p:txBody>
-          <a:bodyPr/>
-          <a:lstStyle/>
-          <a:p>
-            <a:r>
-              <a:rPr lang="en-US" noProof="0" smtClean="0"/>
-              <a:t>Discussion</a:t>
-            </a:r>
-            <a:endParaRPr lang="en-US" noProof="0"/>
-          </a:p>
-        </p:txBody>
-      </p:sp>
-      <p:sp>
-        <p:nvSpPr>
-          <p:cNvPr id="3" name="Content Placeholder 2"/>
-          <p:cNvSpPr>
-            <a:spLocks noGrp="1"/>
-          </p:cNvSpPr>
-          <p:nvPr>
-            <p:ph idx="1"/>
-          </p:nvPr>
-        </p:nvSpPr>
-        <p:spPr>
-          <a:xfrm>
-            <a:off x="457200" y="1600200"/>
-            <a:ext cx="8229600" cy="4972072"/>
-          </a:xfrm>
-        </p:spPr>
-        <p:txBody>
-          <a:bodyPr>
-            <a:normAutofit/>
-          </a:bodyPr>
-          <a:lstStyle/>
-          <a:p>
-            <a:r>
-              <a:rPr lang="en-US" noProof="0" smtClean="0"/>
-              <a:t>Wide Coverage</a:t>
-            </a:r>
-          </a:p>
-          <a:p>
-            <a:r>
-              <a:rPr lang="en-US" noProof="0" smtClean="0"/>
-              <a:t>Seamless Mobility and Roaming</a:t>
-            </a:r>
-          </a:p>
-          <a:p>
-            <a:r>
-              <a:rPr lang="en-US" noProof="0" smtClean="0"/>
-              <a:t>Anonymity</a:t>
-            </a:r>
-          </a:p>
-          <a:p>
-            <a:r>
-              <a:rPr lang="en-US" noProof="0" smtClean="0"/>
-              <a:t>Mutual authentication</a:t>
-            </a:r>
-          </a:p>
-          <a:p>
-            <a:r>
-              <a:rPr lang="en-US" noProof="0" smtClean="0"/>
-              <a:t>Two-way honesty</a:t>
-            </a:r>
-          </a:p>
-          <a:p>
-            <a:r>
-              <a:rPr lang="en-US" noProof="0" smtClean="0"/>
-              <a:t>Untraceability</a:t>
-            </a:r>
-          </a:p>
-          <a:p>
-            <a:r>
-              <a:rPr lang="en-US" noProof="0" smtClean="0"/>
-              <a:t>Performance</a:t>
-            </a:r>
-          </a:p>
-        </p:txBody>
-      </p:sp>
-    </p:spTree>
-  </p:cSld>
-  <p:clrMapOvr>
-    <a:masterClrMapping/>
-  </p:clrMapOvr>
-  <p:timing>
-    <p:tnLst>
-      <p:par>
-        <p:cTn xmlns:p14="http://schemas.microsoft.com/office/powerpoint/2010/main" id="1" dur="indefinite" restart="never" nodeType="tmRoot"/>
+        <p:cTn id="1" dur="indefinite" restart="never" nodeType="tmRoot"/>
       </p:par>
     </p:tnLst>
   </p:timing>
@@ -7474,7 +7902,7 @@
           <a:p>
             <a:r>
               <a:rPr lang="en-US" noProof="0" smtClean="0"/>
-              <a:t>Conclusion</a:t>
+              <a:t>Discussion</a:t>
             </a:r>
             <a:endParaRPr lang="en-US" noProof="0"/>
           </a:p>
@@ -7490,39 +7918,58 @@
             <p:ph idx="1"/>
           </p:nvPr>
         </p:nvSpPr>
-        <p:spPr/>
+        <p:spPr>
+          <a:xfrm>
+            <a:off x="457200" y="1600200"/>
+            <a:ext cx="8229600" cy="4972072"/>
+          </a:xfrm>
+        </p:spPr>
         <p:txBody>
           <a:bodyPr>
-            <a:normAutofit lnSpcReduction="10000"/>
+            <a:normAutofit/>
           </a:bodyPr>
           <a:lstStyle/>
           <a:p>
             <a:r>
-              <a:rPr lang="en-US" noProof="0" dirty="0" smtClean="0"/>
-              <a:t>SSPayWMN is a secure and seamless prepayment scheme, which provides privacy and untraceability for the clients.</a:t>
-            </a:r>
-          </a:p>
-          <a:p>
-            <a:r>
-              <a:rPr lang="en-US" noProof="0" dirty="0" smtClean="0"/>
-              <a:t>This system provides fairness to both operators and to clients.</a:t>
-            </a:r>
-          </a:p>
-          <a:p>
-            <a:r>
-              <a:rPr lang="en-US" noProof="0" dirty="0" smtClean="0"/>
-              <a:t>Seamless mobility and roaming</a:t>
-            </a:r>
-          </a:p>
-          <a:p>
-            <a:r>
-              <a:rPr lang="en-US" dirty="0" smtClean="0"/>
-              <a:t>Unit test simulations and real-life scenario simulation results ensures the system’s stability and steady state performance.</a:t>
-            </a:r>
-            <a:endParaRPr lang="en-US" noProof="0" dirty="0" smtClean="0"/>
-          </a:p>
-          <a:p>
-            <a:endParaRPr lang="en-US" noProof="0" dirty="0"/>
+              <a:rPr lang="en-US" noProof="0" smtClean="0"/>
+              <a:t>Wide Coverage</a:t>
+            </a:r>
+          </a:p>
+          <a:p>
+            <a:r>
+              <a:rPr lang="en-US" noProof="0" smtClean="0"/>
+              <a:t>Seamless Mobility and Roaming</a:t>
+            </a:r>
+          </a:p>
+          <a:p>
+            <a:r>
+              <a:rPr lang="en-US" noProof="0" smtClean="0"/>
+              <a:t>Anonymity</a:t>
+            </a:r>
+          </a:p>
+          <a:p>
+            <a:r>
+              <a:rPr lang="en-US" noProof="0" smtClean="0"/>
+              <a:t>Mutual authentication</a:t>
+            </a:r>
+          </a:p>
+          <a:p>
+            <a:r>
+              <a:rPr lang="en-US" noProof="0" smtClean="0"/>
+              <a:t>Two-way honesty</a:t>
+            </a:r>
+          </a:p>
+          <a:p>
+            <a:r>
+              <a:rPr lang="en-US" noProof="0" smtClean="0"/>
+              <a:t>Untraceability</a:t>
+            </a:r>
+          </a:p>
+          <a:p>
+            <a:r>
+              <a:rPr lang="en-US" noProof="0" smtClean="0"/>
+              <a:t>Performance</a:t>
+            </a:r>
           </a:p>
         </p:txBody>
       </p:sp>
@@ -7534,7 +7981,7 @@
   <p:timing>
     <p:tnLst>
       <p:par>
-        <p:cTn xmlns:p14="http://schemas.microsoft.com/office/powerpoint/2010/main" id="1" dur="indefinite" restart="never" nodeType="tmRoot"/>
+        <p:cTn id="1" dur="indefinite" restart="never" nodeType="tmRoot"/>
       </p:par>
     </p:tnLst>
   </p:timing>
@@ -7574,6 +8021,107 @@
           <a:lstStyle/>
           <a:p>
             <a:r>
+              <a:rPr lang="en-US" noProof="0" smtClean="0"/>
+              <a:t>Conclusion</a:t>
+            </a:r>
+            <a:endParaRPr lang="en-US" noProof="0"/>
+          </a:p>
+        </p:txBody>
+      </p:sp>
+      <p:sp>
+        <p:nvSpPr>
+          <p:cNvPr id="3" name="Content Placeholder 2"/>
+          <p:cNvSpPr>
+            <a:spLocks noGrp="1"/>
+          </p:cNvSpPr>
+          <p:nvPr>
+            <p:ph idx="1"/>
+          </p:nvPr>
+        </p:nvSpPr>
+        <p:spPr/>
+        <p:txBody>
+          <a:bodyPr>
+            <a:normAutofit lnSpcReduction="10000"/>
+          </a:bodyPr>
+          <a:lstStyle/>
+          <a:p>
+            <a:r>
+              <a:rPr lang="en-US" noProof="0" dirty="0" smtClean="0"/>
+              <a:t>SSPayWMN is a secure and seamless prepayment scheme, which provides privacy and untraceability for the clients.</a:t>
+            </a:r>
+          </a:p>
+          <a:p>
+            <a:r>
+              <a:rPr lang="en-US" noProof="0" dirty="0" smtClean="0"/>
+              <a:t>This system provides fairness to both operators and to clients.</a:t>
+            </a:r>
+          </a:p>
+          <a:p>
+            <a:r>
+              <a:rPr lang="en-US" noProof="0" dirty="0" smtClean="0"/>
+              <a:t>Seamless mobility and roaming</a:t>
+            </a:r>
+          </a:p>
+          <a:p>
+            <a:r>
+              <a:rPr lang="en-US" dirty="0" smtClean="0"/>
+              <a:t>Unit test simulations and real-life scenario simulation results ensures the system’s stability and steady state performance.</a:t>
+            </a:r>
+            <a:endParaRPr lang="en-US" noProof="0" dirty="0" smtClean="0"/>
+          </a:p>
+          <a:p>
+            <a:endParaRPr lang="en-US" noProof="0" dirty="0"/>
+          </a:p>
+        </p:txBody>
+      </p:sp>
+    </p:spTree>
+  </p:cSld>
+  <p:clrMapOvr>
+    <a:masterClrMapping/>
+  </p:clrMapOvr>
+  <p:timing>
+    <p:tnLst>
+      <p:par>
+        <p:cTn id="1" dur="indefinite" restart="never" nodeType="tmRoot"/>
+      </p:par>
+    </p:tnLst>
+  </p:timing>
+</p:sld>
+</file>
+
+<file path=ppt/slides/slide36.xml><?xml version="1.0" encoding="utf-8"?>
+<p:sld xmlns:a="http://schemas.openxmlformats.org/drawingml/2006/main" xmlns:r="http://schemas.openxmlformats.org/officeDocument/2006/relationships" xmlns:p="http://schemas.openxmlformats.org/presentationml/2006/main">
+  <p:cSld>
+    <p:spTree>
+      <p:nvGrpSpPr>
+        <p:cNvPr id="1" name=""/>
+        <p:cNvGrpSpPr/>
+        <p:nvPr/>
+      </p:nvGrpSpPr>
+      <p:grpSpPr>
+        <a:xfrm>
+          <a:off x="0" y="0"/>
+          <a:ext cx="0" cy="0"/>
+          <a:chOff x="0" y="0"/>
+          <a:chExt cx="0" cy="0"/>
+        </a:xfrm>
+      </p:grpSpPr>
+      <p:sp>
+        <p:nvSpPr>
+          <p:cNvPr id="2" name="Title 1"/>
+          <p:cNvSpPr>
+            <a:spLocks noGrp="1"/>
+          </p:cNvSpPr>
+          <p:nvPr>
+            <p:ph type="title"/>
+          </p:nvPr>
+        </p:nvSpPr>
+        <p:spPr/>
+        <p:txBody>
+          <a:bodyPr/>
+          <a:lstStyle/>
+          <a:p>
+            <a:r>
               <a:rPr lang="en-US" dirty="0" smtClean="0"/>
               <a:t>Thank you</a:t>
             </a:r>
@@ -7607,7 +8155,7 @@
     </p:spTree>
     <p:extLst>
       <p:ext uri="{BB962C8B-B14F-4D97-AF65-F5344CB8AC3E}">
-        <p14:creationId xmlns:p14="http://schemas.microsoft.com/office/powerpoint/2010/main" val="685122559"/>
+        <p14:creationId xmlns:p14="http://schemas.microsoft.com/office/powerpoint/2010/main" xmlns="" val="685122559"/>
       </p:ext>
     </p:extLst>
   </p:cSld>
@@ -7617,7 +8165,7 @@
   <p:timing>
     <p:tnLst>
       <p:par>
-        <p:cTn xmlns:p14="http://schemas.microsoft.com/office/powerpoint/2010/main" id="1" dur="indefinite" restart="never" nodeType="tmRoot"/>
+        <p:cTn id="1" dur="indefinite" restart="never" nodeType="tmRoot"/>
       </p:par>
     </p:tnLst>
   </p:timing>
@@ -7785,7 +8333,7 @@
     </p:spTree>
     <p:extLst>
       <p:ext uri="{BB962C8B-B14F-4D97-AF65-F5344CB8AC3E}">
-        <p14:creationId xmlns:p14="http://schemas.microsoft.com/office/powerpoint/2010/main" val="4140221233"/>
+        <p14:creationId xmlns:p14="http://schemas.microsoft.com/office/powerpoint/2010/main" xmlns="" val="4140221233"/>
       </p:ext>
     </p:extLst>
   </p:cSld>
@@ -7795,7 +8343,7 @@
   <p:timing>
     <p:tnLst>
       <p:par>
-        <p:cTn xmlns:p14="http://schemas.microsoft.com/office/powerpoint/2010/main" id="1" dur="indefinite" restart="never" nodeType="tmRoot"/>
+        <p:cTn id="1" dur="indefinite" restart="never" nodeType="tmRoot"/>
       </p:par>
     </p:tnLst>
   </p:timing>
@@ -7831,6 +8379,75 @@
         </p:nvSpPr>
         <p:spPr/>
         <p:txBody>
+          <a:bodyPr>
+            <a:normAutofit fontScale="90000"/>
+          </a:bodyPr>
+          <a:lstStyle/>
+          <a:p>
+            <a:r>
+              <a:rPr lang="tr-TR" dirty="0" smtClean="0"/>
+              <a:t>Differences and Similarities with an Earlier Work</a:t>
+            </a:r>
+            <a:endParaRPr lang="en-US" dirty="0"/>
+          </a:p>
+        </p:txBody>
+      </p:sp>
+      <p:sp>
+        <p:nvSpPr>
+          <p:cNvPr id="3" name="Content Placeholder 2"/>
+          <p:cNvSpPr>
+            <a:spLocks noGrp="1"/>
+          </p:cNvSpPr>
+          <p:nvPr>
+            <p:ph idx="1"/>
+          </p:nvPr>
+        </p:nvSpPr>
+        <p:spPr/>
+        <p:txBody>
+          <a:bodyPr/>
+          <a:lstStyle/>
+          <a:p>
+            <a:endParaRPr lang="en-US"/>
+          </a:p>
+        </p:txBody>
+      </p:sp>
+    </p:spTree>
+  </p:cSld>
+  <p:clrMapOvr>
+    <a:masterClrMapping/>
+  </p:clrMapOvr>
+</p:sld>
+</file>
+
+<file path=ppt/slides/slide6.xml><?xml version="1.0" encoding="utf-8"?>
+<p:sld xmlns:a="http://schemas.openxmlformats.org/drawingml/2006/main" xmlns:r="http://schemas.openxmlformats.org/officeDocument/2006/relationships" xmlns:p="http://schemas.openxmlformats.org/presentationml/2006/main">
+  <p:cSld>
+    <p:spTree>
+      <p:nvGrpSpPr>
+        <p:cNvPr id="1" name=""/>
+        <p:cNvGrpSpPr/>
+        <p:nvPr/>
+      </p:nvGrpSpPr>
+      <p:grpSpPr>
+        <a:xfrm>
+          <a:off x="0" y="0"/>
+          <a:ext cx="0" cy="0"/>
+          <a:chOff x="0" y="0"/>
+          <a:chExt cx="0" cy="0"/>
+        </a:xfrm>
+      </p:grpSpPr>
+      <p:sp>
+        <p:nvSpPr>
+          <p:cNvPr id="2" name="Title 1"/>
+          <p:cNvSpPr>
+            <a:spLocks noGrp="1"/>
+          </p:cNvSpPr>
+          <p:nvPr>
+            <p:ph type="title"/>
+          </p:nvPr>
+        </p:nvSpPr>
+        <p:spPr/>
+        <p:txBody>
           <a:bodyPr/>
           <a:lstStyle/>
           <a:p>
@@ -7864,7 +8481,7 @@
             <a:fld id="{7F5CE407-6216-4202-80E4-A30DC2F709B2}" type="slidenum">
               <a:rPr lang="en-US" smtClean="0"/>
               <a:pPr/>
-              <a:t>5</a:t>
+              <a:t>6</a:t>
             </a:fld>
             <a:endParaRPr lang="en-US" dirty="0"/>
           </a:p>
@@ -7879,7 +8496,7 @@
           <p:nvPr>
             <p:extLst>
               <p:ext uri="{D42A27DB-BD31-4B8C-83A1-F6EECF244321}">
-                <p14:modId xmlns:p14="http://schemas.microsoft.com/office/powerpoint/2010/main" val="3351597261"/>
+                <p14:modId xmlns:p14="http://schemas.microsoft.com/office/powerpoint/2010/main" xmlns="" val="3351597261"/>
               </p:ext>
             </p:extLst>
           </p:nvPr>
@@ -8919,7 +9536,7 @@
     </p:spTree>
     <p:extLst>
       <p:ext uri="{BB962C8B-B14F-4D97-AF65-F5344CB8AC3E}">
-        <p14:creationId xmlns:p14="http://schemas.microsoft.com/office/powerpoint/2010/main" val="3622709671"/>
+        <p14:creationId xmlns:p14="http://schemas.microsoft.com/office/powerpoint/2010/main" xmlns="" val="3622709671"/>
       </p:ext>
     </p:extLst>
   </p:cSld>
@@ -8929,14 +9546,14 @@
   <p:timing>
     <p:tnLst>
       <p:par>
-        <p:cTn xmlns:p14="http://schemas.microsoft.com/office/powerpoint/2010/main" id="1" dur="indefinite" restart="never" nodeType="tmRoot"/>
+        <p:cTn id="1" dur="indefinite" restart="never" nodeType="tmRoot"/>
       </p:par>
     </p:tnLst>
   </p:timing>
 </p:sld>
 </file>
 
-<file path=ppt/slides/slide6.xml><?xml version="1.0" encoding="utf-8"?>
+<file path=ppt/slides/slide7.xml><?xml version="1.0" encoding="utf-8"?>
 <p:sld xmlns:a="http://schemas.openxmlformats.org/drawingml/2006/main" xmlns:r="http://schemas.openxmlformats.org/officeDocument/2006/relationships" xmlns:p="http://schemas.openxmlformats.org/presentationml/2006/main">
   <p:cSld>
     <p:spTree>
@@ -9209,14 +9826,14 @@
   <p:timing>
     <p:tnLst>
       <p:par>
-        <p:cTn xmlns:p14="http://schemas.microsoft.com/office/powerpoint/2010/main" id="1" dur="indefinite" restart="never" nodeType="tmRoot"/>
+        <p:cTn id="1" dur="indefinite" restart="never" nodeType="tmRoot"/>
       </p:par>
     </p:tnLst>
   </p:timing>
 </p:sld>
 </file>
 
-<file path=ppt/slides/slide7.xml><?xml version="1.0" encoding="utf-8"?>
+<file path=ppt/slides/slide8.xml><?xml version="1.0" encoding="utf-8"?>
 <p:sld xmlns:a="http://schemas.openxmlformats.org/drawingml/2006/main" xmlns:r="http://schemas.openxmlformats.org/officeDocument/2006/relationships" xmlns:p="http://schemas.openxmlformats.org/presentationml/2006/main">
   <p:cSld>
     <p:spTree>
@@ -9268,7 +9885,7 @@
           <a:blip r:embed="rId2" cstate="print">
             <a:extLst>
               <a:ext uri="{28A0092B-C50C-407E-A947-70E740481C1C}">
-                <a14:useLocalDpi xmlns:a14="http://schemas.microsoft.com/office/drawing/2010/main" val="0"/>
+                <a14:useLocalDpi xmlns:a14="http://schemas.microsoft.com/office/drawing/2010/main" xmlns="" val="0"/>
               </a:ext>
             </a:extLst>
           </a:blip>
@@ -9299,125 +9916,7 @@
   <p:timing>
     <p:tnLst>
       <p:par>
-        <p:cTn xmlns:p14="http://schemas.microsoft.com/office/powerpoint/2010/main" id="1" dur="indefinite" restart="never" nodeType="tmRoot"/>
-      </p:par>
-    </p:tnLst>
-  </p:timing>
-</p:sld>
-</file>
-
-<file path=ppt/slides/slide8.xml><?xml version="1.0" encoding="utf-8"?>
-<p:sld xmlns:a="http://schemas.openxmlformats.org/drawingml/2006/main" xmlns:r="http://schemas.openxmlformats.org/officeDocument/2006/relationships" xmlns:p="http://schemas.openxmlformats.org/presentationml/2006/main">
-  <p:cSld>
-    <p:spTree>
-      <p:nvGrpSpPr>
-        <p:cNvPr id="1" name=""/>
-        <p:cNvGrpSpPr/>
-        <p:nvPr/>
-      </p:nvGrpSpPr>
-      <p:grpSpPr>
-        <a:xfrm>
-          <a:off x="0" y="0"/>
-          <a:ext cx="0" cy="0"/>
-          <a:chOff x="0" y="0"/>
-          <a:chExt cx="0" cy="0"/>
-        </a:xfrm>
-      </p:grpSpPr>
-      <p:sp>
-        <p:nvSpPr>
-          <p:cNvPr id="2" name="Title 1"/>
-          <p:cNvSpPr>
-            <a:spLocks noGrp="1"/>
-          </p:cNvSpPr>
-          <p:nvPr>
-            <p:ph type="title"/>
-          </p:nvPr>
-        </p:nvSpPr>
-        <p:spPr/>
-        <p:txBody>
-          <a:bodyPr/>
-          <a:lstStyle/>
-          <a:p>
-            <a:r>
-              <a:rPr lang="en-US" noProof="0" smtClean="0"/>
-              <a:t>Access Point Authentication</a:t>
-            </a:r>
-            <a:endParaRPr lang="en-US" noProof="0"/>
-          </a:p>
-        </p:txBody>
-      </p:sp>
-      <p:pic>
-        <p:nvPicPr>
-          <p:cNvPr id="5" name="Picture 4" descr="Macintosh HD:Users:canleloglu:Desktop:worddoc:thesisImages:protocolsInDetail:seqDiagram:pdf:accessAuth.pdf"/>
-          <p:cNvPicPr/>
-          <p:nvPr/>
-        </p:nvPicPr>
-        <p:blipFill>
-          <a:blip r:embed="rId2" cstate="print">
-            <a:extLst>
-              <a:ext uri="{28A0092B-C50C-407E-A947-70E740481C1C}">
-                <a14:useLocalDpi xmlns:a14="http://schemas.microsoft.com/office/drawing/2010/main" val="0"/>
-              </a:ext>
-            </a:extLst>
-          </a:blip>
-          <a:srcRect/>
-          <a:stretch>
-            <a:fillRect/>
-          </a:stretch>
-        </p:blipFill>
-        <p:spPr bwMode="auto">
-          <a:xfrm>
-            <a:off x="1857356" y="2571744"/>
-            <a:ext cx="5786478" cy="3786214"/>
-          </a:xfrm>
-          <a:prstGeom prst="rect">
-            <a:avLst/>
-          </a:prstGeom>
-          <a:noFill/>
-          <a:ln>
-            <a:noFill/>
-          </a:ln>
-        </p:spPr>
-      </p:pic>
-      <p:sp>
-        <p:nvSpPr>
-          <p:cNvPr id="4" name="Content Placeholder 2"/>
-          <p:cNvSpPr>
-            <a:spLocks noGrp="1"/>
-          </p:cNvSpPr>
-          <p:nvPr>
-            <p:ph idx="1"/>
-          </p:nvPr>
-        </p:nvSpPr>
-        <p:spPr>
-          <a:xfrm>
-            <a:off x="457200" y="1600201"/>
-            <a:ext cx="8229600" cy="1042981"/>
-          </a:xfrm>
-        </p:spPr>
-        <p:txBody>
-          <a:bodyPr>
-            <a:normAutofit lnSpcReduction="10000"/>
-          </a:bodyPr>
-          <a:lstStyle/>
-          <a:p>
-            <a:r>
-              <a:rPr lang="en-US" noProof="0" smtClean="0"/>
-              <a:t>In order to authenticate the network by the client</a:t>
-            </a:r>
-            <a:endParaRPr lang="en-US" noProof="0"/>
-          </a:p>
-        </p:txBody>
-      </p:sp>
-    </p:spTree>
-  </p:cSld>
-  <p:clrMapOvr>
-    <a:masterClrMapping/>
-  </p:clrMapOvr>
-  <p:timing>
-    <p:tnLst>
-      <p:par>
-        <p:cTn xmlns:p14="http://schemas.microsoft.com/office/powerpoint/2010/main" id="1" dur="indefinite" restart="never" nodeType="tmRoot"/>
+        <p:cTn id="1" dur="indefinite" restart="never" nodeType="tmRoot"/>
       </p:par>
     </p:tnLst>
   </p:timing>
@@ -9451,87 +9950,69 @@
             <p:ph type="title"/>
           </p:nvPr>
         </p:nvSpPr>
+        <p:spPr/>
+        <p:txBody>
+          <a:bodyPr/>
+          <a:lstStyle/>
+          <a:p>
+            <a:r>
+              <a:rPr lang="en-US" noProof="0" smtClean="0"/>
+              <a:t>Access Point Authentication</a:t>
+            </a:r>
+            <a:endParaRPr lang="en-US" noProof="0"/>
+          </a:p>
+        </p:txBody>
+      </p:sp>
+      <p:sp>
+        <p:nvSpPr>
+          <p:cNvPr id="4" name="Content Placeholder 2"/>
+          <p:cNvSpPr>
+            <a:spLocks noGrp="1"/>
+          </p:cNvSpPr>
+          <p:nvPr>
+            <p:ph idx="1"/>
+          </p:nvPr>
+        </p:nvSpPr>
         <p:spPr>
           <a:xfrm>
-            <a:off x="457200" y="274638"/>
-            <a:ext cx="8229600" cy="850106"/>
+            <a:off x="457200" y="1600201"/>
+            <a:ext cx="8229600" cy="1042981"/>
           </a:xfrm>
         </p:spPr>
         <p:txBody>
-          <a:bodyPr/>
+          <a:bodyPr>
+            <a:normAutofit lnSpcReduction="10000"/>
+          </a:bodyPr>
           <a:lstStyle/>
           <a:p>
             <a:r>
               <a:rPr lang="en-US" noProof="0" smtClean="0"/>
-              <a:t>Packet Transfer</a:t>
+              <a:t>In order to authenticate the network by the client</a:t>
             </a:r>
             <a:endParaRPr lang="en-US" noProof="0"/>
           </a:p>
         </p:txBody>
       </p:sp>
-      <p:sp>
-        <p:nvSpPr>
-          <p:cNvPr id="5" name="Content Placeholder 2"/>
-          <p:cNvSpPr>
-            <a:spLocks noGrp="1"/>
-          </p:cNvSpPr>
-          <p:nvPr>
-            <p:ph idx="1"/>
-          </p:nvPr>
-        </p:nvSpPr>
-        <p:spPr>
-          <a:xfrm>
-            <a:off x="467544" y="1124744"/>
-            <a:ext cx="8229600" cy="748680"/>
-          </a:xfrm>
-        </p:spPr>
-        <p:txBody>
-          <a:bodyPr>
-            <a:normAutofit fontScale="77500" lnSpcReduction="20000"/>
-          </a:bodyPr>
-          <a:lstStyle/>
-          <a:p>
-            <a:r>
-              <a:rPr lang="en-US" noProof="0" smtClean="0"/>
-              <a:t>After mutual authentication of client and  access point, client starts to send data packets to access point.</a:t>
-            </a:r>
-            <a:endParaRPr lang="en-US" noProof="0"/>
-          </a:p>
-        </p:txBody>
-      </p:sp>
-      <p:pic>
-        <p:nvPicPr>
-          <p:cNvPr id="6" name="Picture 5" descr="Macintosh HD:Users:canleloglu:Desktop:worddoc:thesisImages:protocolsInDetail:seqDiagram:pdf:packetTransfer.pdf"/>
-          <p:cNvPicPr/>
+      <p:graphicFrame>
+        <p:nvGraphicFramePr>
+          <p:cNvPr id="1026" name="Object 2"/>
+          <p:cNvGraphicFramePr>
+            <a:graphicFrameLocks noChangeAspect="1"/>
+          </p:cNvGraphicFramePr>
           <p:nvPr/>
-        </p:nvPicPr>
-        <p:blipFill>
-          <a:blip r:embed="rId2" cstate="print">
-            <a:extLst>
-              <a:ext uri="{28A0092B-C50C-407E-A947-70E740481C1C}">
-                <a14:useLocalDpi xmlns:a14="http://schemas.microsoft.com/office/drawing/2010/main" val="0"/>
-              </a:ext>
-            </a:extLst>
-          </a:blip>
-          <a:srcRect/>
-          <a:stretch>
-            <a:fillRect/>
-          </a:stretch>
-        </p:blipFill>
-        <p:spPr bwMode="auto">
-          <a:xfrm>
-            <a:off x="2214546" y="1785922"/>
-            <a:ext cx="4481401" cy="5072078"/>
-          </a:xfrm>
-          <a:prstGeom prst="rect">
-            <a:avLst/>
-          </a:prstGeom>
-          <a:noFill/>
-          <a:ln>
-            <a:noFill/>
-          </a:ln>
-        </p:spPr>
-      </p:pic>
+        </p:nvGraphicFramePr>
+        <p:xfrm>
+          <a:off x="1785918" y="2786058"/>
+          <a:ext cx="5289452" cy="3429024"/>
+        </p:xfrm>
+        <a:graphic>
+          <a:graphicData uri="http://schemas.openxmlformats.org/presentationml/2006/ole">
+            <p:oleObj spid="_x0000_s1026" name="Acrobat Document" r:id="rId3" imgW="2762166" imgH="1790494" progId="AcroExch.Document.11">
+              <p:embed/>
+            </p:oleObj>
+          </a:graphicData>
+        </a:graphic>
+      </p:graphicFrame>
     </p:spTree>
   </p:cSld>
   <p:clrMapOvr>
@@ -9540,7 +10021,7 @@
   <p:timing>
     <p:tnLst>
       <p:par>
-        <p:cTn xmlns:p14="http://schemas.microsoft.com/office/powerpoint/2010/main" id="1" dur="indefinite" restart="never" nodeType="tmRoot"/>
+        <p:cTn id="1" dur="indefinite" restart="never" nodeType="tmRoot"/>
       </p:par>
     </p:tnLst>
   </p:timing>

--- a/sunum18Jan.pptx
+++ b/sunum18Jan.pptx
@@ -5,45 +5,48 @@
     <p:sldMasterId id="2147483648" r:id="rId1"/>
   </p:sldMasterIdLst>
   <p:notesMasterIdLst>
-    <p:notesMasterId r:id="rId38"/>
+    <p:notesMasterId r:id="rId41"/>
   </p:notesMasterIdLst>
   <p:sldIdLst>
     <p:sldId id="335" r:id="rId2"/>
     <p:sldId id="296" r:id="rId3"/>
-    <p:sldId id="259" r:id="rId4"/>
-    <p:sldId id="260" r:id="rId5"/>
-    <p:sldId id="337" r:id="rId6"/>
-    <p:sldId id="262" r:id="rId7"/>
-    <p:sldId id="263" r:id="rId8"/>
-    <p:sldId id="268" r:id="rId9"/>
-    <p:sldId id="272" r:id="rId10"/>
-    <p:sldId id="274" r:id="rId11"/>
-    <p:sldId id="276" r:id="rId12"/>
-    <p:sldId id="280" r:id="rId13"/>
-    <p:sldId id="285" r:id="rId14"/>
-    <p:sldId id="283" r:id="rId15"/>
-    <p:sldId id="303" r:id="rId16"/>
-    <p:sldId id="304" r:id="rId17"/>
-    <p:sldId id="307" r:id="rId18"/>
-    <p:sldId id="308" r:id="rId19"/>
-    <p:sldId id="309" r:id="rId20"/>
-    <p:sldId id="310" r:id="rId21"/>
-    <p:sldId id="311" r:id="rId22"/>
-    <p:sldId id="316" r:id="rId23"/>
-    <p:sldId id="313" r:id="rId24"/>
-    <p:sldId id="314" r:id="rId25"/>
-    <p:sldId id="334" r:id="rId26"/>
-    <p:sldId id="318" r:id="rId27"/>
-    <p:sldId id="319" r:id="rId28"/>
-    <p:sldId id="320" r:id="rId29"/>
-    <p:sldId id="321" r:id="rId30"/>
-    <p:sldId id="323" r:id="rId31"/>
-    <p:sldId id="324" r:id="rId32"/>
-    <p:sldId id="325" r:id="rId33"/>
-    <p:sldId id="328" r:id="rId34"/>
-    <p:sldId id="330" r:id="rId35"/>
-    <p:sldId id="332" r:id="rId36"/>
-    <p:sldId id="336" r:id="rId37"/>
+    <p:sldId id="339" r:id="rId4"/>
+    <p:sldId id="340" r:id="rId5"/>
+    <p:sldId id="260" r:id="rId6"/>
+    <p:sldId id="337" r:id="rId7"/>
+    <p:sldId id="262" r:id="rId8"/>
+    <p:sldId id="263" r:id="rId9"/>
+    <p:sldId id="341" r:id="rId10"/>
+    <p:sldId id="268" r:id="rId11"/>
+    <p:sldId id="272" r:id="rId12"/>
+    <p:sldId id="274" r:id="rId13"/>
+    <p:sldId id="276" r:id="rId14"/>
+    <p:sldId id="280" r:id="rId15"/>
+    <p:sldId id="285" r:id="rId16"/>
+    <p:sldId id="283" r:id="rId17"/>
+    <p:sldId id="338" r:id="rId18"/>
+    <p:sldId id="303" r:id="rId19"/>
+    <p:sldId id="304" r:id="rId20"/>
+    <p:sldId id="307" r:id="rId21"/>
+    <p:sldId id="308" r:id="rId22"/>
+    <p:sldId id="309" r:id="rId23"/>
+    <p:sldId id="310" r:id="rId24"/>
+    <p:sldId id="311" r:id="rId25"/>
+    <p:sldId id="316" r:id="rId26"/>
+    <p:sldId id="314" r:id="rId27"/>
+    <p:sldId id="313" r:id="rId28"/>
+    <p:sldId id="334" r:id="rId29"/>
+    <p:sldId id="318" r:id="rId30"/>
+    <p:sldId id="319" r:id="rId31"/>
+    <p:sldId id="320" r:id="rId32"/>
+    <p:sldId id="321" r:id="rId33"/>
+    <p:sldId id="323" r:id="rId34"/>
+    <p:sldId id="324" r:id="rId35"/>
+    <p:sldId id="325" r:id="rId36"/>
+    <p:sldId id="328" r:id="rId37"/>
+    <p:sldId id="330" r:id="rId38"/>
+    <p:sldId id="332" r:id="rId39"/>
+    <p:sldId id="336" r:id="rId40"/>
   </p:sldIdLst>
   <p:sldSz cx="9144000" cy="6858000" type="screen4x3"/>
   <p:notesSz cx="6858000" cy="9144000"/>
@@ -228,7 +231,7 @@
             <a:fld id="{412B4FB5-DB9C-408E-9DB4-4509C0792843}" type="datetimeFigureOut">
               <a:rPr lang="tr-TR" smtClean="0"/>
               <a:pPr/>
-              <a:t>17.01.2013</a:t>
+              <a:t>18.01.2013</a:t>
             </a:fld>
             <a:endParaRPr lang="en-US" dirty="0"/>
           </a:p>
@@ -567,7 +570,7 @@
             <a:fld id="{A1EAFB59-DC4D-4EED-85F4-1C64D3038115}" type="slidenum">
               <a:rPr lang="en-US" smtClean="0"/>
               <a:pPr/>
-              <a:t>6</a:t>
+              <a:t>7</a:t>
             </a:fld>
             <a:endParaRPr lang="en-US" dirty="0"/>
           </a:p>
@@ -760,10 +763,10 @@
           <a:bodyPr/>
           <a:lstStyle/>
           <a:p>
-            <a:fld id="{34990BF1-3FBF-4FBC-A078-BCBD6928206A}" type="datetimeFigureOut">
+            <a:fld id="{7F7F3D50-2B91-42EB-828F-6B47E8F82343}" type="datetime1">
               <a:rPr lang="tr-TR" smtClean="0"/>
               <a:pPr/>
-              <a:t>17.01.2013</a:t>
+              <a:t>18.01.2013</a:t>
             </a:fld>
             <a:endParaRPr lang="en-US" dirty="0"/>
           </a:p>
@@ -927,10 +930,10 @@
           <a:bodyPr/>
           <a:lstStyle/>
           <a:p>
-            <a:fld id="{34990BF1-3FBF-4FBC-A078-BCBD6928206A}" type="datetimeFigureOut">
+            <a:fld id="{E2661FEF-D5B4-4B01-BEB2-60162DD296DB}" type="datetime1">
               <a:rPr lang="tr-TR" smtClean="0"/>
               <a:pPr/>
-              <a:t>17.01.2013</a:t>
+              <a:t>18.01.2013</a:t>
             </a:fld>
             <a:endParaRPr lang="en-US" dirty="0"/>
           </a:p>
@@ -1104,10 +1107,10 @@
           <a:bodyPr/>
           <a:lstStyle/>
           <a:p>
-            <a:fld id="{34990BF1-3FBF-4FBC-A078-BCBD6928206A}" type="datetimeFigureOut">
+            <a:fld id="{F4F9EF1D-3106-4A7F-B42A-BCA341CACB80}" type="datetime1">
               <a:rPr lang="tr-TR" smtClean="0"/>
               <a:pPr/>
-              <a:t>17.01.2013</a:t>
+              <a:t>18.01.2013</a:t>
             </a:fld>
             <a:endParaRPr lang="en-US" dirty="0"/>
           </a:p>
@@ -1271,10 +1274,10 @@
           <a:bodyPr/>
           <a:lstStyle/>
           <a:p>
-            <a:fld id="{34990BF1-3FBF-4FBC-A078-BCBD6928206A}" type="datetimeFigureOut">
+            <a:fld id="{6AEFDC65-3AAC-4288-BF4A-310D6792295A}" type="datetime1">
               <a:rPr lang="tr-TR" smtClean="0"/>
               <a:pPr/>
-              <a:t>17.01.2013</a:t>
+              <a:t>18.01.2013</a:t>
             </a:fld>
             <a:endParaRPr lang="en-US" dirty="0"/>
           </a:p>
@@ -1514,10 +1517,10 @@
           <a:bodyPr/>
           <a:lstStyle/>
           <a:p>
-            <a:fld id="{34990BF1-3FBF-4FBC-A078-BCBD6928206A}" type="datetimeFigureOut">
+            <a:fld id="{42AC45A9-A4CA-4147-AF07-07EB194C8F13}" type="datetime1">
               <a:rPr lang="tr-TR" smtClean="0"/>
               <a:pPr/>
-              <a:t>17.01.2013</a:t>
+              <a:t>18.01.2013</a:t>
             </a:fld>
             <a:endParaRPr lang="en-US" dirty="0"/>
           </a:p>
@@ -1799,10 +1802,10 @@
           <a:bodyPr/>
           <a:lstStyle/>
           <a:p>
-            <a:fld id="{34990BF1-3FBF-4FBC-A078-BCBD6928206A}" type="datetimeFigureOut">
+            <a:fld id="{DE0ED23A-24FA-4F6C-964B-33CC90C35E24}" type="datetime1">
               <a:rPr lang="tr-TR" smtClean="0"/>
               <a:pPr/>
-              <a:t>17.01.2013</a:t>
+              <a:t>18.01.2013</a:t>
             </a:fld>
             <a:endParaRPr lang="en-US" dirty="0"/>
           </a:p>
@@ -2218,10 +2221,10 @@
           <a:bodyPr/>
           <a:lstStyle/>
           <a:p>
-            <a:fld id="{34990BF1-3FBF-4FBC-A078-BCBD6928206A}" type="datetimeFigureOut">
+            <a:fld id="{BA7B504C-7582-43A3-BAEE-2DE0BABD1C03}" type="datetime1">
               <a:rPr lang="tr-TR" smtClean="0"/>
               <a:pPr/>
-              <a:t>17.01.2013</a:t>
+              <a:t>18.01.2013</a:t>
             </a:fld>
             <a:endParaRPr lang="en-US" dirty="0"/>
           </a:p>
@@ -2333,10 +2336,10 @@
           <a:bodyPr/>
           <a:lstStyle/>
           <a:p>
-            <a:fld id="{34990BF1-3FBF-4FBC-A078-BCBD6928206A}" type="datetimeFigureOut">
+            <a:fld id="{83EB9EAA-868A-486E-BD8C-3B3F22BA2B49}" type="datetime1">
               <a:rPr lang="tr-TR" smtClean="0"/>
               <a:pPr/>
-              <a:t>17.01.2013</a:t>
+              <a:t>18.01.2013</a:t>
             </a:fld>
             <a:endParaRPr lang="en-US" dirty="0"/>
           </a:p>
@@ -2425,10 +2428,10 @@
           <a:bodyPr/>
           <a:lstStyle/>
           <a:p>
-            <a:fld id="{34990BF1-3FBF-4FBC-A078-BCBD6928206A}" type="datetimeFigureOut">
+            <a:fld id="{6ECAE603-6275-4CB0-9927-11CF73DB0DCE}" type="datetime1">
               <a:rPr lang="tr-TR" smtClean="0"/>
               <a:pPr/>
-              <a:t>17.01.2013</a:t>
+              <a:t>18.01.2013</a:t>
             </a:fld>
             <a:endParaRPr lang="en-US" dirty="0"/>
           </a:p>
@@ -2699,10 +2702,10 @@
           <a:bodyPr/>
           <a:lstStyle/>
           <a:p>
-            <a:fld id="{34990BF1-3FBF-4FBC-A078-BCBD6928206A}" type="datetimeFigureOut">
+            <a:fld id="{22BBABC2-D90C-4AE9-9C79-6BE094E8004A}" type="datetime1">
               <a:rPr lang="tr-TR" smtClean="0"/>
               <a:pPr/>
-              <a:t>17.01.2013</a:t>
+              <a:t>18.01.2013</a:t>
             </a:fld>
             <a:endParaRPr lang="en-US" dirty="0"/>
           </a:p>
@@ -2949,10 +2952,10 @@
           <a:bodyPr/>
           <a:lstStyle/>
           <a:p>
-            <a:fld id="{34990BF1-3FBF-4FBC-A078-BCBD6928206A}" type="datetimeFigureOut">
+            <a:fld id="{7389065A-B5B2-4CB8-8086-AD000ADB9CEA}" type="datetime1">
               <a:rPr lang="tr-TR" smtClean="0"/>
               <a:pPr/>
-              <a:t>17.01.2013</a:t>
+              <a:t>18.01.2013</a:t>
             </a:fld>
             <a:endParaRPr lang="en-US" dirty="0"/>
           </a:p>
@@ -3159,10 +3162,10 @@
             </a:lvl1pPr>
           </a:lstStyle>
           <a:p>
-            <a:fld id="{34990BF1-3FBF-4FBC-A078-BCBD6928206A}" type="datetimeFigureOut">
+            <a:fld id="{F032425E-17FD-4B37-87CB-7B615E21DFA0}" type="datetime1">
               <a:rPr lang="tr-TR" smtClean="0"/>
               <a:pPr/>
-              <a:t>17.01.2013</a:t>
+              <a:t>18.01.2013</a:t>
             </a:fld>
             <a:endParaRPr lang="en-US" dirty="0"/>
           </a:p>
@@ -3263,6 +3266,7 @@
     <p:sldLayoutId id="2147483658" r:id="rId10"/>
     <p:sldLayoutId id="2147483659" r:id="rId11"/>
   </p:sldLayoutIdLst>
+  <p:hf hdr="0" ftr="0" dt="0"/>
   <p:txStyles>
     <p:titleStyle>
       <a:lvl1pPr algn="ctr" defTabSz="914400" rtl="0" eaLnBrk="1" latinLnBrk="0" hangingPunct="1">
@@ -3680,16 +3684,6 @@
           </a:p>
           <a:p>
             <a:r>
-              <a:rPr lang="en-US" sz="1800" noProof="0" dirty="0" err="1" smtClean="0">
-                <a:solidFill>
-                  <a:srgbClr val="515151"/>
-                </a:solidFill>
-                <a:latin typeface="+mj-lt"/>
-                <a:cs typeface="Times New Roman" pitchFamily="18" charset="0"/>
-              </a:rPr>
-              <a:t>canleloglu@sabanciuniv.edu</a:t>
-            </a:r>
-            <a:r>
               <a:rPr lang="en-US" sz="1800" noProof="0" dirty="0" smtClean="0">
                 <a:solidFill>
                   <a:srgbClr val="515151"/>
@@ -3697,7 +3691,7 @@
                 <a:latin typeface="+mj-lt"/>
                 <a:cs typeface="Times New Roman" pitchFamily="18" charset="0"/>
               </a:rPr>
-              <a:t> </a:t>
+              <a:t>canleloglu@sabanciuniv.edu </a:t>
             </a:r>
           </a:p>
           <a:p>
@@ -3721,7 +3715,19 @@
                 <a:latin typeface="+mj-lt"/>
                 <a:cs typeface="Times New Roman" pitchFamily="18" charset="0"/>
               </a:rPr>
-              <a:t>Thesis Presentation as of January 18, 2013</a:t>
+              <a:t>MS Thesis Defense </a:t>
+            </a:r>
+          </a:p>
+          <a:p>
+            <a:r>
+              <a:rPr lang="en-US" sz="2400" noProof="0" dirty="0" smtClean="0">
+                <a:solidFill>
+                  <a:srgbClr val="515151"/>
+                </a:solidFill>
+                <a:latin typeface="+mj-lt"/>
+                <a:cs typeface="Times New Roman" pitchFamily="18" charset="0"/>
+              </a:rPr>
+              <a:t>January 18, 2013</a:t>
             </a:r>
             <a:endParaRPr lang="en-US" sz="2400" noProof="0" dirty="0">
               <a:solidFill>
@@ -3834,6 +3840,236 @@
             <p:ph type="title"/>
           </p:nvPr>
         </p:nvSpPr>
+        <p:spPr/>
+        <p:txBody>
+          <a:bodyPr>
+            <a:normAutofit fontScale="90000"/>
+          </a:bodyPr>
+          <a:lstStyle/>
+          <a:p>
+            <a:r>
+              <a:rPr lang="en-US" noProof="0" dirty="0" smtClean="0"/>
+              <a:t>Initial Authorization and Reuse of a Connection Card</a:t>
+            </a:r>
+            <a:endParaRPr lang="en-US" noProof="0" dirty="0"/>
+          </a:p>
+        </p:txBody>
+      </p:sp>
+      <p:sp>
+        <p:nvSpPr>
+          <p:cNvPr id="5" name="Slide Number Placeholder 4"/>
+          <p:cNvSpPr>
+            <a:spLocks noGrp="1"/>
+          </p:cNvSpPr>
+          <p:nvPr>
+            <p:ph type="sldNum" sz="quarter" idx="12"/>
+          </p:nvPr>
+        </p:nvSpPr>
+        <p:spPr/>
+        <p:txBody>
+          <a:bodyPr/>
+          <a:lstStyle/>
+          <a:p>
+            <a:fld id="{CC32927E-8736-45CF-A6F9-390382C66E11}" type="slidenum">
+              <a:rPr lang="en-US" smtClean="0"/>
+              <a:pPr/>
+              <a:t>10</a:t>
+            </a:fld>
+            <a:endParaRPr lang="en-US" dirty="0"/>
+          </a:p>
+        </p:txBody>
+      </p:sp>
+      <p:graphicFrame>
+        <p:nvGraphicFramePr>
+          <p:cNvPr id="26625" name="Object 1"/>
+          <p:cNvGraphicFramePr>
+            <a:graphicFrameLocks noChangeAspect="1"/>
+          </p:cNvGraphicFramePr>
+          <p:nvPr/>
+        </p:nvGraphicFramePr>
+        <p:xfrm>
+          <a:off x="2000232" y="1643050"/>
+          <a:ext cx="5357850" cy="4905375"/>
+        </p:xfrm>
+        <a:graphic>
+          <a:graphicData uri="http://schemas.openxmlformats.org/presentationml/2006/ole">
+            <p:oleObj spid="_x0000_s26625" name="Acrobat Document" r:id="rId3" imgW="4238612" imgH="4905233" progId="AcroExch.Document.11">
+              <p:embed/>
+            </p:oleObj>
+          </a:graphicData>
+        </a:graphic>
+      </p:graphicFrame>
+    </p:spTree>
+  </p:cSld>
+  <p:clrMapOvr>
+    <a:masterClrMapping/>
+  </p:clrMapOvr>
+  <p:timing>
+    <p:tnLst>
+      <p:par>
+        <p:cTn id="1" dur="indefinite" restart="never" nodeType="tmRoot"/>
+      </p:par>
+    </p:tnLst>
+  </p:timing>
+</p:sld>
+</file>
+
+<file path=ppt/slides/slide11.xml><?xml version="1.0" encoding="utf-8"?>
+<p:sld xmlns:a="http://schemas.openxmlformats.org/drawingml/2006/main" xmlns:r="http://schemas.openxmlformats.org/officeDocument/2006/relationships" xmlns:p="http://schemas.openxmlformats.org/presentationml/2006/main">
+  <p:cSld>
+    <p:spTree>
+      <p:nvGrpSpPr>
+        <p:cNvPr id="1" name=""/>
+        <p:cNvGrpSpPr/>
+        <p:nvPr/>
+      </p:nvGrpSpPr>
+      <p:grpSpPr>
+        <a:xfrm>
+          <a:off x="0" y="0"/>
+          <a:ext cx="0" cy="0"/>
+          <a:chOff x="0" y="0"/>
+          <a:chExt cx="0" cy="0"/>
+        </a:xfrm>
+      </p:grpSpPr>
+      <p:sp>
+        <p:nvSpPr>
+          <p:cNvPr id="2" name="Title 1"/>
+          <p:cNvSpPr>
+            <a:spLocks noGrp="1"/>
+          </p:cNvSpPr>
+          <p:nvPr>
+            <p:ph type="title"/>
+          </p:nvPr>
+        </p:nvSpPr>
+        <p:spPr/>
+        <p:txBody>
+          <a:bodyPr/>
+          <a:lstStyle/>
+          <a:p>
+            <a:r>
+              <a:rPr lang="en-US" noProof="0" dirty="0" smtClean="0"/>
+              <a:t>Access Point Authentication</a:t>
+            </a:r>
+            <a:endParaRPr lang="en-US" noProof="0" dirty="0"/>
+          </a:p>
+        </p:txBody>
+      </p:sp>
+      <p:sp>
+        <p:nvSpPr>
+          <p:cNvPr id="4" name="Content Placeholder 2"/>
+          <p:cNvSpPr>
+            <a:spLocks noGrp="1"/>
+          </p:cNvSpPr>
+          <p:nvPr>
+            <p:ph idx="1"/>
+          </p:nvPr>
+        </p:nvSpPr>
+        <p:spPr>
+          <a:xfrm>
+            <a:off x="457200" y="1600201"/>
+            <a:ext cx="8229600" cy="1042981"/>
+          </a:xfrm>
+        </p:spPr>
+        <p:txBody>
+          <a:bodyPr>
+            <a:normAutofit lnSpcReduction="10000"/>
+          </a:bodyPr>
+          <a:lstStyle/>
+          <a:p>
+            <a:r>
+              <a:rPr lang="en-US" noProof="0" dirty="0" smtClean="0"/>
+              <a:t>In order to authenticate the network by the client</a:t>
+            </a:r>
+            <a:endParaRPr lang="en-US" noProof="0" dirty="0"/>
+          </a:p>
+        </p:txBody>
+      </p:sp>
+      <p:graphicFrame>
+        <p:nvGraphicFramePr>
+          <p:cNvPr id="1026" name="Object 2"/>
+          <p:cNvGraphicFramePr>
+            <a:graphicFrameLocks noChangeAspect="1"/>
+          </p:cNvGraphicFramePr>
+          <p:nvPr/>
+        </p:nvGraphicFramePr>
+        <p:xfrm>
+          <a:off x="1785918" y="2786058"/>
+          <a:ext cx="5289452" cy="3429024"/>
+        </p:xfrm>
+        <a:graphic>
+          <a:graphicData uri="http://schemas.openxmlformats.org/presentationml/2006/ole">
+            <p:oleObj spid="_x0000_s1026" name="Acrobat Document" r:id="rId3" imgW="3684960" imgH="2384640" progId="AcroExch.Document.11">
+              <p:embed/>
+            </p:oleObj>
+          </a:graphicData>
+        </a:graphic>
+      </p:graphicFrame>
+      <p:sp>
+        <p:nvSpPr>
+          <p:cNvPr id="5" name="Slide Number Placeholder 4"/>
+          <p:cNvSpPr>
+            <a:spLocks noGrp="1"/>
+          </p:cNvSpPr>
+          <p:nvPr>
+            <p:ph type="sldNum" sz="quarter" idx="12"/>
+          </p:nvPr>
+        </p:nvSpPr>
+        <p:spPr/>
+        <p:txBody>
+          <a:bodyPr/>
+          <a:lstStyle/>
+          <a:p>
+            <a:fld id="{CC32927E-8736-45CF-A6F9-390382C66E11}" type="slidenum">
+              <a:rPr lang="en-US" smtClean="0"/>
+              <a:pPr/>
+              <a:t>11</a:t>
+            </a:fld>
+            <a:endParaRPr lang="en-US" dirty="0"/>
+          </a:p>
+        </p:txBody>
+      </p:sp>
+    </p:spTree>
+  </p:cSld>
+  <p:clrMapOvr>
+    <a:masterClrMapping/>
+  </p:clrMapOvr>
+  <p:timing>
+    <p:tnLst>
+      <p:par>
+        <p:cTn id="1" dur="indefinite" restart="never" nodeType="tmRoot"/>
+      </p:par>
+    </p:tnLst>
+  </p:timing>
+</p:sld>
+</file>
+
+<file path=ppt/slides/slide12.xml><?xml version="1.0" encoding="utf-8"?>
+<p:sld xmlns:a="http://schemas.openxmlformats.org/drawingml/2006/main" xmlns:r="http://schemas.openxmlformats.org/officeDocument/2006/relationships" xmlns:p="http://schemas.openxmlformats.org/presentationml/2006/main">
+  <p:cSld>
+    <p:spTree>
+      <p:nvGrpSpPr>
+        <p:cNvPr id="1" name=""/>
+        <p:cNvGrpSpPr/>
+        <p:nvPr/>
+      </p:nvGrpSpPr>
+      <p:grpSpPr>
+        <a:xfrm>
+          <a:off x="0" y="0"/>
+          <a:ext cx="0" cy="0"/>
+          <a:chOff x="0" y="0"/>
+          <a:chExt cx="0" cy="0"/>
+        </a:xfrm>
+      </p:grpSpPr>
+      <p:sp>
+        <p:nvSpPr>
+          <p:cNvPr id="2" name="Title 1"/>
+          <p:cNvSpPr>
+            <a:spLocks noGrp="1"/>
+          </p:cNvSpPr>
+          <p:nvPr>
+            <p:ph type="title"/>
+          </p:nvPr>
+        </p:nvSpPr>
         <p:spPr>
           <a:xfrm>
             <a:off x="457200" y="274638"/>
@@ -3845,10 +4081,10 @@
           <a:lstStyle/>
           <a:p>
             <a:r>
-              <a:rPr lang="en-US" noProof="0" smtClean="0"/>
+              <a:rPr lang="en-US" noProof="0" dirty="0" smtClean="0"/>
               <a:t>Packet Transfer</a:t>
             </a:r>
-            <a:endParaRPr lang="en-US" noProof="0"/>
+            <a:endParaRPr lang="en-US" noProof="0" dirty="0"/>
           </a:p>
         </p:txBody>
       </p:sp>
@@ -3875,10 +4111,10 @@
           <a:lstStyle/>
           <a:p>
             <a:r>
-              <a:rPr lang="en-US" noProof="0" smtClean="0"/>
+              <a:rPr lang="en-US" noProof="0" dirty="0" smtClean="0"/>
               <a:t>After mutual authentication of client and  access point, client starts to send data packets to access point.</a:t>
             </a:r>
-            <a:endParaRPr lang="en-US" noProof="0"/>
+            <a:endParaRPr lang="en-US" noProof="0" dirty="0"/>
           </a:p>
         </p:txBody>
       </p:sp>
@@ -3915,6 +4151,30 @@
           </a:ln>
         </p:spPr>
       </p:pic>
+      <p:sp>
+        <p:nvSpPr>
+          <p:cNvPr id="7" name="Slide Number Placeholder 6"/>
+          <p:cNvSpPr>
+            <a:spLocks noGrp="1"/>
+          </p:cNvSpPr>
+          <p:nvPr>
+            <p:ph type="sldNum" sz="quarter" idx="12"/>
+          </p:nvPr>
+        </p:nvSpPr>
+        <p:spPr/>
+        <p:txBody>
+          <a:bodyPr/>
+          <a:lstStyle/>
+          <a:p>
+            <a:fld id="{CC32927E-8736-45CF-A6F9-390382C66E11}" type="slidenum">
+              <a:rPr lang="en-US" smtClean="0"/>
+              <a:pPr/>
+              <a:t>12</a:t>
+            </a:fld>
+            <a:endParaRPr lang="en-US" dirty="0"/>
+          </a:p>
+        </p:txBody>
+      </p:sp>
     </p:spTree>
   </p:cSld>
   <p:clrMapOvr>
@@ -3930,7 +4190,7 @@
 </p:sld>
 </file>
 
-<file path=ppt/slides/slide11.xml><?xml version="1.0" encoding="utf-8"?>
+<file path=ppt/slides/slide13.xml><?xml version="1.0" encoding="utf-8"?>
 <p:sld xmlns:a="http://schemas.openxmlformats.org/drawingml/2006/main" xmlns:r="http://schemas.openxmlformats.org/officeDocument/2006/relationships" xmlns:p="http://schemas.openxmlformats.org/presentationml/2006/main">
   <p:cSld>
     <p:spTree>
@@ -3963,10 +4223,10 @@
           <a:lstStyle/>
           <a:p>
             <a:r>
-              <a:rPr lang="en-US" noProof="0" smtClean="0"/>
+              <a:rPr lang="en-US" noProof="0" dirty="0" smtClean="0"/>
               <a:t>Changing Alias</a:t>
             </a:r>
-            <a:endParaRPr lang="en-US" noProof="0"/>
+            <a:endParaRPr lang="en-US" noProof="0" dirty="0"/>
           </a:p>
         </p:txBody>
       </p:sp>
@@ -4003,197 +4263,30 @@
           </a:ln>
         </p:spPr>
       </p:pic>
-    </p:spTree>
-  </p:cSld>
-  <p:clrMapOvr>
-    <a:masterClrMapping/>
-  </p:clrMapOvr>
-  <p:timing>
-    <p:tnLst>
-      <p:par>
-        <p:cTn id="1" dur="indefinite" restart="never" nodeType="tmRoot"/>
-      </p:par>
-    </p:tnLst>
-  </p:timing>
-</p:sld>
-</file>
-
-<file path=ppt/slides/slide12.xml><?xml version="1.0" encoding="utf-8"?>
-<p:sld xmlns:a="http://schemas.openxmlformats.org/drawingml/2006/main" xmlns:r="http://schemas.openxmlformats.org/officeDocument/2006/relationships" xmlns:p="http://schemas.openxmlformats.org/presentationml/2006/main">
-  <p:cSld>
-    <p:spTree>
-      <p:nvGrpSpPr>
-        <p:cNvPr id="1" name=""/>
-        <p:cNvGrpSpPr/>
-        <p:nvPr/>
-      </p:nvGrpSpPr>
-      <p:grpSpPr>
-        <a:xfrm>
-          <a:off x="0" y="0"/>
-          <a:ext cx="0" cy="0"/>
-          <a:chOff x="0" y="0"/>
-          <a:chExt cx="0" cy="0"/>
-        </a:xfrm>
-      </p:grpSpPr>
-      <p:sp>
-        <p:nvSpPr>
-          <p:cNvPr id="2" name="Title 1"/>
-          <p:cNvSpPr>
-            <a:spLocks noGrp="1"/>
-          </p:cNvSpPr>
-          <p:nvPr>
-            <p:ph type="title"/>
-          </p:nvPr>
-        </p:nvSpPr>
-        <p:spPr/>
-        <p:txBody>
-          <a:bodyPr/>
-          <a:lstStyle/>
-          <a:p>
-            <a:r>
-              <a:rPr lang="en-US" noProof="0" smtClean="0"/>
-              <a:t>Disconnection</a:t>
-            </a:r>
-            <a:endParaRPr lang="en-US" noProof="0"/>
-          </a:p>
-        </p:txBody>
-      </p:sp>
-      <p:graphicFrame>
-        <p:nvGraphicFramePr>
-          <p:cNvPr id="2051" name="Object 3"/>
-          <p:cNvGraphicFramePr>
-            <a:graphicFrameLocks noChangeAspect="1"/>
-          </p:cNvGraphicFramePr>
-          <p:nvPr/>
-        </p:nvGraphicFramePr>
-        <p:xfrm>
-          <a:off x="1714480" y="1500174"/>
-          <a:ext cx="5572164" cy="4905375"/>
-        </p:xfrm>
-        <a:graphic>
-          <a:graphicData uri="http://schemas.openxmlformats.org/presentationml/2006/ole">
-            <p:oleObj spid="_x0000_s2051" name="Acrobat Document" r:id="rId3" imgW="4238506" imgH="4905208" progId="AcroExch.Document.11">
-              <p:embed/>
-            </p:oleObj>
-          </a:graphicData>
-        </a:graphic>
-      </p:graphicFrame>
-    </p:spTree>
-  </p:cSld>
-  <p:clrMapOvr>
-    <a:masterClrMapping/>
-  </p:clrMapOvr>
-  <p:timing>
-    <p:tnLst>
-      <p:par>
-        <p:cTn id="1" dur="indefinite" restart="never" nodeType="tmRoot"/>
-      </p:par>
-    </p:tnLst>
-  </p:timing>
-</p:sld>
-</file>
-
-<file path=ppt/slides/slide13.xml><?xml version="1.0" encoding="utf-8"?>
-<p:sld xmlns:a="http://schemas.openxmlformats.org/drawingml/2006/main" xmlns:r="http://schemas.openxmlformats.org/officeDocument/2006/relationships" xmlns:p="http://schemas.openxmlformats.org/presentationml/2006/main">
-  <p:cSld>
-    <p:spTree>
-      <p:nvGrpSpPr>
-        <p:cNvPr id="1" name=""/>
-        <p:cNvGrpSpPr/>
-        <p:nvPr/>
-      </p:nvGrpSpPr>
-      <p:grpSpPr>
-        <a:xfrm>
-          <a:off x="0" y="0"/>
-          <a:ext cx="0" cy="0"/>
-          <a:chOff x="0" y="0"/>
-          <a:chExt cx="0" cy="0"/>
-        </a:xfrm>
-      </p:grpSpPr>
-      <p:sp>
-        <p:nvSpPr>
-          <p:cNvPr id="2" name="Title 1"/>
-          <p:cNvSpPr>
-            <a:spLocks noGrp="1"/>
-          </p:cNvSpPr>
-          <p:nvPr>
-            <p:ph type="title"/>
-          </p:nvPr>
-        </p:nvSpPr>
-        <p:spPr/>
-        <p:txBody>
-          <a:bodyPr>
-            <a:normAutofit fontScale="90000"/>
-          </a:bodyPr>
-          <a:lstStyle/>
-          <a:p>
-            <a:r>
-              <a:rPr lang="en-US" noProof="0" smtClean="0"/>
-              <a:t>Seamless Mobility in Home Operator</a:t>
-            </a:r>
-            <a:endParaRPr lang="en-US" noProof="0"/>
-          </a:p>
-        </p:txBody>
-      </p:sp>
-      <p:sp>
-        <p:nvSpPr>
-          <p:cNvPr id="3" name="Content Placeholder 2"/>
-          <p:cNvSpPr>
-            <a:spLocks noGrp="1"/>
-          </p:cNvSpPr>
-          <p:nvPr>
-            <p:ph idx="1"/>
-          </p:nvPr>
-        </p:nvSpPr>
-        <p:spPr>
-          <a:xfrm>
-            <a:off x="457200" y="1600201"/>
-            <a:ext cx="8229600" cy="1324744"/>
-          </a:xfrm>
-        </p:spPr>
-        <p:txBody>
-          <a:bodyPr>
-            <a:normAutofit fontScale="85000" lnSpcReduction="10000"/>
-          </a:bodyPr>
-          <a:lstStyle/>
-          <a:p>
-            <a:r>
-              <a:rPr lang="en-US" noProof="0" dirty="0" smtClean="0"/>
-              <a:t>When a client moves out of the coverage area of its associated AP or if another AP provides a better service, the client may want to hand off to another AP.</a:t>
-            </a:r>
-          </a:p>
-        </p:txBody>
-      </p:sp>
-      <p:pic>
-        <p:nvPicPr>
-          <p:cNvPr id="5" name="Picture 4" descr="seamlessMobility.pdf"/>
-          <p:cNvPicPr>
-            <a:picLocks noChangeAspect="1"/>
-          </p:cNvPicPr>
-          <p:nvPr/>
-        </p:nvPicPr>
-        <p:blipFill>
-          <a:blip r:embed="rId2" cstate="print">
-            <a:extLst>
-              <a:ext uri="{28A0092B-C50C-407E-A947-70E740481C1C}">
-                <a14:useLocalDpi xmlns:a14="http://schemas.microsoft.com/office/drawing/2010/main" xmlns="" val="0"/>
-              </a:ext>
-            </a:extLst>
-          </a:blip>
-          <a:stretch>
-            <a:fillRect/>
-          </a:stretch>
-        </p:blipFill>
-        <p:spPr>
-          <a:xfrm>
-            <a:off x="2555776" y="2924944"/>
-            <a:ext cx="4351306" cy="3562970"/>
-          </a:xfrm>
-          <a:prstGeom prst="rect">
-            <a:avLst/>
-          </a:prstGeom>
-        </p:spPr>
-      </p:pic>
+      <p:sp>
+        <p:nvSpPr>
+          <p:cNvPr id="4" name="Slide Number Placeholder 3"/>
+          <p:cNvSpPr>
+            <a:spLocks noGrp="1"/>
+          </p:cNvSpPr>
+          <p:nvPr>
+            <p:ph type="sldNum" sz="quarter" idx="12"/>
+          </p:nvPr>
+        </p:nvSpPr>
+        <p:spPr/>
+        <p:txBody>
+          <a:bodyPr/>
+          <a:lstStyle/>
+          <a:p>
+            <a:fld id="{CC32927E-8736-45CF-A6F9-390382C66E11}" type="slidenum">
+              <a:rPr lang="en-US" smtClean="0"/>
+              <a:pPr/>
+              <a:t>13</a:t>
+            </a:fld>
+            <a:endParaRPr lang="en-US" dirty="0"/>
+          </a:p>
+        </p:txBody>
+      </p:sp>
     </p:spTree>
   </p:cSld>
   <p:clrMapOvr>
@@ -4242,72 +4335,57 @@
           <a:lstStyle/>
           <a:p>
             <a:r>
-              <a:rPr lang="en-US" noProof="0" smtClean="0"/>
-              <a:t>Seamless Roaming</a:t>
-            </a:r>
-            <a:endParaRPr lang="en-US" noProof="0"/>
-          </a:p>
-        </p:txBody>
-      </p:sp>
-      <p:sp>
-        <p:nvSpPr>
-          <p:cNvPr id="3" name="Content Placeholder 2"/>
-          <p:cNvSpPr>
-            <a:spLocks noGrp="1"/>
-          </p:cNvSpPr>
-          <p:nvPr>
-            <p:ph idx="1"/>
-          </p:nvPr>
-        </p:nvSpPr>
-        <p:spPr>
-          <a:xfrm>
-            <a:off x="457200" y="1600201"/>
-            <a:ext cx="8229600" cy="1108720"/>
-          </a:xfrm>
-        </p:spPr>
-        <p:txBody>
-          <a:bodyPr>
-            <a:normAutofit fontScale="85000" lnSpcReduction="20000"/>
-          </a:bodyPr>
-          <a:lstStyle/>
-          <a:p>
-            <a:r>
               <a:rPr lang="en-US" noProof="0" dirty="0" smtClean="0"/>
-              <a:t>When the clients need to get service from an access point of a new operator, they roam between old operator and new one.</a:t>
-            </a:r>
-          </a:p>
-        </p:txBody>
-      </p:sp>
-      <p:pic>
-        <p:nvPicPr>
-          <p:cNvPr id="4" name="Picture 3" descr="seamlessRoaming.pdf"/>
-          <p:cNvPicPr>
-            <a:picLocks noChangeAspect="1"/>
-          </p:cNvPicPr>
+              <a:t>Disconnection</a:t>
+            </a:r>
+            <a:endParaRPr lang="en-US" noProof="0" dirty="0"/>
+          </a:p>
+        </p:txBody>
+      </p:sp>
+      <p:graphicFrame>
+        <p:nvGraphicFramePr>
+          <p:cNvPr id="2051" name="Object 3"/>
+          <p:cNvGraphicFramePr>
+            <a:graphicFrameLocks noChangeAspect="1"/>
+          </p:cNvGraphicFramePr>
           <p:nvPr/>
-        </p:nvPicPr>
-        <p:blipFill>
-          <a:blip r:embed="rId2" cstate="print">
-            <a:extLst>
-              <a:ext uri="{28A0092B-C50C-407E-A947-70E740481C1C}">
-                <a14:useLocalDpi xmlns:a14="http://schemas.microsoft.com/office/drawing/2010/main" xmlns="" val="0"/>
-              </a:ext>
-            </a:extLst>
-          </a:blip>
-          <a:stretch>
-            <a:fillRect/>
-          </a:stretch>
-        </p:blipFill>
-        <p:spPr>
-          <a:xfrm>
-            <a:off x="2339752" y="2708920"/>
-            <a:ext cx="4475419" cy="3581889"/>
-          </a:xfrm>
-          <a:prstGeom prst="rect">
-            <a:avLst/>
-          </a:prstGeom>
-        </p:spPr>
-      </p:pic>
+        </p:nvGraphicFramePr>
+        <p:xfrm>
+          <a:off x="1714480" y="1500174"/>
+          <a:ext cx="5572164" cy="4905375"/>
+        </p:xfrm>
+        <a:graphic>
+          <a:graphicData uri="http://schemas.openxmlformats.org/presentationml/2006/ole">
+            <p:oleObj spid="_x0000_s2051" name="Acrobat Document" r:id="rId3" imgW="5654520" imgH="6532920" progId="AcroExch.Document.11">
+              <p:embed/>
+            </p:oleObj>
+          </a:graphicData>
+        </a:graphic>
+      </p:graphicFrame>
+      <p:sp>
+        <p:nvSpPr>
+          <p:cNvPr id="4" name="Slide Number Placeholder 3"/>
+          <p:cNvSpPr>
+            <a:spLocks noGrp="1"/>
+          </p:cNvSpPr>
+          <p:nvPr>
+            <p:ph type="sldNum" sz="quarter" idx="12"/>
+          </p:nvPr>
+        </p:nvSpPr>
+        <p:spPr/>
+        <p:txBody>
+          <a:bodyPr/>
+          <a:lstStyle/>
+          <a:p>
+            <a:fld id="{CC32927E-8736-45CF-A6F9-390382C66E11}" type="slidenum">
+              <a:rPr lang="en-US" smtClean="0"/>
+              <a:pPr/>
+              <a:t>14</a:t>
+            </a:fld>
+            <a:endParaRPr lang="en-US" dirty="0"/>
+          </a:p>
+        </p:txBody>
+      </p:sp>
     </p:spTree>
   </p:cSld>
   <p:clrMapOvr>
@@ -4358,10 +4436,10 @@
           <a:lstStyle/>
           <a:p>
             <a:r>
-              <a:rPr lang="en-US" noProof="0" smtClean="0"/>
-              <a:t>Performance Evaluation of SSPayWMN</a:t>
-            </a:r>
-            <a:endParaRPr lang="en-US" noProof="0"/>
+              <a:rPr lang="en-US" noProof="0" dirty="0" smtClean="0"/>
+              <a:t>Seamless Mobility in Home Operator</a:t>
+            </a:r>
+            <a:endParaRPr lang="en-US" noProof="0" dirty="0"/>
           </a:p>
         </p:txBody>
       </p:sp>
@@ -4375,24 +4453,76 @@
             <p:ph idx="1"/>
           </p:nvPr>
         </p:nvSpPr>
-        <p:spPr/>
-        <p:txBody>
-          <a:bodyPr/>
-          <a:lstStyle/>
-          <a:p>
-            <a:r>
-              <a:rPr lang="en-US" noProof="0" smtClean="0"/>
-              <a:t>The simulations of SSPayWMN are conducted using ns-3.</a:t>
-            </a:r>
-          </a:p>
-          <a:p>
-            <a:r>
-              <a:rPr lang="en-US" noProof="0" smtClean="0"/>
-              <a:t>The simulator was run on a computer with 2.4 GHz Intel Core 2 Duo, 2 GB 1067 MHz DDR3, Apple MacBook OSX v10.6.8.</a:t>
-            </a:r>
-          </a:p>
-          <a:p>
-            <a:endParaRPr lang="en-US" noProof="0"/>
+        <p:spPr>
+          <a:xfrm>
+            <a:off x="457200" y="1600201"/>
+            <a:ext cx="8229600" cy="1324744"/>
+          </a:xfrm>
+        </p:spPr>
+        <p:txBody>
+          <a:bodyPr>
+            <a:normAutofit fontScale="85000" lnSpcReduction="10000"/>
+          </a:bodyPr>
+          <a:lstStyle/>
+          <a:p>
+            <a:r>
+              <a:rPr lang="en-US" noProof="0" dirty="0" smtClean="0"/>
+              <a:t>When a client moves out of the coverage area of its associated AP or if another AP provides a better service, the client may want to hand off to another AP.</a:t>
+            </a:r>
+          </a:p>
+        </p:txBody>
+      </p:sp>
+      <p:pic>
+        <p:nvPicPr>
+          <p:cNvPr id="5" name="Picture 4" descr="seamlessMobility.pdf"/>
+          <p:cNvPicPr>
+            <a:picLocks noChangeAspect="1"/>
+          </p:cNvPicPr>
+          <p:nvPr/>
+        </p:nvPicPr>
+        <p:blipFill>
+          <a:blip r:embed="rId2" cstate="print">
+            <a:extLst>
+              <a:ext uri="{28A0092B-C50C-407E-A947-70E740481C1C}">
+                <a14:useLocalDpi xmlns:a14="http://schemas.microsoft.com/office/drawing/2010/main" xmlns="" val="0"/>
+              </a:ext>
+            </a:extLst>
+          </a:blip>
+          <a:stretch>
+            <a:fillRect/>
+          </a:stretch>
+        </p:blipFill>
+        <p:spPr>
+          <a:xfrm>
+            <a:off x="2555776" y="2924944"/>
+            <a:ext cx="4351306" cy="3562970"/>
+          </a:xfrm>
+          <a:prstGeom prst="rect">
+            <a:avLst/>
+          </a:prstGeom>
+        </p:spPr>
+      </p:pic>
+      <p:sp>
+        <p:nvSpPr>
+          <p:cNvPr id="6" name="Slide Number Placeholder 5"/>
+          <p:cNvSpPr>
+            <a:spLocks noGrp="1"/>
+          </p:cNvSpPr>
+          <p:nvPr>
+            <p:ph type="sldNum" sz="quarter" idx="12"/>
+          </p:nvPr>
+        </p:nvSpPr>
+        <p:spPr/>
+        <p:txBody>
+          <a:bodyPr/>
+          <a:lstStyle/>
+          <a:p>
+            <a:fld id="{CC32927E-8736-45CF-A6F9-390382C66E11}" type="slidenum">
+              <a:rPr lang="en-US" smtClean="0"/>
+              <a:pPr/>
+              <a:t>15</a:t>
+            </a:fld>
+            <a:endParaRPr lang="en-US" dirty="0"/>
           </a:p>
         </p:txBody>
       </p:sp>
@@ -4444,10 +4574,390 @@
           <a:lstStyle/>
           <a:p>
             <a:r>
-              <a:rPr lang="en-US" noProof="0" smtClean="0"/>
+              <a:rPr lang="en-US" noProof="0" dirty="0" smtClean="0"/>
+              <a:t>Seamless Roaming</a:t>
+            </a:r>
+            <a:endParaRPr lang="en-US" noProof="0" dirty="0"/>
+          </a:p>
+        </p:txBody>
+      </p:sp>
+      <p:sp>
+        <p:nvSpPr>
+          <p:cNvPr id="3" name="Content Placeholder 2"/>
+          <p:cNvSpPr>
+            <a:spLocks noGrp="1"/>
+          </p:cNvSpPr>
+          <p:nvPr>
+            <p:ph idx="1"/>
+          </p:nvPr>
+        </p:nvSpPr>
+        <p:spPr>
+          <a:xfrm>
+            <a:off x="457200" y="1600201"/>
+            <a:ext cx="8229600" cy="1108720"/>
+          </a:xfrm>
+        </p:spPr>
+        <p:txBody>
+          <a:bodyPr>
+            <a:normAutofit fontScale="85000" lnSpcReduction="20000"/>
+          </a:bodyPr>
+          <a:lstStyle/>
+          <a:p>
+            <a:r>
+              <a:rPr lang="en-US" noProof="0" dirty="0" smtClean="0"/>
+              <a:t>When the clients need to get service from an access point of a new operator, they roam between old operator and new one.</a:t>
+            </a:r>
+          </a:p>
+        </p:txBody>
+      </p:sp>
+      <p:pic>
+        <p:nvPicPr>
+          <p:cNvPr id="4" name="Picture 3" descr="seamlessRoaming.pdf"/>
+          <p:cNvPicPr>
+            <a:picLocks noChangeAspect="1"/>
+          </p:cNvPicPr>
+          <p:nvPr/>
+        </p:nvPicPr>
+        <p:blipFill>
+          <a:blip r:embed="rId2" cstate="print">
+            <a:extLst>
+              <a:ext uri="{28A0092B-C50C-407E-A947-70E740481C1C}">
+                <a14:useLocalDpi xmlns:a14="http://schemas.microsoft.com/office/drawing/2010/main" xmlns="" val="0"/>
+              </a:ext>
+            </a:extLst>
+          </a:blip>
+          <a:stretch>
+            <a:fillRect/>
+          </a:stretch>
+        </p:blipFill>
+        <p:spPr>
+          <a:xfrm>
+            <a:off x="2339752" y="2708920"/>
+            <a:ext cx="4475419" cy="3581889"/>
+          </a:xfrm>
+          <a:prstGeom prst="rect">
+            <a:avLst/>
+          </a:prstGeom>
+        </p:spPr>
+      </p:pic>
+      <p:sp>
+        <p:nvSpPr>
+          <p:cNvPr id="5" name="Slide Number Placeholder 4"/>
+          <p:cNvSpPr>
+            <a:spLocks noGrp="1"/>
+          </p:cNvSpPr>
+          <p:nvPr>
+            <p:ph type="sldNum" sz="quarter" idx="12"/>
+          </p:nvPr>
+        </p:nvSpPr>
+        <p:spPr/>
+        <p:txBody>
+          <a:bodyPr/>
+          <a:lstStyle/>
+          <a:p>
+            <a:fld id="{CC32927E-8736-45CF-A6F9-390382C66E11}" type="slidenum">
+              <a:rPr lang="en-US" smtClean="0"/>
+              <a:pPr/>
+              <a:t>16</a:t>
+            </a:fld>
+            <a:endParaRPr lang="en-US" dirty="0"/>
+          </a:p>
+        </p:txBody>
+      </p:sp>
+    </p:spTree>
+  </p:cSld>
+  <p:clrMapOvr>
+    <a:masterClrMapping/>
+  </p:clrMapOvr>
+  <p:timing>
+    <p:tnLst>
+      <p:par>
+        <p:cTn id="1" dur="indefinite" restart="never" nodeType="tmRoot"/>
+      </p:par>
+    </p:tnLst>
+  </p:timing>
+</p:sld>
+</file>
+
+<file path=ppt/slides/slide17.xml><?xml version="1.0" encoding="utf-8"?>
+<p:sld xmlns:a="http://schemas.openxmlformats.org/drawingml/2006/main" xmlns:r="http://schemas.openxmlformats.org/officeDocument/2006/relationships" xmlns:p="http://schemas.openxmlformats.org/presentationml/2006/main">
+  <p:cSld>
+    <p:spTree>
+      <p:nvGrpSpPr>
+        <p:cNvPr id="1" name=""/>
+        <p:cNvGrpSpPr/>
+        <p:nvPr/>
+      </p:nvGrpSpPr>
+      <p:grpSpPr>
+        <a:xfrm>
+          <a:off x="0" y="0"/>
+          <a:ext cx="0" cy="0"/>
+          <a:chOff x="0" y="0"/>
+          <a:chExt cx="0" cy="0"/>
+        </a:xfrm>
+      </p:grpSpPr>
+      <p:sp>
+        <p:nvSpPr>
+          <p:cNvPr id="2" name="Title 1"/>
+          <p:cNvSpPr>
+            <a:spLocks noGrp="1"/>
+          </p:cNvSpPr>
+          <p:nvPr>
+            <p:ph type="title"/>
+          </p:nvPr>
+        </p:nvSpPr>
+        <p:spPr/>
+        <p:txBody>
+          <a:bodyPr>
+            <a:normAutofit fontScale="90000"/>
+          </a:bodyPr>
+          <a:lstStyle/>
+          <a:p>
+            <a:r>
+              <a:rPr lang="en-US" dirty="0" smtClean="0"/>
+              <a:t>Operator Settlement and Money Flow</a:t>
+            </a:r>
+            <a:endParaRPr lang="en-US" dirty="0"/>
+          </a:p>
+        </p:txBody>
+      </p:sp>
+      <p:sp>
+        <p:nvSpPr>
+          <p:cNvPr id="3" name="Content Placeholder 2"/>
+          <p:cNvSpPr>
+            <a:spLocks noGrp="1"/>
+          </p:cNvSpPr>
+          <p:nvPr>
+            <p:ph idx="1"/>
+          </p:nvPr>
+        </p:nvSpPr>
+        <p:spPr/>
+        <p:txBody>
+          <a:bodyPr>
+            <a:normAutofit lnSpcReduction="10000"/>
+          </a:bodyPr>
+          <a:lstStyle/>
+          <a:p>
+            <a:r>
+              <a:rPr lang="en-US" dirty="0" smtClean="0"/>
+              <a:t>Operators receive their money from the TTP.</a:t>
+            </a:r>
+          </a:p>
+          <a:p>
+            <a:r>
+              <a:rPr lang="en-US" dirty="0" smtClean="0"/>
+              <a:t>Operators show connection requests and disconnection requests to the TTP.</a:t>
+            </a:r>
+          </a:p>
+          <a:p>
+            <a:r>
+              <a:rPr lang="en-US" dirty="0" smtClean="0"/>
+              <a:t>TTP decrypts these packets and calculate the service that is provided.</a:t>
+            </a:r>
+          </a:p>
+          <a:p>
+            <a:r>
+              <a:rPr lang="en-US" dirty="0" smtClean="0"/>
+              <a:t>TTP pays the operators the appropriate amount.</a:t>
+            </a:r>
+          </a:p>
+          <a:p>
+            <a:r>
+              <a:rPr lang="en-US" dirty="0" smtClean="0"/>
+              <a:t>If an operator misbehaves it will be easily understood by looking at other operators’ logs</a:t>
+            </a:r>
+            <a:endParaRPr lang="en-US" dirty="0"/>
+          </a:p>
+        </p:txBody>
+      </p:sp>
+      <p:sp>
+        <p:nvSpPr>
+          <p:cNvPr id="4" name="Slide Number Placeholder 3"/>
+          <p:cNvSpPr>
+            <a:spLocks noGrp="1"/>
+          </p:cNvSpPr>
+          <p:nvPr>
+            <p:ph type="sldNum" sz="quarter" idx="12"/>
+          </p:nvPr>
+        </p:nvSpPr>
+        <p:spPr/>
+        <p:txBody>
+          <a:bodyPr/>
+          <a:lstStyle/>
+          <a:p>
+            <a:fld id="{CC32927E-8736-45CF-A6F9-390382C66E11}" type="slidenum">
+              <a:rPr lang="en-US" smtClean="0"/>
+              <a:pPr/>
+              <a:t>17</a:t>
+            </a:fld>
+            <a:endParaRPr lang="en-US" dirty="0"/>
+          </a:p>
+        </p:txBody>
+      </p:sp>
+    </p:spTree>
+  </p:cSld>
+  <p:clrMapOvr>
+    <a:masterClrMapping/>
+  </p:clrMapOvr>
+  <p:timing>
+    <p:tnLst>
+      <p:par>
+        <p:cTn id="1" dur="indefinite" restart="never" nodeType="tmRoot"/>
+      </p:par>
+    </p:tnLst>
+  </p:timing>
+</p:sld>
+</file>
+
+<file path=ppt/slides/slide18.xml><?xml version="1.0" encoding="utf-8"?>
+<p:sld xmlns:a="http://schemas.openxmlformats.org/drawingml/2006/main" xmlns:r="http://schemas.openxmlformats.org/officeDocument/2006/relationships" xmlns:p="http://schemas.openxmlformats.org/presentationml/2006/main">
+  <p:cSld>
+    <p:spTree>
+      <p:nvGrpSpPr>
+        <p:cNvPr id="1" name=""/>
+        <p:cNvGrpSpPr/>
+        <p:nvPr/>
+      </p:nvGrpSpPr>
+      <p:grpSpPr>
+        <a:xfrm>
+          <a:off x="0" y="0"/>
+          <a:ext cx="0" cy="0"/>
+          <a:chOff x="0" y="0"/>
+          <a:chExt cx="0" cy="0"/>
+        </a:xfrm>
+      </p:grpSpPr>
+      <p:sp>
+        <p:nvSpPr>
+          <p:cNvPr id="2" name="Title 1"/>
+          <p:cNvSpPr>
+            <a:spLocks noGrp="1"/>
+          </p:cNvSpPr>
+          <p:nvPr>
+            <p:ph type="title"/>
+          </p:nvPr>
+        </p:nvSpPr>
+        <p:spPr/>
+        <p:txBody>
+          <a:bodyPr>
+            <a:normAutofit fontScale="90000"/>
+          </a:bodyPr>
+          <a:lstStyle/>
+          <a:p>
+            <a:r>
+              <a:rPr lang="en-US" noProof="0" dirty="0" smtClean="0"/>
+              <a:t>Performance Evaluation of SSPayWMN</a:t>
+            </a:r>
+            <a:endParaRPr lang="en-US" noProof="0" dirty="0"/>
+          </a:p>
+        </p:txBody>
+      </p:sp>
+      <p:sp>
+        <p:nvSpPr>
+          <p:cNvPr id="3" name="Content Placeholder 2"/>
+          <p:cNvSpPr>
+            <a:spLocks noGrp="1"/>
+          </p:cNvSpPr>
+          <p:nvPr>
+            <p:ph idx="1"/>
+          </p:nvPr>
+        </p:nvSpPr>
+        <p:spPr/>
+        <p:txBody>
+          <a:bodyPr/>
+          <a:lstStyle/>
+          <a:p>
+            <a:r>
+              <a:rPr lang="en-US" noProof="0" dirty="0" smtClean="0"/>
+              <a:t>The simulations of SSPayWMN are conducted using ns-3.</a:t>
+            </a:r>
+          </a:p>
+          <a:p>
+            <a:r>
+              <a:rPr lang="en-US" noProof="0" dirty="0" smtClean="0"/>
+              <a:t>The simulator was run on a computer with 2.4 GHz Intel Core 2 Duo, 2 GB 1067 MHz DDR3, Apple MacBook OSX v10.6.8.</a:t>
+            </a:r>
+          </a:p>
+          <a:p>
+            <a:endParaRPr lang="en-US" noProof="0" dirty="0"/>
+          </a:p>
+        </p:txBody>
+      </p:sp>
+      <p:sp>
+        <p:nvSpPr>
+          <p:cNvPr id="4" name="Slide Number Placeholder 3"/>
+          <p:cNvSpPr>
+            <a:spLocks noGrp="1"/>
+          </p:cNvSpPr>
+          <p:nvPr>
+            <p:ph type="sldNum" sz="quarter" idx="12"/>
+          </p:nvPr>
+        </p:nvSpPr>
+        <p:spPr/>
+        <p:txBody>
+          <a:bodyPr/>
+          <a:lstStyle/>
+          <a:p>
+            <a:fld id="{CC32927E-8736-45CF-A6F9-390382C66E11}" type="slidenum">
+              <a:rPr lang="en-US" smtClean="0"/>
+              <a:pPr/>
+              <a:t>18</a:t>
+            </a:fld>
+            <a:endParaRPr lang="en-US" dirty="0"/>
+          </a:p>
+        </p:txBody>
+      </p:sp>
+    </p:spTree>
+  </p:cSld>
+  <p:clrMapOvr>
+    <a:masterClrMapping/>
+  </p:clrMapOvr>
+  <p:timing>
+    <p:tnLst>
+      <p:par>
+        <p:cTn id="1" dur="indefinite" restart="never" nodeType="tmRoot"/>
+      </p:par>
+    </p:tnLst>
+  </p:timing>
+</p:sld>
+</file>
+
+<file path=ppt/slides/slide19.xml><?xml version="1.0" encoding="utf-8"?>
+<p:sld xmlns:a="http://schemas.openxmlformats.org/drawingml/2006/main" xmlns:r="http://schemas.openxmlformats.org/officeDocument/2006/relationships" xmlns:p="http://schemas.openxmlformats.org/presentationml/2006/main">
+  <p:cSld>
+    <p:spTree>
+      <p:nvGrpSpPr>
+        <p:cNvPr id="1" name=""/>
+        <p:cNvGrpSpPr/>
+        <p:nvPr/>
+      </p:nvGrpSpPr>
+      <p:grpSpPr>
+        <a:xfrm>
+          <a:off x="0" y="0"/>
+          <a:ext cx="0" cy="0"/>
+          <a:chOff x="0" y="0"/>
+          <a:chExt cx="0" cy="0"/>
+        </a:xfrm>
+      </p:grpSpPr>
+      <p:sp>
+        <p:nvSpPr>
+          <p:cNvPr id="2" name="Title 1"/>
+          <p:cNvSpPr>
+            <a:spLocks noGrp="1"/>
+          </p:cNvSpPr>
+          <p:nvPr>
+            <p:ph type="title"/>
+          </p:nvPr>
+        </p:nvSpPr>
+        <p:spPr/>
+        <p:txBody>
+          <a:bodyPr/>
+          <a:lstStyle/>
+          <a:p>
+            <a:r>
+              <a:rPr lang="en-US" noProof="0" dirty="0" smtClean="0"/>
               <a:t>Simulation Environment</a:t>
             </a:r>
-            <a:endParaRPr lang="en-US" noProof="0"/>
+            <a:endParaRPr lang="en-US" noProof="0" dirty="0"/>
           </a:p>
         </p:txBody>
       </p:sp>
@@ -4474,18 +4984,18 @@
           <a:lstStyle/>
           <a:p>
             <a:r>
-              <a:rPr lang="en-US" sz="2500" noProof="0" smtClean="0"/>
+              <a:rPr lang="en-US" sz="2500" noProof="0" dirty="0" smtClean="0"/>
               <a:t>The network topology is hierarchical and WMN supports connections with other IEEE 802.11 protocols, clients communicate with TTP via access points, GWs and operators in sequence.</a:t>
             </a:r>
           </a:p>
           <a:p>
             <a:r>
-              <a:rPr lang="en-US" sz="2500" noProof="0" smtClean="0"/>
+              <a:rPr lang="en-US" sz="2500" noProof="0" dirty="0" smtClean="0"/>
               <a:t>Access point specifications are given below.</a:t>
             </a:r>
           </a:p>
           <a:p>
-            <a:endParaRPr lang="en-US" noProof="0"/>
+            <a:endParaRPr lang="en-US" noProof="0" dirty="0"/>
           </a:p>
         </p:txBody>
       </p:sp>
@@ -5093,332 +5603,30 @@
           </a:ln>
         </p:spPr>
       </p:pic>
-    </p:spTree>
-  </p:cSld>
-  <p:clrMapOvr>
-    <a:masterClrMapping/>
-  </p:clrMapOvr>
-  <p:timing>
-    <p:tnLst>
-      <p:par>
-        <p:cTn id="1" dur="indefinite" restart="never" nodeType="tmRoot"/>
-      </p:par>
-    </p:tnLst>
-  </p:timing>
-</p:sld>
-</file>
-
-<file path=ppt/slides/slide17.xml><?xml version="1.0" encoding="utf-8"?>
-<p:sld xmlns:a="http://schemas.openxmlformats.org/drawingml/2006/main" xmlns:r="http://schemas.openxmlformats.org/officeDocument/2006/relationships" xmlns:p="http://schemas.openxmlformats.org/presentationml/2006/main">
-  <p:cSld>
-    <p:spTree>
-      <p:nvGrpSpPr>
-        <p:cNvPr id="1" name=""/>
-        <p:cNvGrpSpPr/>
-        <p:nvPr/>
-      </p:nvGrpSpPr>
-      <p:grpSpPr>
-        <a:xfrm>
-          <a:off x="0" y="0"/>
-          <a:ext cx="0" cy="0"/>
-          <a:chOff x="0" y="0"/>
-          <a:chExt cx="0" cy="0"/>
-        </a:xfrm>
-      </p:grpSpPr>
-      <p:sp>
-        <p:nvSpPr>
-          <p:cNvPr id="2" name="Title 1"/>
-          <p:cNvSpPr>
-            <a:spLocks noGrp="1"/>
-          </p:cNvSpPr>
-          <p:nvPr>
-            <p:ph type="title"/>
-          </p:nvPr>
-        </p:nvSpPr>
-        <p:spPr/>
-        <p:txBody>
-          <a:bodyPr/>
-          <a:lstStyle/>
-          <a:p>
-            <a:r>
-              <a:rPr lang="en-US" noProof="0" smtClean="0"/>
-              <a:t>SSPayWMN Simulations</a:t>
-            </a:r>
-            <a:endParaRPr lang="en-US" noProof="0"/>
-          </a:p>
-        </p:txBody>
-      </p:sp>
-      <p:sp>
-        <p:nvSpPr>
-          <p:cNvPr id="3" name="Content Placeholder 2"/>
-          <p:cNvSpPr>
-            <a:spLocks noGrp="1"/>
-          </p:cNvSpPr>
-          <p:nvPr>
-            <p:ph idx="1"/>
-          </p:nvPr>
-        </p:nvSpPr>
-        <p:spPr/>
-        <p:txBody>
-          <a:bodyPr>
-            <a:normAutofit lnSpcReduction="10000"/>
-          </a:bodyPr>
-          <a:lstStyle/>
-          <a:p>
-            <a:r>
-              <a:rPr lang="en-US" noProof="0" dirty="0" smtClean="0"/>
-              <a:t>We have conducted the simulations of SSPayWMN in two groups.</a:t>
-            </a:r>
-          </a:p>
-          <a:p>
-            <a:r>
-              <a:rPr lang="en-US" noProof="0" dirty="0" smtClean="0"/>
-              <a:t>Unit Tests: </a:t>
-            </a:r>
-            <a:r>
-              <a:rPr lang="en-US" dirty="0" smtClean="0"/>
-              <a:t>Independent </a:t>
-            </a:r>
-            <a:r>
-              <a:rPr lang="en-US" noProof="0" dirty="0" smtClean="0"/>
-              <a:t>protocol runs to analyze the delay caused by protocols.</a:t>
-            </a:r>
-          </a:p>
-          <a:p>
-            <a:r>
-              <a:rPr lang="en-US" noProof="0" dirty="0" smtClean="0"/>
-              <a:t>Real-life Scenario Simulation: These simulations evaluate the system’s overall performance in an ordinary day usage with client mobility and realistic Internet service demand.</a:t>
-            </a:r>
-            <a:endParaRPr lang="en-US" noProof="0" dirty="0"/>
-          </a:p>
-        </p:txBody>
-      </p:sp>
-    </p:spTree>
-  </p:cSld>
-  <p:clrMapOvr>
-    <a:masterClrMapping/>
-  </p:clrMapOvr>
-  <p:timing>
-    <p:tnLst>
-      <p:par>
-        <p:cTn id="1" dur="indefinite" restart="never" nodeType="tmRoot"/>
-      </p:par>
-    </p:tnLst>
-  </p:timing>
-</p:sld>
-</file>
-
-<file path=ppt/slides/slide18.xml><?xml version="1.0" encoding="utf-8"?>
-<p:sld xmlns:a="http://schemas.openxmlformats.org/drawingml/2006/main" xmlns:r="http://schemas.openxmlformats.org/officeDocument/2006/relationships" xmlns:p="http://schemas.openxmlformats.org/presentationml/2006/main">
-  <p:cSld>
-    <p:spTree>
-      <p:nvGrpSpPr>
-        <p:cNvPr id="1" name=""/>
-        <p:cNvGrpSpPr/>
-        <p:nvPr/>
-      </p:nvGrpSpPr>
-      <p:grpSpPr>
-        <a:xfrm>
-          <a:off x="0" y="0"/>
-          <a:ext cx="0" cy="0"/>
-          <a:chOff x="0" y="0"/>
-          <a:chExt cx="0" cy="0"/>
-        </a:xfrm>
-      </p:grpSpPr>
-      <p:sp>
-        <p:nvSpPr>
-          <p:cNvPr id="2" name="Title 1"/>
-          <p:cNvSpPr>
-            <a:spLocks noGrp="1"/>
-          </p:cNvSpPr>
-          <p:nvPr>
-            <p:ph type="title"/>
-          </p:nvPr>
-        </p:nvSpPr>
-        <p:spPr/>
-        <p:txBody>
-          <a:bodyPr/>
-          <a:lstStyle/>
-          <a:p>
-            <a:r>
-              <a:rPr lang="en-US" noProof="0" smtClean="0"/>
-              <a:t>Unit Test Results</a:t>
-            </a:r>
-            <a:endParaRPr lang="en-US" noProof="0"/>
-          </a:p>
-        </p:txBody>
-      </p:sp>
-      <p:sp>
-        <p:nvSpPr>
-          <p:cNvPr id="3" name="Content Placeholder 2"/>
-          <p:cNvSpPr>
-            <a:spLocks noGrp="1"/>
-          </p:cNvSpPr>
-          <p:nvPr>
-            <p:ph idx="1"/>
-          </p:nvPr>
-        </p:nvSpPr>
-        <p:spPr>
-          <a:xfrm>
-            <a:off x="457200" y="1600201"/>
-            <a:ext cx="8229600" cy="1114420"/>
-          </a:xfrm>
-        </p:spPr>
-        <p:txBody>
-          <a:bodyPr/>
-          <a:lstStyle/>
-          <a:p>
-            <a:r>
-              <a:rPr lang="en-US" noProof="0" smtClean="0"/>
-              <a:t>Unit Test Result for End-to-end Two-Way Protocols</a:t>
-            </a:r>
-            <a:endParaRPr lang="en-US" noProof="0"/>
-          </a:p>
-        </p:txBody>
-      </p:sp>
-      <p:pic>
-        <p:nvPicPr>
-          <p:cNvPr id="5" name="Picture 4" descr="C:\Users\SUUSER\Documents\GitHub\worddoc\thesisImages\unitSimImages\endToEndOrigSon.png"/>
-          <p:cNvPicPr/>
-          <p:nvPr/>
-        </p:nvPicPr>
-        <p:blipFill>
-          <a:blip r:embed="rId2" cstate="print"/>
-          <a:srcRect/>
-          <a:stretch>
-            <a:fillRect/>
-          </a:stretch>
-        </p:blipFill>
-        <p:spPr bwMode="auto">
-          <a:xfrm>
-            <a:off x="2123728" y="2780928"/>
-            <a:ext cx="4845050" cy="3286125"/>
-          </a:xfrm>
-          <a:prstGeom prst="rect">
-            <a:avLst/>
-          </a:prstGeom>
-          <a:noFill/>
-          <a:ln w="9525">
-            <a:noFill/>
-            <a:miter lim="800000"/>
-            <a:headEnd/>
-            <a:tailEnd/>
-          </a:ln>
-        </p:spPr>
-      </p:pic>
-    </p:spTree>
-  </p:cSld>
-  <p:clrMapOvr>
-    <a:masterClrMapping/>
-  </p:clrMapOvr>
-  <p:timing>
-    <p:tnLst>
-      <p:par>
-        <p:cTn id="1" dur="indefinite" restart="never" nodeType="tmRoot"/>
-      </p:par>
-    </p:tnLst>
-  </p:timing>
-</p:sld>
-</file>
-
-<file path=ppt/slides/slide19.xml><?xml version="1.0" encoding="utf-8"?>
-<p:sld xmlns:a="http://schemas.openxmlformats.org/drawingml/2006/main" xmlns:r="http://schemas.openxmlformats.org/officeDocument/2006/relationships" xmlns:p="http://schemas.openxmlformats.org/presentationml/2006/main">
-  <p:cSld>
-    <p:spTree>
-      <p:nvGrpSpPr>
-        <p:cNvPr id="1" name=""/>
-        <p:cNvGrpSpPr/>
-        <p:nvPr/>
-      </p:nvGrpSpPr>
-      <p:grpSpPr>
-        <a:xfrm>
-          <a:off x="0" y="0"/>
-          <a:ext cx="0" cy="0"/>
-          <a:chOff x="0" y="0"/>
-          <a:chExt cx="0" cy="0"/>
-        </a:xfrm>
-      </p:grpSpPr>
-      <p:sp>
-        <p:nvSpPr>
-          <p:cNvPr id="2" name="Title 1"/>
-          <p:cNvSpPr>
-            <a:spLocks noGrp="1"/>
-          </p:cNvSpPr>
-          <p:nvPr>
-            <p:ph type="title"/>
-          </p:nvPr>
-        </p:nvSpPr>
-        <p:spPr/>
-        <p:txBody>
-          <a:bodyPr/>
-          <a:lstStyle/>
-          <a:p>
-            <a:r>
-              <a:rPr lang="en-US" noProof="0" smtClean="0"/>
-              <a:t>Unit Test Results</a:t>
-            </a:r>
-            <a:endParaRPr lang="en-US" noProof="0"/>
-          </a:p>
-        </p:txBody>
-      </p:sp>
-      <p:sp>
-        <p:nvSpPr>
-          <p:cNvPr id="3" name="Content Placeholder 2"/>
-          <p:cNvSpPr>
-            <a:spLocks noGrp="1"/>
-          </p:cNvSpPr>
-          <p:nvPr>
-            <p:ph idx="1"/>
-          </p:nvPr>
-        </p:nvSpPr>
-        <p:spPr>
-          <a:xfrm>
-            <a:off x="457200" y="1600201"/>
-            <a:ext cx="8229600" cy="1114420"/>
-          </a:xfrm>
-        </p:spPr>
-        <p:txBody>
-          <a:bodyPr/>
-          <a:lstStyle/>
-          <a:p>
-            <a:r>
-              <a:rPr lang="en-US" noProof="0" smtClean="0"/>
-              <a:t>Unit Test Results for Access Point Authentication</a:t>
-            </a:r>
-            <a:endParaRPr lang="en-US" noProof="0"/>
-          </a:p>
-        </p:txBody>
-      </p:sp>
-      <p:pic>
-        <p:nvPicPr>
-          <p:cNvPr id="5" name="Picture 4" descr="D:\My Documents\albert\tt proje\D4-accesspoint.png"/>
-          <p:cNvPicPr/>
-          <p:nvPr/>
-        </p:nvPicPr>
-        <p:blipFill>
-          <a:blip r:embed="rId2" cstate="print"/>
-          <a:srcRect/>
-          <a:stretch>
-            <a:fillRect/>
-          </a:stretch>
-        </p:blipFill>
-        <p:spPr bwMode="auto">
-          <a:xfrm>
-            <a:off x="1918652" y="2821518"/>
-            <a:ext cx="5306695" cy="3559810"/>
-          </a:xfrm>
-          <a:prstGeom prst="rect">
-            <a:avLst/>
-          </a:prstGeom>
-          <a:noFill/>
-          <a:ln w="9525">
-            <a:noFill/>
-            <a:miter lim="800000"/>
-            <a:headEnd/>
-            <a:tailEnd/>
-          </a:ln>
-        </p:spPr>
-      </p:pic>
+      <p:sp>
+        <p:nvSpPr>
+          <p:cNvPr id="6" name="Slide Number Placeholder 5"/>
+          <p:cNvSpPr>
+            <a:spLocks noGrp="1"/>
+          </p:cNvSpPr>
+          <p:nvPr>
+            <p:ph type="sldNum" sz="quarter" idx="12"/>
+          </p:nvPr>
+        </p:nvSpPr>
+        <p:spPr/>
+        <p:txBody>
+          <a:bodyPr/>
+          <a:lstStyle/>
+          <a:p>
+            <a:fld id="{CC32927E-8736-45CF-A6F9-390382C66E11}" type="slidenum">
+              <a:rPr lang="en-US" smtClean="0"/>
+              <a:pPr/>
+              <a:t>19</a:t>
+            </a:fld>
+            <a:endParaRPr lang="en-US" dirty="0"/>
+          </a:p>
+        </p:txBody>
+      </p:sp>
     </p:spTree>
   </p:cSld>
   <p:clrMapOvr>
@@ -5528,6 +5736,30 @@
           </a:p>
         </p:txBody>
       </p:sp>
+      <p:sp>
+        <p:nvSpPr>
+          <p:cNvPr id="4" name="Slide Number Placeholder 3"/>
+          <p:cNvSpPr>
+            <a:spLocks noGrp="1"/>
+          </p:cNvSpPr>
+          <p:nvPr>
+            <p:ph type="sldNum" sz="quarter" idx="12"/>
+          </p:nvPr>
+        </p:nvSpPr>
+        <p:spPr/>
+        <p:txBody>
+          <a:bodyPr/>
+          <a:lstStyle/>
+          <a:p>
+            <a:fld id="{CC32927E-8736-45CF-A6F9-390382C66E11}" type="slidenum">
+              <a:rPr lang="en-US" smtClean="0"/>
+              <a:pPr/>
+              <a:t>2</a:t>
+            </a:fld>
+            <a:endParaRPr lang="en-US" dirty="0"/>
+          </a:p>
+        </p:txBody>
+      </p:sp>
     </p:spTree>
   </p:cSld>
   <p:clrMapOvr>
@@ -5576,10 +5808,10 @@
           <a:lstStyle/>
           <a:p>
             <a:r>
-              <a:rPr lang="en-US" noProof="0" smtClean="0"/>
-              <a:t>Unit Test Results</a:t>
-            </a:r>
-            <a:endParaRPr lang="en-US" noProof="0"/>
+              <a:rPr lang="en-US" noProof="0" dirty="0" smtClean="0"/>
+              <a:t>SSPayWMN Simulations</a:t>
+            </a:r>
+            <a:endParaRPr lang="en-US" noProof="0" dirty="0"/>
           </a:p>
         </p:txBody>
       </p:sp>
@@ -5593,12 +5825,7 @@
             <p:ph idx="1"/>
           </p:nvPr>
         </p:nvSpPr>
-        <p:spPr>
-          <a:xfrm>
-            <a:off x="457200" y="1600201"/>
-            <a:ext cx="8229600" cy="1042982"/>
-          </a:xfrm>
-        </p:spPr>
+        <p:spPr/>
         <p:txBody>
           <a:bodyPr>
             <a:normAutofit lnSpcReduction="10000"/>
@@ -5606,43 +5833,57 @@
           <a:lstStyle/>
           <a:p>
             <a:r>
-              <a:rPr lang="en-US" noProof="0" smtClean="0"/>
-              <a:t>Unit Test Result for Seamless Mobility and Roaming</a:t>
-            </a:r>
-            <a:endParaRPr lang="en-US" noProof="0"/>
-          </a:p>
-        </p:txBody>
-      </p:sp>
-      <p:pic>
-        <p:nvPicPr>
-          <p:cNvPr id="6" name="Picture 5" descr="C:\Users\SUUSER\Documents\GitHub\worddoc\thesisImages\unitSimImages\seamlessMobRoamingSon.png"/>
-          <p:cNvPicPr/>
-          <p:nvPr/>
-        </p:nvPicPr>
-        <p:blipFill>
-          <a:blip r:embed="rId2" cstate="print"/>
-          <a:srcRect/>
-          <a:stretch>
-            <a:fillRect/>
-          </a:stretch>
-        </p:blipFill>
-        <p:spPr bwMode="auto">
-          <a:xfrm>
-            <a:off x="1704975" y="2658194"/>
-            <a:ext cx="5734050" cy="3867150"/>
-          </a:xfrm>
-          <a:prstGeom prst="rect">
-            <a:avLst/>
-          </a:prstGeom>
-          <a:noFill/>
-          <a:ln w="9525">
-            <a:noFill/>
-            <a:miter lim="800000"/>
-            <a:headEnd/>
-            <a:tailEnd/>
-          </a:ln>
-        </p:spPr>
-      </p:pic>
+              <a:rPr lang="en-US" noProof="0" dirty="0" smtClean="0"/>
+              <a:t>We have conducted the simulations of SSPayWMN in two groups.</a:t>
+            </a:r>
+          </a:p>
+          <a:p>
+            <a:r>
+              <a:rPr lang="en-US" noProof="0" dirty="0" smtClean="0"/>
+              <a:t>Unit Tests: </a:t>
+            </a:r>
+            <a:r>
+              <a:rPr lang="en-US" dirty="0" smtClean="0"/>
+              <a:t>Independent </a:t>
+            </a:r>
+            <a:r>
+              <a:rPr lang="en-US" noProof="0" dirty="0" smtClean="0"/>
+              <a:t>protocol runs to analyze the delay caused by protocols.</a:t>
+            </a:r>
+          </a:p>
+          <a:p>
+            <a:r>
+              <a:rPr lang="en-US" noProof="0" dirty="0" smtClean="0"/>
+              <a:t>Real-life Scenario Simulation: These simulations evaluate the system’s overall performance in an ordinary day usage with client mobility and realistic Internet service demand.</a:t>
+            </a:r>
+            <a:endParaRPr lang="en-US" noProof="0" dirty="0"/>
+          </a:p>
+        </p:txBody>
+      </p:sp>
+      <p:sp>
+        <p:nvSpPr>
+          <p:cNvPr id="4" name="Slide Number Placeholder 3"/>
+          <p:cNvSpPr>
+            <a:spLocks noGrp="1"/>
+          </p:cNvSpPr>
+          <p:nvPr>
+            <p:ph type="sldNum" sz="quarter" idx="12"/>
+          </p:nvPr>
+        </p:nvSpPr>
+        <p:spPr/>
+        <p:txBody>
+          <a:bodyPr/>
+          <a:lstStyle/>
+          <a:p>
+            <a:fld id="{CC32927E-8736-45CF-A6F9-390382C66E11}" type="slidenum">
+              <a:rPr lang="en-US" smtClean="0"/>
+              <a:pPr/>
+              <a:t>20</a:t>
+            </a:fld>
+            <a:endParaRPr lang="en-US" dirty="0"/>
+          </a:p>
+        </p:txBody>
+      </p:sp>
     </p:spTree>
   </p:cSld>
   <p:clrMapOvr>
@@ -5691,10 +5932,10 @@
           <a:lstStyle/>
           <a:p>
             <a:r>
-              <a:rPr lang="en-US" noProof="0" smtClean="0"/>
+              <a:rPr lang="en-US" noProof="0" dirty="0" smtClean="0"/>
               <a:t>Unit Test Results</a:t>
             </a:r>
-            <a:endParaRPr lang="en-US" noProof="0"/>
+            <a:endParaRPr lang="en-US" noProof="0" dirty="0"/>
           </a:p>
         </p:txBody>
       </p:sp>
@@ -5711,7 +5952,7 @@
         <p:spPr>
           <a:xfrm>
             <a:off x="457200" y="1600201"/>
-            <a:ext cx="8229600" cy="685792"/>
+            <a:ext cx="8229600" cy="1114420"/>
           </a:xfrm>
         </p:spPr>
         <p:txBody>
@@ -5719,17 +5960,43 @@
           <a:lstStyle/>
           <a:p>
             <a:r>
-              <a:rPr lang="en-US" noProof="0" smtClean="0"/>
-              <a:t>Unit Test Result for Packet Transfer</a:t>
-            </a:r>
-            <a:endParaRPr lang="en-US" noProof="0"/>
+              <a:rPr lang="en-US" noProof="0" dirty="0" smtClean="0"/>
+              <a:t>Unit Test Result for End-to-end Two-Way Protocols</a:t>
+            </a:r>
+            <a:endParaRPr lang="en-US" noProof="0" dirty="0"/>
+          </a:p>
+        </p:txBody>
+      </p:sp>
+      <p:sp>
+        <p:nvSpPr>
+          <p:cNvPr id="6" name="Slide Number Placeholder 5"/>
+          <p:cNvSpPr>
+            <a:spLocks noGrp="1"/>
+          </p:cNvSpPr>
+          <p:nvPr>
+            <p:ph type="sldNum" sz="quarter" idx="12"/>
+          </p:nvPr>
+        </p:nvSpPr>
+        <p:spPr/>
+        <p:txBody>
+          <a:bodyPr/>
+          <a:lstStyle/>
+          <a:p>
+            <a:fld id="{CC32927E-8736-45CF-A6F9-390382C66E11}" type="slidenum">
+              <a:rPr lang="en-US" smtClean="0"/>
+              <a:pPr/>
+              <a:t>21</a:t>
+            </a:fld>
+            <a:endParaRPr lang="en-US" dirty="0"/>
           </a:p>
         </p:txBody>
       </p:sp>
       <p:pic>
         <p:nvPicPr>
-          <p:cNvPr id="4" name="Picture 3" descr="D:\My Documents\albert\tt proje\D4-packettreansfer.png"/>
-          <p:cNvPicPr/>
+          <p:cNvPr id="27650" name="Picture 2" descr="C:\Users\SUUSER\Documents\GitHub\worddoc\thesisImages\unitSimImages\endToEndOrigSon.png"/>
+          <p:cNvPicPr>
+            <a:picLocks noChangeAspect="1" noChangeArrowheads="1"/>
+          </p:cNvPicPr>
           <p:nvPr/>
         </p:nvPicPr>
         <p:blipFill>
@@ -5741,19 +6008,13 @@
         </p:blipFill>
         <p:spPr bwMode="auto">
           <a:xfrm>
-            <a:off x="1928794" y="2571744"/>
-            <a:ext cx="5355590" cy="3592195"/>
+            <a:off x="2000232" y="2714620"/>
+            <a:ext cx="4116388" cy="2792412"/>
           </a:xfrm>
           <a:prstGeom prst="rect">
             <a:avLst/>
           </a:prstGeom>
           <a:noFill/>
-          <a:ln w="9525">
-            <a:noFill/>
-            <a:miter lim="800000"/>
-            <a:headEnd/>
-            <a:tailEnd/>
-          </a:ln>
         </p:spPr>
       </p:pic>
     </p:spTree>
@@ -5804,10 +6065,10 @@
           <a:lstStyle/>
           <a:p>
             <a:r>
-              <a:rPr lang="en-US" noProof="0" smtClean="0"/>
-              <a:t>Client Types</a:t>
-            </a:r>
-            <a:endParaRPr lang="en-US" noProof="0"/>
+              <a:rPr lang="en-US" noProof="0" dirty="0" smtClean="0"/>
+              <a:t>Unit Test Results</a:t>
+            </a:r>
+            <a:endParaRPr lang="en-US" noProof="0" dirty="0"/>
           </a:p>
         </p:txBody>
       </p:sp>
@@ -5821,39 +6082,75 @@
             <p:ph idx="1"/>
           </p:nvPr>
         </p:nvSpPr>
-        <p:spPr/>
-        <p:txBody>
-          <a:bodyPr>
-            <a:normAutofit/>
-          </a:bodyPr>
+        <p:spPr>
+          <a:xfrm>
+            <a:off x="457200" y="1600201"/>
+            <a:ext cx="8229600" cy="1114420"/>
+          </a:xfrm>
+        </p:spPr>
+        <p:txBody>
+          <a:bodyPr/>
           <a:lstStyle/>
           <a:p>
             <a:r>
               <a:rPr lang="en-US" noProof="0" dirty="0" smtClean="0"/>
-              <a:t>Three different user types are outlined with different networking and mobility requirements.</a:t>
-            </a:r>
-          </a:p>
-          <a:p>
-            <a:pPr lvl="1"/>
-            <a:r>
-              <a:rPr lang="en-US" noProof="0" dirty="0" smtClean="0"/>
-              <a:t>Students</a:t>
-            </a:r>
-          </a:p>
-          <a:p>
-            <a:pPr lvl="1"/>
-            <a:r>
-              <a:rPr lang="en-US" noProof="0" dirty="0" smtClean="0"/>
-              <a:t>Employees</a:t>
-            </a:r>
-          </a:p>
-          <a:p>
-            <a:pPr lvl="1"/>
-            <a:r>
-              <a:rPr lang="en-US" noProof="0" dirty="0" smtClean="0"/>
-              <a:t>Domestics</a:t>
+              <a:t>Unit Test Results for Access Point Authentication</a:t>
             </a:r>
             <a:endParaRPr lang="en-US" noProof="0" dirty="0"/>
+          </a:p>
+        </p:txBody>
+      </p:sp>
+      <p:pic>
+        <p:nvPicPr>
+          <p:cNvPr id="5" name="Picture 4" descr="D:\My Documents\albert\tt proje\D4-accesspoint.png"/>
+          <p:cNvPicPr/>
+          <p:nvPr/>
+        </p:nvPicPr>
+        <p:blipFill>
+          <a:blip r:embed="rId2" cstate="print"/>
+          <a:srcRect/>
+          <a:stretch>
+            <a:fillRect/>
+          </a:stretch>
+        </p:blipFill>
+        <p:spPr bwMode="auto">
+          <a:xfrm>
+            <a:off x="1785918" y="2857496"/>
+            <a:ext cx="4582174" cy="2964936"/>
+          </a:xfrm>
+          <a:prstGeom prst="rect">
+            <a:avLst/>
+          </a:prstGeom>
+          <a:noFill/>
+          <a:ln w="9525">
+            <a:noFill/>
+            <a:miter lim="800000"/>
+            <a:headEnd/>
+            <a:tailEnd/>
+          </a:ln>
+        </p:spPr>
+      </p:pic>
+      <p:sp>
+        <p:nvSpPr>
+          <p:cNvPr id="6" name="Slide Number Placeholder 5"/>
+          <p:cNvSpPr>
+            <a:spLocks noGrp="1"/>
+          </p:cNvSpPr>
+          <p:nvPr>
+            <p:ph type="sldNum" sz="quarter" idx="12"/>
+          </p:nvPr>
+        </p:nvSpPr>
+        <p:spPr/>
+        <p:txBody>
+          <a:bodyPr/>
+          <a:lstStyle/>
+          <a:p>
+            <a:fld id="{CC32927E-8736-45CF-A6F9-390382C66E11}" type="slidenum">
+              <a:rPr lang="en-US" smtClean="0"/>
+              <a:pPr/>
+              <a:t>22</a:t>
+            </a:fld>
+            <a:endParaRPr lang="en-US" dirty="0"/>
           </a:p>
         </p:txBody>
       </p:sp>
@@ -5901,23 +6198,562 @@
         </p:nvSpPr>
         <p:spPr/>
         <p:txBody>
+          <a:bodyPr/>
+          <a:lstStyle/>
+          <a:p>
+            <a:r>
+              <a:rPr lang="en-US" noProof="0" dirty="0" smtClean="0"/>
+              <a:t>Unit Test Results</a:t>
+            </a:r>
+            <a:endParaRPr lang="en-US" noProof="0" dirty="0"/>
+          </a:p>
+        </p:txBody>
+      </p:sp>
+      <p:sp>
+        <p:nvSpPr>
+          <p:cNvPr id="3" name="Content Placeholder 2"/>
+          <p:cNvSpPr>
+            <a:spLocks noGrp="1"/>
+          </p:cNvSpPr>
+          <p:nvPr>
+            <p:ph idx="1"/>
+          </p:nvPr>
+        </p:nvSpPr>
+        <p:spPr>
+          <a:xfrm>
+            <a:off x="457200" y="1600201"/>
+            <a:ext cx="8229600" cy="1042982"/>
+          </a:xfrm>
+        </p:spPr>
+        <p:txBody>
+          <a:bodyPr>
+            <a:normAutofit lnSpcReduction="10000"/>
+          </a:bodyPr>
+          <a:lstStyle/>
+          <a:p>
+            <a:r>
+              <a:rPr lang="en-US" noProof="0" dirty="0" smtClean="0"/>
+              <a:t>Unit Test Result for Seamless Mobility and Roaming</a:t>
+            </a:r>
+            <a:endParaRPr lang="en-US" noProof="0" dirty="0"/>
+          </a:p>
+        </p:txBody>
+      </p:sp>
+      <p:pic>
+        <p:nvPicPr>
+          <p:cNvPr id="6" name="Picture 5" descr="C:\Users\SUUSER\Documents\GitHub\worddoc\thesisImages\unitSimImages\seamlessMobRoamingSon.png"/>
+          <p:cNvPicPr/>
+          <p:nvPr/>
+        </p:nvPicPr>
+        <p:blipFill>
+          <a:blip r:embed="rId2" cstate="print"/>
+          <a:srcRect/>
+          <a:stretch>
+            <a:fillRect/>
+          </a:stretch>
+        </p:blipFill>
+        <p:spPr bwMode="auto">
+          <a:xfrm>
+            <a:off x="1704975" y="2658194"/>
+            <a:ext cx="4867289" cy="3414012"/>
+          </a:xfrm>
+          <a:prstGeom prst="rect">
+            <a:avLst/>
+          </a:prstGeom>
+          <a:noFill/>
+          <a:ln w="9525">
+            <a:noFill/>
+            <a:miter lim="800000"/>
+            <a:headEnd/>
+            <a:tailEnd/>
+          </a:ln>
+        </p:spPr>
+      </p:pic>
+      <p:sp>
+        <p:nvSpPr>
+          <p:cNvPr id="5" name="Slide Number Placeholder 4"/>
+          <p:cNvSpPr>
+            <a:spLocks noGrp="1"/>
+          </p:cNvSpPr>
+          <p:nvPr>
+            <p:ph type="sldNum" sz="quarter" idx="12"/>
+          </p:nvPr>
+        </p:nvSpPr>
+        <p:spPr/>
+        <p:txBody>
+          <a:bodyPr/>
+          <a:lstStyle/>
+          <a:p>
+            <a:fld id="{CC32927E-8736-45CF-A6F9-390382C66E11}" type="slidenum">
+              <a:rPr lang="en-US" smtClean="0"/>
+              <a:pPr/>
+              <a:t>23</a:t>
+            </a:fld>
+            <a:endParaRPr lang="en-US" dirty="0"/>
+          </a:p>
+        </p:txBody>
+      </p:sp>
+    </p:spTree>
+  </p:cSld>
+  <p:clrMapOvr>
+    <a:masterClrMapping/>
+  </p:clrMapOvr>
+  <p:timing>
+    <p:tnLst>
+      <p:par>
+        <p:cTn id="1" dur="indefinite" restart="never" nodeType="tmRoot"/>
+      </p:par>
+    </p:tnLst>
+  </p:timing>
+</p:sld>
+</file>
+
+<file path=ppt/slides/slide24.xml><?xml version="1.0" encoding="utf-8"?>
+<p:sld xmlns:a="http://schemas.openxmlformats.org/drawingml/2006/main" xmlns:r="http://schemas.openxmlformats.org/officeDocument/2006/relationships" xmlns:p="http://schemas.openxmlformats.org/presentationml/2006/main">
+  <p:cSld>
+    <p:spTree>
+      <p:nvGrpSpPr>
+        <p:cNvPr id="1" name=""/>
+        <p:cNvGrpSpPr/>
+        <p:nvPr/>
+      </p:nvGrpSpPr>
+      <p:grpSpPr>
+        <a:xfrm>
+          <a:off x="0" y="0"/>
+          <a:ext cx="0" cy="0"/>
+          <a:chOff x="0" y="0"/>
+          <a:chExt cx="0" cy="0"/>
+        </a:xfrm>
+      </p:grpSpPr>
+      <p:sp>
+        <p:nvSpPr>
+          <p:cNvPr id="2" name="Title 1"/>
+          <p:cNvSpPr>
+            <a:spLocks noGrp="1"/>
+          </p:cNvSpPr>
+          <p:nvPr>
+            <p:ph type="title"/>
+          </p:nvPr>
+        </p:nvSpPr>
+        <p:spPr/>
+        <p:txBody>
+          <a:bodyPr/>
+          <a:lstStyle/>
+          <a:p>
+            <a:r>
+              <a:rPr lang="en-US" noProof="0" dirty="0" smtClean="0"/>
+              <a:t>Unit Test Results</a:t>
+            </a:r>
+            <a:endParaRPr lang="en-US" noProof="0" dirty="0"/>
+          </a:p>
+        </p:txBody>
+      </p:sp>
+      <p:sp>
+        <p:nvSpPr>
+          <p:cNvPr id="3" name="Content Placeholder 2"/>
+          <p:cNvSpPr>
+            <a:spLocks noGrp="1"/>
+          </p:cNvSpPr>
+          <p:nvPr>
+            <p:ph idx="1"/>
+          </p:nvPr>
+        </p:nvSpPr>
+        <p:spPr>
+          <a:xfrm>
+            <a:off x="457200" y="1600201"/>
+            <a:ext cx="8229600" cy="685792"/>
+          </a:xfrm>
+        </p:spPr>
+        <p:txBody>
+          <a:bodyPr/>
+          <a:lstStyle/>
+          <a:p>
+            <a:r>
+              <a:rPr lang="en-US" noProof="0" dirty="0" smtClean="0"/>
+              <a:t>Unit Test Result for Packet Transfer</a:t>
+            </a:r>
+            <a:endParaRPr lang="en-US" noProof="0" dirty="0"/>
+          </a:p>
+        </p:txBody>
+      </p:sp>
+      <p:pic>
+        <p:nvPicPr>
+          <p:cNvPr id="4" name="Picture 3" descr="D:\My Documents\albert\tt proje\D4-packettreansfer.png"/>
+          <p:cNvPicPr/>
+          <p:nvPr/>
+        </p:nvPicPr>
+        <p:blipFill>
+          <a:blip r:embed="rId2" cstate="print"/>
+          <a:srcRect/>
+          <a:stretch>
+            <a:fillRect/>
+          </a:stretch>
+        </p:blipFill>
+        <p:spPr bwMode="auto">
+          <a:xfrm>
+            <a:off x="1500166" y="2571744"/>
+            <a:ext cx="5355590" cy="3592195"/>
+          </a:xfrm>
+          <a:prstGeom prst="rect">
+            <a:avLst/>
+          </a:prstGeom>
+          <a:noFill/>
+          <a:ln w="9525">
+            <a:noFill/>
+            <a:miter lim="800000"/>
+            <a:headEnd/>
+            <a:tailEnd/>
+          </a:ln>
+        </p:spPr>
+      </p:pic>
+      <p:sp>
+        <p:nvSpPr>
+          <p:cNvPr id="5" name="Slide Number Placeholder 4"/>
+          <p:cNvSpPr>
+            <a:spLocks noGrp="1"/>
+          </p:cNvSpPr>
+          <p:nvPr>
+            <p:ph type="sldNum" sz="quarter" idx="12"/>
+          </p:nvPr>
+        </p:nvSpPr>
+        <p:spPr/>
+        <p:txBody>
+          <a:bodyPr/>
+          <a:lstStyle/>
+          <a:p>
+            <a:fld id="{CC32927E-8736-45CF-A6F9-390382C66E11}" type="slidenum">
+              <a:rPr lang="en-US" smtClean="0"/>
+              <a:pPr/>
+              <a:t>24</a:t>
+            </a:fld>
+            <a:endParaRPr lang="en-US" dirty="0"/>
+          </a:p>
+        </p:txBody>
+      </p:sp>
+    </p:spTree>
+  </p:cSld>
+  <p:clrMapOvr>
+    <a:masterClrMapping/>
+  </p:clrMapOvr>
+  <p:timing>
+    <p:tnLst>
+      <p:par>
+        <p:cTn id="1" dur="indefinite" restart="never" nodeType="tmRoot"/>
+      </p:par>
+    </p:tnLst>
+  </p:timing>
+</p:sld>
+</file>
+
+<file path=ppt/slides/slide25.xml><?xml version="1.0" encoding="utf-8"?>
+<p:sld xmlns:a="http://schemas.openxmlformats.org/drawingml/2006/main" xmlns:r="http://schemas.openxmlformats.org/officeDocument/2006/relationships" xmlns:p="http://schemas.openxmlformats.org/presentationml/2006/main">
+  <p:cSld>
+    <p:spTree>
+      <p:nvGrpSpPr>
+        <p:cNvPr id="1" name=""/>
+        <p:cNvGrpSpPr/>
+        <p:nvPr/>
+      </p:nvGrpSpPr>
+      <p:grpSpPr>
+        <a:xfrm>
+          <a:off x="0" y="0"/>
+          <a:ext cx="0" cy="0"/>
+          <a:chOff x="0" y="0"/>
+          <a:chExt cx="0" cy="0"/>
+        </a:xfrm>
+      </p:grpSpPr>
+      <p:sp>
+        <p:nvSpPr>
+          <p:cNvPr id="2" name="Title 1"/>
+          <p:cNvSpPr>
+            <a:spLocks noGrp="1"/>
+          </p:cNvSpPr>
+          <p:nvPr>
+            <p:ph type="title"/>
+          </p:nvPr>
+        </p:nvSpPr>
+        <p:spPr/>
+        <p:txBody>
+          <a:bodyPr/>
+          <a:lstStyle/>
+          <a:p>
+            <a:r>
+              <a:rPr lang="en-US" noProof="0" dirty="0" smtClean="0"/>
+              <a:t>Client Types</a:t>
+            </a:r>
+            <a:endParaRPr lang="en-US" noProof="0" dirty="0"/>
+          </a:p>
+        </p:txBody>
+      </p:sp>
+      <p:sp>
+        <p:nvSpPr>
+          <p:cNvPr id="3" name="Content Placeholder 2"/>
+          <p:cNvSpPr>
+            <a:spLocks noGrp="1"/>
+          </p:cNvSpPr>
+          <p:nvPr>
+            <p:ph idx="1"/>
+          </p:nvPr>
+        </p:nvSpPr>
+        <p:spPr/>
+        <p:txBody>
+          <a:bodyPr>
+            <a:normAutofit/>
+          </a:bodyPr>
+          <a:lstStyle/>
+          <a:p>
+            <a:r>
+              <a:rPr lang="en-US" noProof="0" dirty="0" smtClean="0"/>
+              <a:t>Three different user types are outlined with different networking and mobility requirements.</a:t>
+            </a:r>
+          </a:p>
+          <a:p>
+            <a:pPr lvl="1"/>
+            <a:r>
+              <a:rPr lang="en-US" noProof="0" dirty="0" smtClean="0"/>
+              <a:t>Students</a:t>
+            </a:r>
+          </a:p>
+          <a:p>
+            <a:pPr lvl="1"/>
+            <a:r>
+              <a:rPr lang="en-US" noProof="0" dirty="0" smtClean="0"/>
+              <a:t>Employees</a:t>
+            </a:r>
+          </a:p>
+          <a:p>
+            <a:pPr lvl="1"/>
+            <a:r>
+              <a:rPr lang="en-US" noProof="0" dirty="0" smtClean="0"/>
+              <a:t>Domestics</a:t>
+            </a:r>
+            <a:endParaRPr lang="en-US" noProof="0" dirty="0"/>
+          </a:p>
+        </p:txBody>
+      </p:sp>
+      <p:sp>
+        <p:nvSpPr>
+          <p:cNvPr id="4" name="Slide Number Placeholder 3"/>
+          <p:cNvSpPr>
+            <a:spLocks noGrp="1"/>
+          </p:cNvSpPr>
+          <p:nvPr>
+            <p:ph type="sldNum" sz="quarter" idx="12"/>
+          </p:nvPr>
+        </p:nvSpPr>
+        <p:spPr/>
+        <p:txBody>
+          <a:bodyPr/>
+          <a:lstStyle/>
+          <a:p>
+            <a:fld id="{CC32927E-8736-45CF-A6F9-390382C66E11}" type="slidenum">
+              <a:rPr lang="en-US" smtClean="0"/>
+              <a:pPr/>
+              <a:t>25</a:t>
+            </a:fld>
+            <a:endParaRPr lang="en-US" dirty="0"/>
+          </a:p>
+        </p:txBody>
+      </p:sp>
+    </p:spTree>
+  </p:cSld>
+  <p:clrMapOvr>
+    <a:masterClrMapping/>
+  </p:clrMapOvr>
+  <p:timing>
+    <p:tnLst>
+      <p:par>
+        <p:cTn id="1" dur="indefinite" restart="never" nodeType="tmRoot"/>
+      </p:par>
+    </p:tnLst>
+  </p:timing>
+</p:sld>
+</file>
+
+<file path=ppt/slides/slide26.xml><?xml version="1.0" encoding="utf-8"?>
+<p:sld xmlns:a="http://schemas.openxmlformats.org/drawingml/2006/main" xmlns:r="http://schemas.openxmlformats.org/officeDocument/2006/relationships" xmlns:p="http://schemas.openxmlformats.org/presentationml/2006/main">
+  <p:cSld>
+    <p:spTree>
+      <p:nvGrpSpPr>
+        <p:cNvPr id="1" name=""/>
+        <p:cNvGrpSpPr/>
+        <p:nvPr/>
+      </p:nvGrpSpPr>
+      <p:grpSpPr>
+        <a:xfrm>
+          <a:off x="0" y="0"/>
+          <a:ext cx="0" cy="0"/>
+          <a:chOff x="0" y="0"/>
+          <a:chExt cx="0" cy="0"/>
+        </a:xfrm>
+      </p:grpSpPr>
+      <p:sp>
+        <p:nvSpPr>
+          <p:cNvPr id="2" name="Title 1"/>
+          <p:cNvSpPr>
+            <a:spLocks noGrp="1"/>
+          </p:cNvSpPr>
+          <p:nvPr>
+            <p:ph type="title"/>
+          </p:nvPr>
+        </p:nvSpPr>
+        <p:spPr/>
+        <p:txBody>
+          <a:bodyPr/>
+          <a:lstStyle/>
+          <a:p>
+            <a:r>
+              <a:rPr lang="en-US" noProof="0" dirty="0" smtClean="0"/>
+              <a:t>User Actions</a:t>
+            </a:r>
+            <a:endParaRPr lang="en-US" noProof="0" dirty="0"/>
+          </a:p>
+        </p:txBody>
+      </p:sp>
+      <p:sp>
+        <p:nvSpPr>
+          <p:cNvPr id="3" name="Content Placeholder 2"/>
+          <p:cNvSpPr>
+            <a:spLocks noGrp="1"/>
+          </p:cNvSpPr>
+          <p:nvPr>
+            <p:ph idx="1"/>
+          </p:nvPr>
+        </p:nvSpPr>
+        <p:spPr>
+          <a:xfrm>
+            <a:off x="457200" y="1600201"/>
+            <a:ext cx="8229600" cy="1543048"/>
+          </a:xfrm>
+        </p:spPr>
+        <p:txBody>
+          <a:bodyPr>
+            <a:normAutofit lnSpcReduction="10000"/>
+          </a:bodyPr>
+          <a:lstStyle/>
+          <a:p>
+            <a:r>
+              <a:rPr lang="en-US" noProof="0" dirty="0" smtClean="0"/>
+              <a:t>In real-life scenario simulations, network usage related actions are modeled using two-state Markov Chain.</a:t>
+            </a:r>
+          </a:p>
+        </p:txBody>
+      </p:sp>
+      <p:pic>
+        <p:nvPicPr>
+          <p:cNvPr id="4" name="Picture 3" descr="C:\Users\SUUSER\Documents\GitHub\worddoc\thesisImages\markovChain.png"/>
+          <p:cNvPicPr/>
+          <p:nvPr/>
+        </p:nvPicPr>
+        <p:blipFill>
+          <a:blip r:embed="rId2" cstate="print"/>
+          <a:srcRect/>
+          <a:stretch>
+            <a:fillRect/>
+          </a:stretch>
+        </p:blipFill>
+        <p:spPr bwMode="auto">
+          <a:xfrm>
+            <a:off x="1857356" y="3000372"/>
+            <a:ext cx="5381017" cy="3484579"/>
+          </a:xfrm>
+          <a:prstGeom prst="rect">
+            <a:avLst/>
+          </a:prstGeom>
+          <a:noFill/>
+          <a:ln w="9525">
+            <a:noFill/>
+            <a:miter lim="800000"/>
+            <a:headEnd/>
+            <a:tailEnd/>
+          </a:ln>
+        </p:spPr>
+      </p:pic>
+      <p:sp>
+        <p:nvSpPr>
+          <p:cNvPr id="5" name="Slide Number Placeholder 4"/>
+          <p:cNvSpPr>
+            <a:spLocks noGrp="1"/>
+          </p:cNvSpPr>
+          <p:nvPr>
+            <p:ph type="sldNum" sz="quarter" idx="12"/>
+          </p:nvPr>
+        </p:nvSpPr>
+        <p:spPr/>
+        <p:txBody>
+          <a:bodyPr/>
+          <a:lstStyle/>
+          <a:p>
+            <a:fld id="{CC32927E-8736-45CF-A6F9-390382C66E11}" type="slidenum">
+              <a:rPr lang="en-US" smtClean="0"/>
+              <a:pPr/>
+              <a:t>26</a:t>
+            </a:fld>
+            <a:endParaRPr lang="en-US" dirty="0"/>
+          </a:p>
+        </p:txBody>
+      </p:sp>
+    </p:spTree>
+  </p:cSld>
+  <p:clrMapOvr>
+    <a:masterClrMapping/>
+  </p:clrMapOvr>
+  <p:timing>
+    <p:tnLst>
+      <p:par>
+        <p:cTn id="1" dur="indefinite" restart="never" nodeType="tmRoot"/>
+      </p:par>
+    </p:tnLst>
+  </p:timing>
+</p:sld>
+</file>
+
+<file path=ppt/slides/slide27.xml><?xml version="1.0" encoding="utf-8"?>
+<p:sld xmlns:a="http://schemas.openxmlformats.org/drawingml/2006/main" xmlns:r="http://schemas.openxmlformats.org/officeDocument/2006/relationships" xmlns:p="http://schemas.openxmlformats.org/presentationml/2006/main">
+  <p:cSld>
+    <p:spTree>
+      <p:nvGrpSpPr>
+        <p:cNvPr id="1" name=""/>
+        <p:cNvGrpSpPr/>
+        <p:nvPr/>
+      </p:nvGrpSpPr>
+      <p:grpSpPr>
+        <a:xfrm>
+          <a:off x="0" y="0"/>
+          <a:ext cx="0" cy="0"/>
+          <a:chOff x="0" y="0"/>
+          <a:chExt cx="0" cy="0"/>
+        </a:xfrm>
+      </p:grpSpPr>
+      <p:sp>
+        <p:nvSpPr>
+          <p:cNvPr id="2" name="Title 1"/>
+          <p:cNvSpPr>
+            <a:spLocks noGrp="1"/>
+          </p:cNvSpPr>
+          <p:nvPr>
+            <p:ph type="title"/>
+          </p:nvPr>
+        </p:nvSpPr>
+        <p:spPr/>
+        <p:txBody>
           <a:bodyPr>
             <a:normAutofit fontScale="90000"/>
           </a:bodyPr>
           <a:lstStyle/>
           <a:p>
             <a:r>
-              <a:rPr lang="en-US" noProof="0" smtClean="0"/>
+              <a:rPr lang="en-US" noProof="0" dirty="0" smtClean="0"/>
               <a:t>User Modeling and Mobility in </a:t>
             </a:r>
             <a:br>
-              <a:rPr lang="en-US" noProof="0" smtClean="0"/>
+              <a:rPr lang="en-US" noProof="0" dirty="0" smtClean="0"/>
             </a:br>
             <a:r>
-              <a:rPr lang="en-US" noProof="0" smtClean="0"/>
+              <a:rPr lang="en-US" noProof="0" dirty="0" smtClean="0"/>
               <a:t>Real-Life Scenario</a:t>
             </a:r>
-            <a:endParaRPr lang="en-US" noProof="0"/>
+            <a:endParaRPr lang="en-US" noProof="0" dirty="0"/>
           </a:p>
         </p:txBody>
       </p:sp>
@@ -5954,16 +6790,12 @@
               <a:t>Clients perform certain kinds of actions and </a:t>
             </a:r>
             <a:r>
-              <a:rPr lang="en-US" dirty="0"/>
-              <a:t>a</a:t>
-            </a:r>
-            <a:r>
-              <a:rPr lang="en-US" noProof="0" dirty="0" err="1" smtClean="0"/>
-              <a:t>ll</a:t>
-            </a:r>
-            <a:r>
               <a:rPr lang="en-US" noProof="0" dirty="0" smtClean="0"/>
-              <a:t> of these actions are triggered as a result of a random event.</a:t>
+              <a:t>all </a:t>
+            </a:r>
+            <a:r>
+              <a:rPr lang="en-US" noProof="0" dirty="0" smtClean="0"/>
+              <a:t>of these actions are triggered as a result of a random event.</a:t>
             </a:r>
           </a:p>
           <a:p>
@@ -6565,455 +7397,30 @@
           </a:p>
         </p:txBody>
       </p:sp>
-    </p:spTree>
-  </p:cSld>
-  <p:clrMapOvr>
-    <a:masterClrMapping/>
-  </p:clrMapOvr>
-  <p:timing>
-    <p:tnLst>
-      <p:par>
-        <p:cTn id="1" dur="indefinite" restart="never" nodeType="tmRoot"/>
-      </p:par>
-    </p:tnLst>
-  </p:timing>
-</p:sld>
-</file>
-
-<file path=ppt/slides/slide24.xml><?xml version="1.0" encoding="utf-8"?>
-<p:sld xmlns:a="http://schemas.openxmlformats.org/drawingml/2006/main" xmlns:r="http://schemas.openxmlformats.org/officeDocument/2006/relationships" xmlns:p="http://schemas.openxmlformats.org/presentationml/2006/main">
-  <p:cSld>
-    <p:spTree>
-      <p:nvGrpSpPr>
-        <p:cNvPr id="1" name=""/>
-        <p:cNvGrpSpPr/>
-        <p:nvPr/>
-      </p:nvGrpSpPr>
-      <p:grpSpPr>
-        <a:xfrm>
-          <a:off x="0" y="0"/>
-          <a:ext cx="0" cy="0"/>
-          <a:chOff x="0" y="0"/>
-          <a:chExt cx="0" cy="0"/>
-        </a:xfrm>
-      </p:grpSpPr>
-      <p:sp>
-        <p:nvSpPr>
-          <p:cNvPr id="2" name="Title 1"/>
-          <p:cNvSpPr>
-            <a:spLocks noGrp="1"/>
-          </p:cNvSpPr>
-          <p:nvPr>
-            <p:ph type="title"/>
-          </p:nvPr>
-        </p:nvSpPr>
-        <p:spPr/>
-        <p:txBody>
-          <a:bodyPr/>
-          <a:lstStyle/>
-          <a:p>
-            <a:r>
-              <a:rPr lang="en-US" noProof="0" smtClean="0"/>
-              <a:t>User Actions</a:t>
-            </a:r>
-            <a:endParaRPr lang="en-US" noProof="0"/>
-          </a:p>
-        </p:txBody>
-      </p:sp>
-      <p:sp>
-        <p:nvSpPr>
-          <p:cNvPr id="3" name="Content Placeholder 2"/>
-          <p:cNvSpPr>
-            <a:spLocks noGrp="1"/>
-          </p:cNvSpPr>
-          <p:nvPr>
-            <p:ph idx="1"/>
-          </p:nvPr>
-        </p:nvSpPr>
-        <p:spPr>
-          <a:xfrm>
-            <a:off x="457200" y="1600201"/>
-            <a:ext cx="8229600" cy="1543048"/>
-          </a:xfrm>
-        </p:spPr>
-        <p:txBody>
-          <a:bodyPr>
-            <a:normAutofit lnSpcReduction="10000"/>
-          </a:bodyPr>
-          <a:lstStyle/>
-          <a:p>
-            <a:r>
-              <a:rPr lang="en-US" noProof="0" smtClean="0"/>
-              <a:t>In real-life scenario simulations, network usage related actions are modeled using two-state Markov Chain.</a:t>
-            </a:r>
-          </a:p>
-        </p:txBody>
-      </p:sp>
-      <p:pic>
-        <p:nvPicPr>
-          <p:cNvPr id="4" name="Picture 3" descr="C:\Users\SUUSER\Documents\GitHub\worddoc\thesisImages\markovChain.png"/>
-          <p:cNvPicPr/>
-          <p:nvPr/>
-        </p:nvPicPr>
-        <p:blipFill>
-          <a:blip r:embed="rId2" cstate="print"/>
-          <a:srcRect/>
-          <a:stretch>
-            <a:fillRect/>
-          </a:stretch>
-        </p:blipFill>
-        <p:spPr bwMode="auto">
-          <a:xfrm>
-            <a:off x="1857356" y="3000372"/>
-            <a:ext cx="5381017" cy="3484579"/>
-          </a:xfrm>
-          <a:prstGeom prst="rect">
-            <a:avLst/>
-          </a:prstGeom>
-          <a:noFill/>
-          <a:ln w="9525">
-            <a:noFill/>
-            <a:miter lim="800000"/>
-            <a:headEnd/>
-            <a:tailEnd/>
-          </a:ln>
-        </p:spPr>
-      </p:pic>
-    </p:spTree>
-  </p:cSld>
-  <p:clrMapOvr>
-    <a:masterClrMapping/>
-  </p:clrMapOvr>
-  <p:timing>
-    <p:tnLst>
-      <p:par>
-        <p:cTn id="1" dur="indefinite" restart="never" nodeType="tmRoot"/>
-      </p:par>
-    </p:tnLst>
-  </p:timing>
-</p:sld>
-</file>
-
-<file path=ppt/slides/slide25.xml><?xml version="1.0" encoding="utf-8"?>
-<p:sld xmlns:a="http://schemas.openxmlformats.org/drawingml/2006/main" xmlns:r="http://schemas.openxmlformats.org/officeDocument/2006/relationships" xmlns:p="http://schemas.openxmlformats.org/presentationml/2006/main">
-  <p:cSld>
-    <p:spTree>
-      <p:nvGrpSpPr>
-        <p:cNvPr id="1" name=""/>
-        <p:cNvGrpSpPr/>
-        <p:nvPr/>
-      </p:nvGrpSpPr>
-      <p:grpSpPr>
-        <a:xfrm>
-          <a:off x="0" y="0"/>
-          <a:ext cx="0" cy="0"/>
-          <a:chOff x="0" y="0"/>
-          <a:chExt cx="0" cy="0"/>
-        </a:xfrm>
-      </p:grpSpPr>
-      <p:sp>
-        <p:nvSpPr>
-          <p:cNvPr id="2" name="Title 1"/>
-          <p:cNvSpPr>
-            <a:spLocks noGrp="1"/>
-          </p:cNvSpPr>
-          <p:nvPr>
-            <p:ph type="title"/>
-          </p:nvPr>
-        </p:nvSpPr>
-        <p:spPr/>
-        <p:txBody>
-          <a:bodyPr/>
-          <a:lstStyle/>
-          <a:p>
-            <a:r>
-              <a:rPr lang="en-US" noProof="0" smtClean="0"/>
-              <a:t>Mobility</a:t>
-            </a:r>
-            <a:endParaRPr lang="en-US" noProof="0"/>
-          </a:p>
-        </p:txBody>
-      </p:sp>
-      <p:sp>
-        <p:nvSpPr>
-          <p:cNvPr id="3" name="Content Placeholder 2"/>
-          <p:cNvSpPr>
-            <a:spLocks noGrp="1"/>
-          </p:cNvSpPr>
-          <p:nvPr>
-            <p:ph idx="1"/>
-          </p:nvPr>
-        </p:nvSpPr>
-        <p:spPr>
-          <a:xfrm>
-            <a:off x="457200" y="1600201"/>
-            <a:ext cx="8229600" cy="1971676"/>
-          </a:xfrm>
-        </p:spPr>
-        <p:txBody>
-          <a:bodyPr>
-            <a:normAutofit lnSpcReduction="10000"/>
-          </a:bodyPr>
-          <a:lstStyle/>
-          <a:p>
-            <a:r>
-              <a:rPr lang="en-US" noProof="0" smtClean="0"/>
-              <a:t>Clients move on a grid, to reach a randomly selected destination. The speed and the distance to destination differ according to client’s type.</a:t>
-            </a:r>
-            <a:endParaRPr lang="en-US" noProof="0"/>
-          </a:p>
-        </p:txBody>
-      </p:sp>
-      <p:pic>
-        <p:nvPicPr>
-          <p:cNvPr id="4" name="Picture 3" descr="C:\Users\SUUSER\Desktop\paper images\protocols\mobility.png"/>
-          <p:cNvPicPr/>
-          <p:nvPr/>
-        </p:nvPicPr>
-        <p:blipFill>
-          <a:blip r:embed="rId2" cstate="print"/>
-          <a:srcRect/>
-          <a:stretch>
-            <a:fillRect/>
-          </a:stretch>
-        </p:blipFill>
-        <p:spPr bwMode="auto">
-          <a:xfrm>
-            <a:off x="2571736" y="3429000"/>
-            <a:ext cx="4000528" cy="3429000"/>
-          </a:xfrm>
-          <a:prstGeom prst="rect">
-            <a:avLst/>
-          </a:prstGeom>
-          <a:noFill/>
-          <a:ln w="9525">
-            <a:noFill/>
-            <a:miter lim="800000"/>
-            <a:headEnd/>
-            <a:tailEnd/>
-          </a:ln>
-        </p:spPr>
-      </p:pic>
-    </p:spTree>
-  </p:cSld>
-  <p:clrMapOvr>
-    <a:masterClrMapping/>
-  </p:clrMapOvr>
-</p:sld>
-</file>
-
-<file path=ppt/slides/slide26.xml><?xml version="1.0" encoding="utf-8"?>
-<p:sld xmlns:a="http://schemas.openxmlformats.org/drawingml/2006/main" xmlns:r="http://schemas.openxmlformats.org/officeDocument/2006/relationships" xmlns:p="http://schemas.openxmlformats.org/presentationml/2006/main">
-  <p:cSld>
-    <p:spTree>
-      <p:nvGrpSpPr>
-        <p:cNvPr id="1" name=""/>
-        <p:cNvGrpSpPr/>
-        <p:nvPr/>
-      </p:nvGrpSpPr>
-      <p:grpSpPr>
-        <a:xfrm>
-          <a:off x="0" y="0"/>
-          <a:ext cx="0" cy="0"/>
-          <a:chOff x="0" y="0"/>
-          <a:chExt cx="0" cy="0"/>
-        </a:xfrm>
-      </p:grpSpPr>
-      <p:sp>
-        <p:nvSpPr>
-          <p:cNvPr id="2" name="Title 1"/>
-          <p:cNvSpPr>
-            <a:spLocks noGrp="1"/>
-          </p:cNvSpPr>
-          <p:nvPr>
-            <p:ph type="title"/>
-          </p:nvPr>
-        </p:nvSpPr>
-        <p:spPr/>
-        <p:txBody>
-          <a:bodyPr/>
-          <a:lstStyle/>
-          <a:p>
-            <a:r>
-              <a:rPr lang="en-US" noProof="0" smtClean="0"/>
-              <a:t>Simulation Results of Protocols</a:t>
-            </a:r>
-            <a:endParaRPr lang="en-US" noProof="0"/>
-          </a:p>
-        </p:txBody>
-      </p:sp>
-      <p:sp>
-        <p:nvSpPr>
-          <p:cNvPr id="3" name="Content Placeholder 2"/>
-          <p:cNvSpPr>
-            <a:spLocks noGrp="1"/>
-          </p:cNvSpPr>
-          <p:nvPr>
-            <p:ph idx="1"/>
-          </p:nvPr>
-        </p:nvSpPr>
-        <p:spPr>
-          <a:xfrm>
-            <a:off x="457200" y="1600201"/>
-            <a:ext cx="8229600" cy="1114420"/>
-          </a:xfrm>
-        </p:spPr>
-        <p:txBody>
-          <a:bodyPr/>
-          <a:lstStyle/>
-          <a:p>
-            <a:r>
-              <a:rPr lang="en-US" noProof="0" smtClean="0"/>
-              <a:t>Real-Life Scenario Simulation Result for Initial Authorization Protocol</a:t>
-            </a:r>
-          </a:p>
-        </p:txBody>
-      </p:sp>
-      <p:pic>
-        <p:nvPicPr>
-          <p:cNvPr id="5" name="Picture 4" descr="C:\Users\SUUSER\Documents\GitHub\worddoc\thesisImages\realSimNewDrawings\initAuthLargeSon.png"/>
-          <p:cNvPicPr/>
-          <p:nvPr/>
-        </p:nvPicPr>
-        <p:blipFill>
-          <a:blip r:embed="rId2" cstate="print"/>
-          <a:srcRect/>
-          <a:stretch>
-            <a:fillRect/>
-          </a:stretch>
-        </p:blipFill>
-        <p:spPr bwMode="auto">
-          <a:xfrm>
-            <a:off x="1709737" y="2981672"/>
-            <a:ext cx="5724525" cy="2895600"/>
-          </a:xfrm>
-          <a:prstGeom prst="rect">
-            <a:avLst/>
-          </a:prstGeom>
-          <a:noFill/>
-          <a:ln w="9525">
-            <a:noFill/>
-            <a:miter lim="800000"/>
-            <a:headEnd/>
-            <a:tailEnd/>
-          </a:ln>
-        </p:spPr>
-      </p:pic>
-    </p:spTree>
-  </p:cSld>
-  <p:clrMapOvr>
-    <a:masterClrMapping/>
-  </p:clrMapOvr>
-  <p:timing>
-    <p:tnLst>
-      <p:par>
-        <p:cTn id="1" dur="indefinite" restart="never" nodeType="tmRoot"/>
-      </p:par>
-    </p:tnLst>
-  </p:timing>
-</p:sld>
-</file>
-
-<file path=ppt/slides/slide27.xml><?xml version="1.0" encoding="utf-8"?>
-<p:sld xmlns:a="http://schemas.openxmlformats.org/drawingml/2006/main" xmlns:r="http://schemas.openxmlformats.org/officeDocument/2006/relationships" xmlns:p="http://schemas.openxmlformats.org/presentationml/2006/main">
-  <p:cSld>
-    <p:spTree>
-      <p:nvGrpSpPr>
-        <p:cNvPr id="1" name=""/>
-        <p:cNvGrpSpPr/>
-        <p:nvPr/>
-      </p:nvGrpSpPr>
-      <p:grpSpPr>
-        <a:xfrm>
-          <a:off x="0" y="0"/>
-          <a:ext cx="0" cy="0"/>
-          <a:chOff x="0" y="0"/>
-          <a:chExt cx="0" cy="0"/>
-        </a:xfrm>
-      </p:grpSpPr>
-      <p:sp>
-        <p:nvSpPr>
-          <p:cNvPr id="2" name="Title 1"/>
-          <p:cNvSpPr>
-            <a:spLocks noGrp="1"/>
-          </p:cNvSpPr>
-          <p:nvPr>
-            <p:ph type="title"/>
-          </p:nvPr>
-        </p:nvSpPr>
-        <p:spPr/>
-        <p:txBody>
-          <a:bodyPr/>
-          <a:lstStyle/>
-          <a:p>
-            <a:r>
-              <a:rPr lang="en-US" noProof="0" smtClean="0"/>
-              <a:t>Simulation Results of Protocols</a:t>
-            </a:r>
-            <a:endParaRPr lang="en-US" noProof="0"/>
-          </a:p>
-        </p:txBody>
-      </p:sp>
-      <p:sp>
-        <p:nvSpPr>
-          <p:cNvPr id="3" name="Content Placeholder 2"/>
-          <p:cNvSpPr>
-            <a:spLocks noGrp="1"/>
-          </p:cNvSpPr>
-          <p:nvPr>
-            <p:ph idx="1"/>
-          </p:nvPr>
-        </p:nvSpPr>
-        <p:spPr>
-          <a:xfrm>
-            <a:off x="457200" y="1600201"/>
-            <a:ext cx="8229600" cy="1114420"/>
-          </a:xfrm>
-        </p:spPr>
-        <p:txBody>
-          <a:bodyPr/>
-          <a:lstStyle/>
-          <a:p>
-            <a:r>
-              <a:rPr lang="en-US" noProof="0" smtClean="0"/>
-              <a:t>Real-Life Scenario Simulation Result for Reuse of a Connection Card Protocol</a:t>
-            </a:r>
-          </a:p>
-          <a:p>
-            <a:endParaRPr lang="en-US" noProof="0"/>
-          </a:p>
-        </p:txBody>
-      </p:sp>
-      <p:pic>
-        <p:nvPicPr>
-          <p:cNvPr id="5" name="Picture 4" descr="C:\Users\SUUSER\Documents\GitHub\worddoc\thesisImages\realSimNewDrawings\reuseLargeSon.png"/>
-          <p:cNvPicPr/>
-          <p:nvPr/>
-        </p:nvPicPr>
-        <p:blipFill>
-          <a:blip r:embed="rId2" cstate="print"/>
-          <a:srcRect/>
-          <a:stretch>
-            <a:fillRect/>
-          </a:stretch>
-        </p:blipFill>
-        <p:spPr bwMode="auto">
-          <a:xfrm>
-            <a:off x="1704975" y="2900139"/>
-            <a:ext cx="5734050" cy="2905125"/>
-          </a:xfrm>
-          <a:prstGeom prst="rect">
-            <a:avLst/>
-          </a:prstGeom>
-          <a:noFill/>
-          <a:ln w="9525">
-            <a:noFill/>
-            <a:miter lim="800000"/>
-            <a:headEnd/>
-            <a:tailEnd/>
-          </a:ln>
-        </p:spPr>
-      </p:pic>
+      <p:sp>
+        <p:nvSpPr>
+          <p:cNvPr id="8" name="Slide Number Placeholder 7"/>
+          <p:cNvSpPr>
+            <a:spLocks noGrp="1"/>
+          </p:cNvSpPr>
+          <p:nvPr>
+            <p:ph type="sldNum" sz="quarter" idx="12"/>
+          </p:nvPr>
+        </p:nvSpPr>
+        <p:spPr/>
+        <p:txBody>
+          <a:bodyPr/>
+          <a:lstStyle/>
+          <a:p>
+            <a:fld id="{CC32927E-8736-45CF-A6F9-390382C66E11}" type="slidenum">
+              <a:rPr lang="en-US" smtClean="0"/>
+              <a:pPr/>
+              <a:t>27</a:t>
+            </a:fld>
+            <a:endParaRPr lang="en-US" dirty="0"/>
+          </a:p>
+        </p:txBody>
+      </p:sp>
     </p:spTree>
   </p:cSld>
   <p:clrMapOvr>
@@ -7062,10 +7469,10 @@
           <a:lstStyle/>
           <a:p>
             <a:r>
-              <a:rPr lang="en-US" noProof="0" smtClean="0"/>
-              <a:t>Simulation Results of Protocols</a:t>
-            </a:r>
-            <a:endParaRPr lang="en-US" noProof="0"/>
+              <a:rPr lang="en-US" noProof="0" dirty="0" smtClean="0"/>
+              <a:t>Mobility</a:t>
+            </a:r>
+            <a:endParaRPr lang="en-US" noProof="0" dirty="0"/>
           </a:p>
         </p:txBody>
       </p:sp>
@@ -7082,24 +7489,26 @@
         <p:spPr>
           <a:xfrm>
             <a:off x="457200" y="1600201"/>
-            <a:ext cx="8229600" cy="1114420"/>
+            <a:ext cx="8229600" cy="1971676"/>
           </a:xfrm>
         </p:spPr>
         <p:txBody>
-          <a:bodyPr/>
-          <a:lstStyle/>
-          <a:p>
-            <a:r>
-              <a:rPr lang="en-US" noProof="0" smtClean="0"/>
-              <a:t>Real-Life Scenario Simulation Result for Changing Alias</a:t>
-            </a:r>
-            <a:endParaRPr lang="en-US" noProof="0"/>
+          <a:bodyPr>
+            <a:normAutofit lnSpcReduction="10000"/>
+          </a:bodyPr>
+          <a:lstStyle/>
+          <a:p>
+            <a:r>
+              <a:rPr lang="en-US" noProof="0" dirty="0" smtClean="0"/>
+              <a:t>Clients move on a grid, to reach a randomly selected destination. The speed and the distance to destination differ according to client’s type.</a:t>
+            </a:r>
+            <a:endParaRPr lang="en-US" noProof="0" dirty="0"/>
           </a:p>
         </p:txBody>
       </p:sp>
       <p:pic>
         <p:nvPicPr>
-          <p:cNvPr id="5" name="Picture 4" descr="C:\Users\SUUSER\Documents\GitHub\worddoc\thesisImages\realSimNewDrawings\changeAliasLargeSon.png"/>
+          <p:cNvPr id="4" name="Picture 3" descr="C:\Users\SUUSER\Desktop\paper images\protocols\mobility.png"/>
           <p:cNvPicPr/>
           <p:nvPr/>
         </p:nvPicPr>
@@ -7112,8 +7521,8 @@
         </p:blipFill>
         <p:spPr bwMode="auto">
           <a:xfrm>
-            <a:off x="1709737" y="2981672"/>
-            <a:ext cx="5724525" cy="2895600"/>
+            <a:off x="2571736" y="3429000"/>
+            <a:ext cx="4000528" cy="3429000"/>
           </a:xfrm>
           <a:prstGeom prst="rect">
             <a:avLst/>
@@ -7127,6 +7536,30 @@
           </a:ln>
         </p:spPr>
       </p:pic>
+      <p:sp>
+        <p:nvSpPr>
+          <p:cNvPr id="5" name="Slide Number Placeholder 4"/>
+          <p:cNvSpPr>
+            <a:spLocks noGrp="1"/>
+          </p:cNvSpPr>
+          <p:nvPr>
+            <p:ph type="sldNum" sz="quarter" idx="12"/>
+          </p:nvPr>
+        </p:nvSpPr>
+        <p:spPr/>
+        <p:txBody>
+          <a:bodyPr/>
+          <a:lstStyle/>
+          <a:p>
+            <a:fld id="{CC32927E-8736-45CF-A6F9-390382C66E11}" type="slidenum">
+              <a:rPr lang="en-US" smtClean="0"/>
+              <a:pPr/>
+              <a:t>28</a:t>
+            </a:fld>
+            <a:endParaRPr lang="en-US" dirty="0"/>
+          </a:p>
+        </p:txBody>
+      </p:sp>
     </p:spTree>
   </p:cSld>
   <p:clrMapOvr>
@@ -7175,10 +7608,10 @@
           <a:lstStyle/>
           <a:p>
             <a:r>
-              <a:rPr lang="en-US" noProof="0" smtClean="0"/>
+              <a:rPr lang="en-US" noProof="0" dirty="0" smtClean="0"/>
               <a:t>Simulation Results of Protocols</a:t>
             </a:r>
-            <a:endParaRPr lang="en-US" noProof="0"/>
+            <a:endParaRPr lang="en-US" noProof="0" dirty="0"/>
           </a:p>
         </p:txBody>
       </p:sp>
@@ -7195,29 +7628,50 @@
         <p:spPr>
           <a:xfrm>
             <a:off x="457200" y="1600201"/>
-            <a:ext cx="8229600" cy="1042982"/>
+            <a:ext cx="8229600" cy="1114420"/>
           </a:xfrm>
         </p:spPr>
         <p:txBody>
-          <a:bodyPr>
-            <a:normAutofit lnSpcReduction="10000"/>
-          </a:bodyPr>
-          <a:lstStyle/>
-          <a:p>
-            <a:r>
-              <a:rPr lang="en-US" noProof="0" smtClean="0"/>
-              <a:t>Real-Life Scenario Simulation Result for Disconnection</a:t>
-            </a:r>
-          </a:p>
-          <a:p>
-            <a:endParaRPr lang="en-US" noProof="0"/>
+          <a:bodyPr/>
+          <a:lstStyle/>
+          <a:p>
+            <a:r>
+              <a:rPr lang="en-US" noProof="0" dirty="0" smtClean="0"/>
+              <a:t>Real-Life Scenario Simulation Result for Initial Authorization Protocol</a:t>
+            </a:r>
+          </a:p>
+        </p:txBody>
+      </p:sp>
+      <p:sp>
+        <p:nvSpPr>
+          <p:cNvPr id="6" name="Slide Number Placeholder 5"/>
+          <p:cNvSpPr>
+            <a:spLocks noGrp="1"/>
+          </p:cNvSpPr>
+          <p:nvPr>
+            <p:ph type="sldNum" sz="quarter" idx="12"/>
+          </p:nvPr>
+        </p:nvSpPr>
+        <p:spPr/>
+        <p:txBody>
+          <a:bodyPr/>
+          <a:lstStyle/>
+          <a:p>
+            <a:fld id="{CC32927E-8736-45CF-A6F9-390382C66E11}" type="slidenum">
+              <a:rPr lang="en-US" smtClean="0"/>
+              <a:pPr/>
+              <a:t>29</a:t>
+            </a:fld>
+            <a:endParaRPr lang="en-US" dirty="0"/>
           </a:p>
         </p:txBody>
       </p:sp>
       <p:pic>
         <p:nvPicPr>
-          <p:cNvPr id="5" name="Picture 4" descr="C:\Users\SUUSER\Documents\GitHub\worddoc\thesisImages\realSimNewDrawings\disconnectionLargeSon.png"/>
-          <p:cNvPicPr/>
+          <p:cNvPr id="28674" name="Picture 2" descr="C:\Users\SUUSER\Documents\GitHub\worddoc\thesisImages\realSimNewDrawings\initAuthLargeSon.png"/>
+          <p:cNvPicPr>
+            <a:picLocks noChangeAspect="1" noChangeArrowheads="1"/>
+          </p:cNvPicPr>
           <p:nvPr/>
         </p:nvPicPr>
         <p:blipFill>
@@ -7229,19 +7683,13 @@
         </p:blipFill>
         <p:spPr bwMode="auto">
           <a:xfrm>
-            <a:off x="1709737" y="2866231"/>
-            <a:ext cx="5724525" cy="2867025"/>
+            <a:off x="1214414" y="2786058"/>
+            <a:ext cx="6909216" cy="3498864"/>
           </a:xfrm>
           <a:prstGeom prst="rect">
             <a:avLst/>
           </a:prstGeom>
           <a:noFill/>
-          <a:ln w="9525">
-            <a:noFill/>
-            <a:miter lim="800000"/>
-            <a:headEnd/>
-            <a:tailEnd/>
-          </a:ln>
         </p:spPr>
       </p:pic>
     </p:spTree>
@@ -7295,7 +7743,7 @@
               <a:rPr lang="en-US" noProof="0" dirty="0" smtClean="0">
                 <a:cs typeface="Arial"/>
               </a:rPr>
-              <a:t>Thesis in a Nutshell</a:t>
+              <a:t>Thesis Description in a Nutshell</a:t>
             </a:r>
             <a:endParaRPr lang="en-US" noProof="0" dirty="0">
               <a:cs typeface="Arial"/>
@@ -7316,7 +7764,7 @@
         <p:spPr/>
         <p:txBody>
           <a:bodyPr>
-            <a:normAutofit lnSpcReduction="10000"/>
+            <a:normAutofit/>
           </a:bodyPr>
           <a:lstStyle/>
           <a:p>
@@ -7333,22 +7781,6 @@
                 <a:cs typeface="Arial"/>
               </a:rPr>
               <a:t>This scheme will be particularly for Wireless Mesh Networks with multiple operators.</a:t>
-            </a:r>
-          </a:p>
-          <a:p>
-            <a:r>
-              <a:rPr lang="en-US" dirty="0" smtClean="0">
-                <a:cs typeface="Arial"/>
-              </a:rPr>
-              <a:t>Proposed scheme provides privacy and untraceability.</a:t>
-            </a:r>
-          </a:p>
-          <a:p>
-            <a:r>
-              <a:rPr lang="en-US" noProof="0" dirty="0" smtClean="0">
-                <a:cs typeface="Arial"/>
-              </a:rPr>
-              <a:t>System performance is evaluated using network simulations.</a:t>
             </a:r>
             <a:endParaRPr lang="en-US" noProof="0" dirty="0">
               <a:cs typeface="Arial"/>
@@ -7383,7 +7815,7 @@
     </p:spTree>
     <p:extLst>
       <p:ext uri="{BB962C8B-B14F-4D97-AF65-F5344CB8AC3E}">
-        <p14:creationId xmlns:p14="http://schemas.microsoft.com/office/powerpoint/2010/main" xmlns="" val="2774399580"/>
+        <p14:creationId xmlns="" xmlns:p14="http://schemas.microsoft.com/office/powerpoint/2010/main" val="2774399580"/>
       </p:ext>
     </p:extLst>
   </p:cSld>
@@ -7433,10 +7865,10 @@
           <a:lstStyle/>
           <a:p>
             <a:r>
-              <a:rPr lang="en-US" noProof="0" smtClean="0"/>
+              <a:rPr lang="en-US" noProof="0" dirty="0" smtClean="0"/>
               <a:t>Simulation Results of Protocols</a:t>
             </a:r>
-            <a:endParaRPr lang="en-US" noProof="0"/>
+            <a:endParaRPr lang="en-US" noProof="0" dirty="0"/>
           </a:p>
         </p:txBody>
       </p:sp>
@@ -7453,27 +7885,53 @@
         <p:spPr>
           <a:xfrm>
             <a:off x="457200" y="1600201"/>
-            <a:ext cx="8229600" cy="1042982"/>
+            <a:ext cx="8229600" cy="1114420"/>
           </a:xfrm>
         </p:spPr>
         <p:txBody>
-          <a:bodyPr>
-            <a:normAutofit lnSpcReduction="10000"/>
-          </a:bodyPr>
-          <a:lstStyle/>
-          <a:p>
-            <a:r>
-              <a:rPr lang="en-US" noProof="0" smtClean="0"/>
-              <a:t>Real-Life Scenario Simulation Result for Seamless Mobility in Home Operator Protocol</a:t>
-            </a:r>
-            <a:endParaRPr lang="en-US" noProof="0"/>
+          <a:bodyPr/>
+          <a:lstStyle/>
+          <a:p>
+            <a:r>
+              <a:rPr lang="en-US" noProof="0" dirty="0" smtClean="0"/>
+              <a:t>Real-Life Scenario Simulation Result for Reuse of a Connection Card Protocol</a:t>
+            </a:r>
+          </a:p>
+          <a:p>
+            <a:endParaRPr lang="en-US" noProof="0" dirty="0"/>
+          </a:p>
+        </p:txBody>
+      </p:sp>
+      <p:sp>
+        <p:nvSpPr>
+          <p:cNvPr id="6" name="Slide Number Placeholder 5"/>
+          <p:cNvSpPr>
+            <a:spLocks noGrp="1"/>
+          </p:cNvSpPr>
+          <p:nvPr>
+            <p:ph type="sldNum" sz="quarter" idx="12"/>
+          </p:nvPr>
+        </p:nvSpPr>
+        <p:spPr/>
+        <p:txBody>
+          <a:bodyPr/>
+          <a:lstStyle/>
+          <a:p>
+            <a:fld id="{CC32927E-8736-45CF-A6F9-390382C66E11}" type="slidenum">
+              <a:rPr lang="en-US" smtClean="0"/>
+              <a:pPr/>
+              <a:t>30</a:t>
+            </a:fld>
+            <a:endParaRPr lang="en-US" dirty="0"/>
           </a:p>
         </p:txBody>
       </p:sp>
       <p:pic>
         <p:nvPicPr>
-          <p:cNvPr id="5" name="Picture 4" descr="C:\Users\SUUSER\Documents\GitHub\worddoc\thesisImages\realSimNewDrawings\seamlessMobLargeSon.png"/>
-          <p:cNvPicPr/>
+          <p:cNvPr id="29698" name="Picture 2" descr="C:\Users\SUUSER\Documents\GitHub\worddoc\thesisImages\realSimNewDrawings\reuseLargeSon.png"/>
+          <p:cNvPicPr>
+            <a:picLocks noChangeAspect="1" noChangeArrowheads="1"/>
+          </p:cNvPicPr>
           <p:nvPr/>
         </p:nvPicPr>
         <p:blipFill>
@@ -7485,19 +7943,13 @@
         </p:blipFill>
         <p:spPr bwMode="auto">
           <a:xfrm>
-            <a:off x="1709737" y="2991197"/>
-            <a:ext cx="5724525" cy="2886075"/>
+            <a:off x="928662" y="2786058"/>
+            <a:ext cx="7092953" cy="3594546"/>
           </a:xfrm>
           <a:prstGeom prst="rect">
             <a:avLst/>
           </a:prstGeom>
           <a:noFill/>
-          <a:ln w="9525">
-            <a:noFill/>
-            <a:miter lim="800000"/>
-            <a:headEnd/>
-            <a:tailEnd/>
-          </a:ln>
         </p:spPr>
       </p:pic>
     </p:spTree>
@@ -7548,10 +8000,10 @@
           <a:lstStyle/>
           <a:p>
             <a:r>
-              <a:rPr lang="en-US" noProof="0" smtClean="0"/>
+              <a:rPr lang="en-US" noProof="0" dirty="0" smtClean="0"/>
               <a:t>Simulation Results of Protocols</a:t>
             </a:r>
-            <a:endParaRPr lang="en-US" noProof="0"/>
+            <a:endParaRPr lang="en-US" noProof="0" dirty="0"/>
           </a:p>
         </p:txBody>
       </p:sp>
@@ -7568,27 +8020,51 @@
         <p:spPr>
           <a:xfrm>
             <a:off x="457200" y="1600201"/>
-            <a:ext cx="8229600" cy="1042982"/>
+            <a:ext cx="8229600" cy="1114420"/>
           </a:xfrm>
         </p:spPr>
         <p:txBody>
-          <a:bodyPr>
-            <a:normAutofit lnSpcReduction="10000"/>
-          </a:bodyPr>
-          <a:lstStyle/>
-          <a:p>
-            <a:r>
-              <a:rPr lang="en-US" noProof="0" smtClean="0"/>
-              <a:t>Real-Life Scenario Simulation Result for Roaming Protocol</a:t>
-            </a:r>
-            <a:endParaRPr lang="en-US" noProof="0"/>
+          <a:bodyPr/>
+          <a:lstStyle/>
+          <a:p>
+            <a:r>
+              <a:rPr lang="en-US" noProof="0" dirty="0" smtClean="0"/>
+              <a:t>Real-Life Scenario Simulation Result for Changing Alias</a:t>
+            </a:r>
+            <a:endParaRPr lang="en-US" noProof="0" dirty="0"/>
+          </a:p>
+        </p:txBody>
+      </p:sp>
+      <p:sp>
+        <p:nvSpPr>
+          <p:cNvPr id="6" name="Slide Number Placeholder 5"/>
+          <p:cNvSpPr>
+            <a:spLocks noGrp="1"/>
+          </p:cNvSpPr>
+          <p:nvPr>
+            <p:ph type="sldNum" sz="quarter" idx="12"/>
+          </p:nvPr>
+        </p:nvSpPr>
+        <p:spPr/>
+        <p:txBody>
+          <a:bodyPr/>
+          <a:lstStyle/>
+          <a:p>
+            <a:fld id="{CC32927E-8736-45CF-A6F9-390382C66E11}" type="slidenum">
+              <a:rPr lang="en-US" smtClean="0"/>
+              <a:pPr/>
+              <a:t>31</a:t>
+            </a:fld>
+            <a:endParaRPr lang="en-US" dirty="0"/>
           </a:p>
         </p:txBody>
       </p:sp>
       <p:pic>
         <p:nvPicPr>
-          <p:cNvPr id="6" name="Picture 5" descr="C:\Users\SUUSER\Documents\GitHub\worddoc\thesisImages\realSimNewDrawings\roamingLargeSon.png"/>
-          <p:cNvPicPr/>
+          <p:cNvPr id="30722" name="Picture 2" descr="C:\Users\SUUSER\Documents\GitHub\worddoc\thesisImages\realSimNewDrawings\changeAliasLargeSon.png"/>
+          <p:cNvPicPr>
+            <a:picLocks noChangeAspect="1" noChangeArrowheads="1"/>
+          </p:cNvPicPr>
           <p:nvPr/>
         </p:nvPicPr>
         <p:blipFill>
@@ -7600,19 +8076,13 @@
         </p:blipFill>
         <p:spPr bwMode="auto">
           <a:xfrm>
-            <a:off x="1709737" y="3053680"/>
-            <a:ext cx="5724525" cy="2895600"/>
+            <a:off x="857224" y="2786058"/>
+            <a:ext cx="7581007" cy="3827470"/>
           </a:xfrm>
           <a:prstGeom prst="rect">
             <a:avLst/>
           </a:prstGeom>
           <a:noFill/>
-          <a:ln w="9525">
-            <a:noFill/>
-            <a:miter lim="800000"/>
-            <a:headEnd/>
-            <a:tailEnd/>
-          </a:ln>
         </p:spPr>
       </p:pic>
     </p:spTree>
@@ -7663,10 +8133,10 @@
           <a:lstStyle/>
           <a:p>
             <a:r>
-              <a:rPr lang="en-US" noProof="0" smtClean="0"/>
+              <a:rPr lang="en-US" noProof="0" dirty="0" smtClean="0"/>
               <a:t>Simulation Results of Protocols</a:t>
             </a:r>
-            <a:endParaRPr lang="en-US" noProof="0"/>
+            <a:endParaRPr lang="en-US" noProof="0" dirty="0"/>
           </a:p>
         </p:txBody>
       </p:sp>
@@ -7693,19 +8163,45 @@
           <a:lstStyle/>
           <a:p>
             <a:r>
-              <a:rPr lang="en-US" noProof="0" smtClean="0"/>
-              <a:t>Real-Life Scenario Simulation Result for Packet Transfer</a:t>
-            </a:r>
-          </a:p>
-          <a:p>
-            <a:endParaRPr lang="en-US" noProof="0"/>
+              <a:rPr lang="en-US" noProof="0" dirty="0" smtClean="0"/>
+              <a:t>Real-Life Scenario Simulation Result for Disconnection</a:t>
+            </a:r>
+          </a:p>
+          <a:p>
+            <a:endParaRPr lang="en-US" noProof="0" dirty="0"/>
+          </a:p>
+        </p:txBody>
+      </p:sp>
+      <p:sp>
+        <p:nvSpPr>
+          <p:cNvPr id="6" name="Slide Number Placeholder 5"/>
+          <p:cNvSpPr>
+            <a:spLocks noGrp="1"/>
+          </p:cNvSpPr>
+          <p:nvPr>
+            <p:ph type="sldNum" sz="quarter" idx="12"/>
+          </p:nvPr>
+        </p:nvSpPr>
+        <p:spPr/>
+        <p:txBody>
+          <a:bodyPr/>
+          <a:lstStyle/>
+          <a:p>
+            <a:fld id="{CC32927E-8736-45CF-A6F9-390382C66E11}" type="slidenum">
+              <a:rPr lang="en-US" smtClean="0"/>
+              <a:pPr/>
+              <a:t>32</a:t>
+            </a:fld>
+            <a:endParaRPr lang="en-US" dirty="0"/>
           </a:p>
         </p:txBody>
       </p:sp>
       <p:pic>
         <p:nvPicPr>
-          <p:cNvPr id="4" name="Picture 3" descr="C:\Users\SUUSER\Desktop\finalResults\packettransfer.png"/>
-          <p:cNvPicPr/>
+          <p:cNvPr id="31746" name="Picture 2" descr="C:\Users\SUUSER\Documents\GitHub\worddoc\thesisImages\realSimNewDrawings\disconnectionLargeSon.png"/>
+          <p:cNvPicPr>
+            <a:picLocks noChangeAspect="1" noChangeArrowheads="1"/>
+          </p:cNvPicPr>
           <p:nvPr/>
         </p:nvPicPr>
         <p:blipFill>
@@ -7717,19 +8213,13 @@
         </p:blipFill>
         <p:spPr bwMode="auto">
           <a:xfrm>
-            <a:off x="1285852" y="2643182"/>
-            <a:ext cx="6791353" cy="4010043"/>
+            <a:off x="785786" y="2571744"/>
+            <a:ext cx="7958147" cy="3988029"/>
           </a:xfrm>
           <a:prstGeom prst="rect">
             <a:avLst/>
           </a:prstGeom>
           <a:noFill/>
-          <a:ln w="9525">
-            <a:noFill/>
-            <a:miter lim="800000"/>
-            <a:headEnd/>
-            <a:tailEnd/>
-          </a:ln>
         </p:spPr>
       </p:pic>
     </p:spTree>
@@ -7780,10 +8270,417 @@
           <a:lstStyle/>
           <a:p>
             <a:r>
-              <a:rPr lang="en-US" noProof="0" smtClean="0"/>
+              <a:rPr lang="en-US" noProof="0" dirty="0" smtClean="0"/>
+              <a:t>Simulation Results of Protocols</a:t>
+            </a:r>
+            <a:endParaRPr lang="en-US" noProof="0" dirty="0"/>
+          </a:p>
+        </p:txBody>
+      </p:sp>
+      <p:sp>
+        <p:nvSpPr>
+          <p:cNvPr id="3" name="Content Placeholder 2"/>
+          <p:cNvSpPr>
+            <a:spLocks noGrp="1"/>
+          </p:cNvSpPr>
+          <p:nvPr>
+            <p:ph idx="1"/>
+          </p:nvPr>
+        </p:nvSpPr>
+        <p:spPr>
+          <a:xfrm>
+            <a:off x="457200" y="1600201"/>
+            <a:ext cx="8229600" cy="1042982"/>
+          </a:xfrm>
+        </p:spPr>
+        <p:txBody>
+          <a:bodyPr>
+            <a:normAutofit lnSpcReduction="10000"/>
+          </a:bodyPr>
+          <a:lstStyle/>
+          <a:p>
+            <a:r>
+              <a:rPr lang="en-US" noProof="0" dirty="0" smtClean="0"/>
+              <a:t>Real-Life Scenario Simulation Result for Seamless Mobility in Home Operator Protocol</a:t>
+            </a:r>
+            <a:endParaRPr lang="en-US" noProof="0" dirty="0"/>
+          </a:p>
+        </p:txBody>
+      </p:sp>
+      <p:sp>
+        <p:nvSpPr>
+          <p:cNvPr id="6" name="Slide Number Placeholder 5"/>
+          <p:cNvSpPr>
+            <a:spLocks noGrp="1"/>
+          </p:cNvSpPr>
+          <p:nvPr>
+            <p:ph type="sldNum" sz="quarter" idx="12"/>
+          </p:nvPr>
+        </p:nvSpPr>
+        <p:spPr/>
+        <p:txBody>
+          <a:bodyPr/>
+          <a:lstStyle/>
+          <a:p>
+            <a:fld id="{CC32927E-8736-45CF-A6F9-390382C66E11}" type="slidenum">
+              <a:rPr lang="en-US" smtClean="0"/>
+              <a:pPr/>
+              <a:t>33</a:t>
+            </a:fld>
+            <a:endParaRPr lang="en-US" dirty="0"/>
+          </a:p>
+        </p:txBody>
+      </p:sp>
+      <p:pic>
+        <p:nvPicPr>
+          <p:cNvPr id="32770" name="Picture 2" descr="C:\Users\SUUSER\Documents\GitHub\worddoc\thesisImages\realSimNewDrawings\seamlessMobLargeSon.png"/>
+          <p:cNvPicPr>
+            <a:picLocks noChangeAspect="1" noChangeArrowheads="1"/>
+          </p:cNvPicPr>
+          <p:nvPr/>
+        </p:nvPicPr>
+        <p:blipFill>
+          <a:blip r:embed="rId2" cstate="print"/>
+          <a:srcRect/>
+          <a:stretch>
+            <a:fillRect/>
+          </a:stretch>
+        </p:blipFill>
+        <p:spPr bwMode="auto">
+          <a:xfrm>
+            <a:off x="928662" y="2643182"/>
+            <a:ext cx="7431093" cy="3751891"/>
+          </a:xfrm>
+          <a:prstGeom prst="rect">
+            <a:avLst/>
+          </a:prstGeom>
+          <a:noFill/>
+        </p:spPr>
+      </p:pic>
+    </p:spTree>
+  </p:cSld>
+  <p:clrMapOvr>
+    <a:masterClrMapping/>
+  </p:clrMapOvr>
+  <p:timing>
+    <p:tnLst>
+      <p:par>
+        <p:cTn id="1" dur="indefinite" restart="never" nodeType="tmRoot"/>
+      </p:par>
+    </p:tnLst>
+  </p:timing>
+</p:sld>
+</file>
+
+<file path=ppt/slides/slide34.xml><?xml version="1.0" encoding="utf-8"?>
+<p:sld xmlns:a="http://schemas.openxmlformats.org/drawingml/2006/main" xmlns:r="http://schemas.openxmlformats.org/officeDocument/2006/relationships" xmlns:p="http://schemas.openxmlformats.org/presentationml/2006/main">
+  <p:cSld>
+    <p:spTree>
+      <p:nvGrpSpPr>
+        <p:cNvPr id="1" name=""/>
+        <p:cNvGrpSpPr/>
+        <p:nvPr/>
+      </p:nvGrpSpPr>
+      <p:grpSpPr>
+        <a:xfrm>
+          <a:off x="0" y="0"/>
+          <a:ext cx="0" cy="0"/>
+          <a:chOff x="0" y="0"/>
+          <a:chExt cx="0" cy="0"/>
+        </a:xfrm>
+      </p:grpSpPr>
+      <p:sp>
+        <p:nvSpPr>
+          <p:cNvPr id="2" name="Title 1"/>
+          <p:cNvSpPr>
+            <a:spLocks noGrp="1"/>
+          </p:cNvSpPr>
+          <p:nvPr>
+            <p:ph type="title"/>
+          </p:nvPr>
+        </p:nvSpPr>
+        <p:spPr/>
+        <p:txBody>
+          <a:bodyPr/>
+          <a:lstStyle/>
+          <a:p>
+            <a:r>
+              <a:rPr lang="en-US" noProof="0" dirty="0" smtClean="0"/>
+              <a:t>Simulation Results of Protocols</a:t>
+            </a:r>
+            <a:endParaRPr lang="en-US" noProof="0" dirty="0"/>
+          </a:p>
+        </p:txBody>
+      </p:sp>
+      <p:sp>
+        <p:nvSpPr>
+          <p:cNvPr id="3" name="Content Placeholder 2"/>
+          <p:cNvSpPr>
+            <a:spLocks noGrp="1"/>
+          </p:cNvSpPr>
+          <p:nvPr>
+            <p:ph idx="1"/>
+          </p:nvPr>
+        </p:nvSpPr>
+        <p:spPr>
+          <a:xfrm>
+            <a:off x="457200" y="1600201"/>
+            <a:ext cx="8229600" cy="1042982"/>
+          </a:xfrm>
+        </p:spPr>
+        <p:txBody>
+          <a:bodyPr>
+            <a:normAutofit lnSpcReduction="10000"/>
+          </a:bodyPr>
+          <a:lstStyle/>
+          <a:p>
+            <a:r>
+              <a:rPr lang="en-US" noProof="0" dirty="0" smtClean="0"/>
+              <a:t>Real-Life Scenario Simulation Result for Roaming Protocol</a:t>
+            </a:r>
+            <a:endParaRPr lang="en-US" noProof="0" dirty="0"/>
+          </a:p>
+        </p:txBody>
+      </p:sp>
+      <p:sp>
+        <p:nvSpPr>
+          <p:cNvPr id="5" name="Slide Number Placeholder 4"/>
+          <p:cNvSpPr>
+            <a:spLocks noGrp="1"/>
+          </p:cNvSpPr>
+          <p:nvPr>
+            <p:ph type="sldNum" sz="quarter" idx="12"/>
+          </p:nvPr>
+        </p:nvSpPr>
+        <p:spPr/>
+        <p:txBody>
+          <a:bodyPr/>
+          <a:lstStyle/>
+          <a:p>
+            <a:fld id="{CC32927E-8736-45CF-A6F9-390382C66E11}" type="slidenum">
+              <a:rPr lang="en-US" smtClean="0"/>
+              <a:pPr/>
+              <a:t>34</a:t>
+            </a:fld>
+            <a:endParaRPr lang="en-US" dirty="0"/>
+          </a:p>
+        </p:txBody>
+      </p:sp>
+      <p:pic>
+        <p:nvPicPr>
+          <p:cNvPr id="33794" name="Picture 2" descr="C:\Users\SUUSER\Documents\GitHub\worddoc\thesisImages\realSimNewDrawings\roamingLargeSon.png"/>
+          <p:cNvPicPr>
+            <a:picLocks noChangeAspect="1" noChangeArrowheads="1"/>
+          </p:cNvPicPr>
+          <p:nvPr/>
+        </p:nvPicPr>
+        <p:blipFill>
+          <a:blip r:embed="rId2" cstate="print"/>
+          <a:srcRect/>
+          <a:stretch>
+            <a:fillRect/>
+          </a:stretch>
+        </p:blipFill>
+        <p:spPr bwMode="auto">
+          <a:xfrm>
+            <a:off x="928662" y="2714620"/>
+            <a:ext cx="7234237" cy="3655136"/>
+          </a:xfrm>
+          <a:prstGeom prst="rect">
+            <a:avLst/>
+          </a:prstGeom>
+          <a:noFill/>
+        </p:spPr>
+      </p:pic>
+    </p:spTree>
+  </p:cSld>
+  <p:clrMapOvr>
+    <a:masterClrMapping/>
+  </p:clrMapOvr>
+  <p:timing>
+    <p:tnLst>
+      <p:par>
+        <p:cTn id="1" dur="indefinite" restart="never" nodeType="tmRoot"/>
+      </p:par>
+    </p:tnLst>
+  </p:timing>
+</p:sld>
+</file>
+
+<file path=ppt/slides/slide35.xml><?xml version="1.0" encoding="utf-8"?>
+<p:sld xmlns:a="http://schemas.openxmlformats.org/drawingml/2006/main" xmlns:r="http://schemas.openxmlformats.org/officeDocument/2006/relationships" xmlns:p="http://schemas.openxmlformats.org/presentationml/2006/main">
+  <p:cSld>
+    <p:spTree>
+      <p:nvGrpSpPr>
+        <p:cNvPr id="1" name=""/>
+        <p:cNvGrpSpPr/>
+        <p:nvPr/>
+      </p:nvGrpSpPr>
+      <p:grpSpPr>
+        <a:xfrm>
+          <a:off x="0" y="0"/>
+          <a:ext cx="0" cy="0"/>
+          <a:chOff x="0" y="0"/>
+          <a:chExt cx="0" cy="0"/>
+        </a:xfrm>
+      </p:grpSpPr>
+      <p:sp>
+        <p:nvSpPr>
+          <p:cNvPr id="2" name="Title 1"/>
+          <p:cNvSpPr>
+            <a:spLocks noGrp="1"/>
+          </p:cNvSpPr>
+          <p:nvPr>
+            <p:ph type="title"/>
+          </p:nvPr>
+        </p:nvSpPr>
+        <p:spPr/>
+        <p:txBody>
+          <a:bodyPr/>
+          <a:lstStyle/>
+          <a:p>
+            <a:r>
+              <a:rPr lang="en-US" noProof="0" dirty="0" smtClean="0"/>
+              <a:t>Simulation Results of Protocols</a:t>
+            </a:r>
+            <a:endParaRPr lang="en-US" noProof="0" dirty="0"/>
+          </a:p>
+        </p:txBody>
+      </p:sp>
+      <p:sp>
+        <p:nvSpPr>
+          <p:cNvPr id="3" name="Content Placeholder 2"/>
+          <p:cNvSpPr>
+            <a:spLocks noGrp="1"/>
+          </p:cNvSpPr>
+          <p:nvPr>
+            <p:ph idx="1"/>
+          </p:nvPr>
+        </p:nvSpPr>
+        <p:spPr>
+          <a:xfrm>
+            <a:off x="457200" y="1600201"/>
+            <a:ext cx="8229600" cy="1042982"/>
+          </a:xfrm>
+        </p:spPr>
+        <p:txBody>
+          <a:bodyPr>
+            <a:normAutofit lnSpcReduction="10000"/>
+          </a:bodyPr>
+          <a:lstStyle/>
+          <a:p>
+            <a:r>
+              <a:rPr lang="en-US" noProof="0" dirty="0" smtClean="0"/>
+              <a:t>Real-Life Scenario Simulation Result for Packet Transfer</a:t>
+            </a:r>
+          </a:p>
+          <a:p>
+            <a:endParaRPr lang="en-US" noProof="0" dirty="0"/>
+          </a:p>
+        </p:txBody>
+      </p:sp>
+      <p:sp>
+        <p:nvSpPr>
+          <p:cNvPr id="5" name="Slide Number Placeholder 4"/>
+          <p:cNvSpPr>
+            <a:spLocks noGrp="1"/>
+          </p:cNvSpPr>
+          <p:nvPr>
+            <p:ph type="sldNum" sz="quarter" idx="12"/>
+          </p:nvPr>
+        </p:nvSpPr>
+        <p:spPr/>
+        <p:txBody>
+          <a:bodyPr/>
+          <a:lstStyle/>
+          <a:p>
+            <a:fld id="{CC32927E-8736-45CF-A6F9-390382C66E11}" type="slidenum">
+              <a:rPr lang="en-US" smtClean="0"/>
+              <a:pPr/>
+              <a:t>35</a:t>
+            </a:fld>
+            <a:endParaRPr lang="en-US" dirty="0"/>
+          </a:p>
+        </p:txBody>
+      </p:sp>
+      <p:pic>
+        <p:nvPicPr>
+          <p:cNvPr id="34818" name="Picture 2" descr="C:\Users\SUUSER\Documents\GitHub\worddoc\thesisImages\realSimNewDrawings\packetTransferLargeSon.png"/>
+          <p:cNvPicPr>
+            <a:picLocks noChangeAspect="1" noChangeArrowheads="1"/>
+          </p:cNvPicPr>
+          <p:nvPr/>
+        </p:nvPicPr>
+        <p:blipFill>
+          <a:blip r:embed="rId2" cstate="print"/>
+          <a:srcRect/>
+          <a:stretch>
+            <a:fillRect/>
+          </a:stretch>
+        </p:blipFill>
+        <p:spPr bwMode="auto">
+          <a:xfrm>
+            <a:off x="1000100" y="2857496"/>
+            <a:ext cx="7029773" cy="3538547"/>
+          </a:xfrm>
+          <a:prstGeom prst="rect">
+            <a:avLst/>
+          </a:prstGeom>
+          <a:noFill/>
+        </p:spPr>
+      </p:pic>
+    </p:spTree>
+  </p:cSld>
+  <p:clrMapOvr>
+    <a:masterClrMapping/>
+  </p:clrMapOvr>
+  <p:timing>
+    <p:tnLst>
+      <p:par>
+        <p:cTn id="1" dur="indefinite" restart="never" nodeType="tmRoot"/>
+      </p:par>
+    </p:tnLst>
+  </p:timing>
+</p:sld>
+</file>
+
+<file path=ppt/slides/slide36.xml><?xml version="1.0" encoding="utf-8"?>
+<p:sld xmlns:a="http://schemas.openxmlformats.org/drawingml/2006/main" xmlns:r="http://schemas.openxmlformats.org/officeDocument/2006/relationships" xmlns:p="http://schemas.openxmlformats.org/presentationml/2006/main">
+  <p:cSld>
+    <p:spTree>
+      <p:nvGrpSpPr>
+        <p:cNvPr id="1" name=""/>
+        <p:cNvGrpSpPr/>
+        <p:nvPr/>
+      </p:nvGrpSpPr>
+      <p:grpSpPr>
+        <a:xfrm>
+          <a:off x="0" y="0"/>
+          <a:ext cx="0" cy="0"/>
+          <a:chOff x="0" y="0"/>
+          <a:chExt cx="0" cy="0"/>
+        </a:xfrm>
+      </p:grpSpPr>
+      <p:sp>
+        <p:nvSpPr>
+          <p:cNvPr id="2" name="Title 1"/>
+          <p:cNvSpPr>
+            <a:spLocks noGrp="1"/>
+          </p:cNvSpPr>
+          <p:nvPr>
+            <p:ph type="title"/>
+          </p:nvPr>
+        </p:nvSpPr>
+        <p:spPr/>
+        <p:txBody>
+          <a:bodyPr/>
+          <a:lstStyle/>
+          <a:p>
+            <a:r>
+              <a:rPr lang="en-US" noProof="0" dirty="0" smtClean="0"/>
               <a:t>Overall Burden of the System</a:t>
             </a:r>
-            <a:endParaRPr lang="en-US" noProof="0"/>
+            <a:endParaRPr lang="en-US" noProof="0" dirty="0"/>
           </a:p>
         </p:txBody>
       </p:sp>
@@ -7853,6 +8750,30 @@
           </a:ln>
         </p:spPr>
       </p:pic>
+      <p:sp>
+        <p:nvSpPr>
+          <p:cNvPr id="7" name="Slide Number Placeholder 6"/>
+          <p:cNvSpPr>
+            <a:spLocks noGrp="1"/>
+          </p:cNvSpPr>
+          <p:nvPr>
+            <p:ph type="sldNum" sz="quarter" idx="12"/>
+          </p:nvPr>
+        </p:nvSpPr>
+        <p:spPr/>
+        <p:txBody>
+          <a:bodyPr/>
+          <a:lstStyle/>
+          <a:p>
+            <a:fld id="{CC32927E-8736-45CF-A6F9-390382C66E11}" type="slidenum">
+              <a:rPr lang="en-US" smtClean="0"/>
+              <a:pPr/>
+              <a:t>36</a:t>
+            </a:fld>
+            <a:endParaRPr lang="en-US" dirty="0"/>
+          </a:p>
+        </p:txBody>
+      </p:sp>
     </p:spTree>
   </p:cSld>
   <p:clrMapOvr>
@@ -7868,7 +8789,7 @@
 </p:sld>
 </file>
 
-<file path=ppt/slides/slide34.xml><?xml version="1.0" encoding="utf-8"?>
+<file path=ppt/slides/slide37.xml><?xml version="1.0" encoding="utf-8"?>
 <p:sld xmlns:a="http://schemas.openxmlformats.org/drawingml/2006/main" xmlns:r="http://schemas.openxmlformats.org/officeDocument/2006/relationships" xmlns:p="http://schemas.openxmlformats.org/presentationml/2006/main">
   <p:cSld>
     <p:spTree>
@@ -7901,10 +8822,10 @@
           <a:lstStyle/>
           <a:p>
             <a:r>
-              <a:rPr lang="en-US" noProof="0" smtClean="0"/>
+              <a:rPr lang="en-US" noProof="0" dirty="0" smtClean="0"/>
               <a:t>Discussion</a:t>
             </a:r>
-            <a:endParaRPr lang="en-US" noProof="0"/>
+            <a:endParaRPr lang="en-US" noProof="0" dirty="0"/>
           </a:p>
         </p:txBody>
       </p:sp>
@@ -7931,45 +8852,69 @@
           <a:lstStyle/>
           <a:p>
             <a:r>
-              <a:rPr lang="en-US" noProof="0" smtClean="0"/>
+              <a:rPr lang="en-US" noProof="0" dirty="0" smtClean="0"/>
               <a:t>Wide Coverage</a:t>
             </a:r>
           </a:p>
           <a:p>
             <a:r>
-              <a:rPr lang="en-US" noProof="0" smtClean="0"/>
+              <a:rPr lang="en-US" noProof="0" dirty="0" smtClean="0"/>
               <a:t>Seamless Mobility and Roaming</a:t>
             </a:r>
           </a:p>
           <a:p>
             <a:r>
-              <a:rPr lang="en-US" noProof="0" smtClean="0"/>
+              <a:rPr lang="en-US" noProof="0" dirty="0" smtClean="0"/>
               <a:t>Anonymity</a:t>
             </a:r>
           </a:p>
           <a:p>
             <a:r>
-              <a:rPr lang="en-US" noProof="0" smtClean="0"/>
+              <a:rPr lang="en-US" noProof="0" dirty="0" smtClean="0"/>
               <a:t>Mutual authentication</a:t>
             </a:r>
           </a:p>
           <a:p>
             <a:r>
-              <a:rPr lang="en-US" noProof="0" smtClean="0"/>
+              <a:rPr lang="en-US" noProof="0" dirty="0" smtClean="0"/>
               <a:t>Two-way honesty</a:t>
             </a:r>
           </a:p>
           <a:p>
             <a:r>
-              <a:rPr lang="en-US" noProof="0" smtClean="0"/>
+              <a:rPr lang="en-US" noProof="0" dirty="0" smtClean="0"/>
               <a:t>Untraceability</a:t>
             </a:r>
           </a:p>
           <a:p>
             <a:r>
-              <a:rPr lang="en-US" noProof="0" smtClean="0"/>
+              <a:rPr lang="en-US" noProof="0" dirty="0" smtClean="0"/>
               <a:t>Performance</a:t>
             </a:r>
+          </a:p>
+        </p:txBody>
+      </p:sp>
+      <p:sp>
+        <p:nvSpPr>
+          <p:cNvPr id="4" name="Slide Number Placeholder 3"/>
+          <p:cNvSpPr>
+            <a:spLocks noGrp="1"/>
+          </p:cNvSpPr>
+          <p:nvPr>
+            <p:ph type="sldNum" sz="quarter" idx="12"/>
+          </p:nvPr>
+        </p:nvSpPr>
+        <p:spPr/>
+        <p:txBody>
+          <a:bodyPr/>
+          <a:lstStyle/>
+          <a:p>
+            <a:fld id="{CC32927E-8736-45CF-A6F9-390382C66E11}" type="slidenum">
+              <a:rPr lang="en-US" smtClean="0"/>
+              <a:pPr/>
+              <a:t>37</a:t>
+            </a:fld>
+            <a:endParaRPr lang="en-US" dirty="0"/>
           </a:p>
         </p:txBody>
       </p:sp>
@@ -7988,7 +8933,7 @@
 </p:sld>
 </file>
 
-<file path=ppt/slides/slide35.xml><?xml version="1.0" encoding="utf-8"?>
+<file path=ppt/slides/slide38.xml><?xml version="1.0" encoding="utf-8"?>
 <p:sld xmlns:a="http://schemas.openxmlformats.org/drawingml/2006/main" xmlns:r="http://schemas.openxmlformats.org/officeDocument/2006/relationships" xmlns:p="http://schemas.openxmlformats.org/presentationml/2006/main">
   <p:cSld>
     <p:spTree>
@@ -8021,10 +8966,10 @@
           <a:lstStyle/>
           <a:p>
             <a:r>
-              <a:rPr lang="en-US" noProof="0" smtClean="0"/>
+              <a:rPr lang="en-US" noProof="0" dirty="0" smtClean="0"/>
               <a:t>Conclusion</a:t>
             </a:r>
-            <a:endParaRPr lang="en-US" noProof="0"/>
+            <a:endParaRPr lang="en-US" noProof="0" dirty="0"/>
           </a:p>
         </p:txBody>
       </p:sp>
@@ -8071,6 +9016,30 @@
           </a:p>
           <a:p>
             <a:endParaRPr lang="en-US" noProof="0" dirty="0"/>
+          </a:p>
+        </p:txBody>
+      </p:sp>
+      <p:sp>
+        <p:nvSpPr>
+          <p:cNvPr id="4" name="Slide Number Placeholder 3"/>
+          <p:cNvSpPr>
+            <a:spLocks noGrp="1"/>
+          </p:cNvSpPr>
+          <p:nvPr>
+            <p:ph type="sldNum" sz="quarter" idx="12"/>
+          </p:nvPr>
+        </p:nvSpPr>
+        <p:spPr/>
+        <p:txBody>
+          <a:bodyPr/>
+          <a:lstStyle/>
+          <a:p>
+            <a:fld id="{CC32927E-8736-45CF-A6F9-390382C66E11}" type="slidenum">
+              <a:rPr lang="en-US" smtClean="0"/>
+              <a:pPr/>
+              <a:t>38</a:t>
+            </a:fld>
+            <a:endParaRPr lang="en-US" dirty="0"/>
           </a:p>
         </p:txBody>
       </p:sp>
@@ -8089,7 +9058,7 @@
 </p:sld>
 </file>
 
-<file path=ppt/slides/slide36.xml><?xml version="1.0" encoding="utf-8"?>
+<file path=ppt/slides/slide39.xml><?xml version="1.0" encoding="utf-8"?>
 <p:sld xmlns:a="http://schemas.openxmlformats.org/drawingml/2006/main" xmlns:r="http://schemas.openxmlformats.org/officeDocument/2006/relationships" xmlns:p="http://schemas.openxmlformats.org/presentationml/2006/main">
   <p:cSld>
     <p:spTree>
@@ -8148,6 +9117,30 @@
               <a:rPr lang="en-US" dirty="0" smtClean="0"/>
               <a:t>Very much</a:t>
             </a:r>
+            <a:endParaRPr lang="en-US" dirty="0"/>
+          </a:p>
+        </p:txBody>
+      </p:sp>
+      <p:sp>
+        <p:nvSpPr>
+          <p:cNvPr id="4" name="Slide Number Placeholder 3"/>
+          <p:cNvSpPr>
+            <a:spLocks noGrp="1"/>
+          </p:cNvSpPr>
+          <p:nvPr>
+            <p:ph type="sldNum" sz="quarter" idx="12"/>
+          </p:nvPr>
+        </p:nvSpPr>
+        <p:spPr/>
+        <p:txBody>
+          <a:bodyPr/>
+          <a:lstStyle/>
+          <a:p>
+            <a:fld id="{CC32927E-8736-45CF-A6F9-390382C66E11}" type="slidenum">
+              <a:rPr lang="en-US" smtClean="0"/>
+              <a:pPr/>
+              <a:t>39</a:t>
+            </a:fld>
             <a:endParaRPr lang="en-US" dirty="0"/>
           </a:p>
         </p:txBody>
@@ -8208,7 +9201,7 @@
               <a:rPr lang="en-US" noProof="0" dirty="0" smtClean="0">
                 <a:cs typeface="Arial"/>
               </a:rPr>
-              <a:t>Objectives</a:t>
+              <a:t>Motivation and Objectives</a:t>
             </a:r>
             <a:endParaRPr lang="en-US" noProof="0" dirty="0">
               <a:cs typeface="Arial"/>
@@ -8234,7 +9227,7 @@
         </p:spPr>
         <p:txBody>
           <a:bodyPr>
-            <a:normAutofit/>
+            <a:normAutofit fontScale="77500" lnSpcReduction="20000"/>
           </a:bodyPr>
           <a:lstStyle/>
           <a:p>
@@ -8242,63 +9235,51 @@
               <a:rPr lang="en-US" noProof="0" dirty="0" smtClean="0">
                 <a:cs typeface="Arial"/>
               </a:rPr>
-              <a:t>Wide coverage</a:t>
-            </a:r>
+              <a:t>With the potential number of active users, it is inevitable that there will be more than one operator, who will charge the general use of the clients and provide connection in the metropolitan area.</a:t>
+            </a:r>
+          </a:p>
+          <a:p>
+            <a:pPr>
+              <a:buNone/>
+            </a:pPr>
+            <a:endParaRPr lang="en-US" noProof="0" dirty="0" smtClean="0">
+              <a:cs typeface="Arial"/>
+            </a:endParaRPr>
           </a:p>
           <a:p>
             <a:r>
               <a:rPr lang="en-US" noProof="0" dirty="0" smtClean="0">
                 <a:cs typeface="Arial"/>
               </a:rPr>
-              <a:t>Seamless Roaming</a:t>
-            </a:r>
+              <a:t>The operators may unintentionally overcharge their users. Users may unfairly dispute charges. Thus a payment scheme that is fair to both users and the operators is inevitably needed.</a:t>
+            </a:r>
+          </a:p>
+          <a:p>
+            <a:pPr>
+              <a:buNone/>
+            </a:pPr>
+            <a:endParaRPr lang="en-US" noProof="0" dirty="0" smtClean="0">
+              <a:cs typeface="Arial"/>
+            </a:endParaRPr>
           </a:p>
           <a:p>
             <a:r>
               <a:rPr lang="en-US" noProof="0" dirty="0" smtClean="0">
                 <a:cs typeface="Arial"/>
               </a:rPr>
-              <a:t>Seamless Mobility (Handoff)</a:t>
-            </a:r>
-          </a:p>
-          <a:p>
+              <a:t>On top of the classical security requirements such as confidentiality</a:t>
+            </a:r>
+            <a:r>
+              <a:rPr lang="en-US" dirty="0" smtClean="0">
+                <a:cs typeface="Arial"/>
+              </a:rPr>
+              <a:t> and</a:t>
+            </a:r>
             <a:r>
               <a:rPr lang="en-US" noProof="0" dirty="0" smtClean="0">
                 <a:cs typeface="Arial"/>
               </a:rPr>
-              <a:t>Anonymity</a:t>
-            </a:r>
-          </a:p>
-          <a:p>
-            <a:r>
-              <a:rPr lang="en-US" noProof="0" dirty="0" smtClean="0">
-                <a:cs typeface="Arial"/>
-              </a:rPr>
-              <a:t>Mutual Authentication</a:t>
-            </a:r>
-          </a:p>
-          <a:p>
-            <a:r>
-              <a:rPr lang="en-US" noProof="0" dirty="0" smtClean="0">
-                <a:cs typeface="Arial"/>
-              </a:rPr>
-              <a:t>Two-way honesty</a:t>
-            </a:r>
-          </a:p>
-          <a:p>
-            <a:r>
-              <a:rPr lang="en-US" noProof="0" dirty="0" smtClean="0">
-                <a:cs typeface="Arial"/>
-              </a:rPr>
-              <a:t>Untraceability</a:t>
-            </a:r>
-          </a:p>
-          <a:p>
-            <a:r>
-              <a:rPr lang="en-US" noProof="0" dirty="0" smtClean="0">
-                <a:cs typeface="Arial"/>
-              </a:rPr>
-              <a:t>Performance</a:t>
+              <a:t> authentication, as a critical contribution we address users' anonymity and untraceability. </a:t>
             </a:r>
             <a:endParaRPr lang="en-US" noProof="0" dirty="0">
               <a:cs typeface="Arial"/>
@@ -8379,43 +9360,152 @@
         </p:nvSpPr>
         <p:spPr/>
         <p:txBody>
+          <a:bodyPr/>
+          <a:lstStyle/>
+          <a:p>
+            <a:r>
+              <a:rPr lang="en-US" noProof="0" dirty="0" smtClean="0">
+                <a:cs typeface="Arial"/>
+              </a:rPr>
+              <a:t>Objectives</a:t>
+            </a:r>
+            <a:endParaRPr lang="en-US" noProof="0" dirty="0">
+              <a:cs typeface="Arial"/>
+            </a:endParaRPr>
+          </a:p>
+        </p:txBody>
+      </p:sp>
+      <p:sp>
+        <p:nvSpPr>
+          <p:cNvPr id="3" name="Content Placeholder 2"/>
+          <p:cNvSpPr>
+            <a:spLocks noGrp="1"/>
+          </p:cNvSpPr>
+          <p:nvPr>
+            <p:ph idx="1"/>
+          </p:nvPr>
+        </p:nvSpPr>
+        <p:spPr>
+          <a:xfrm>
+            <a:off x="457200" y="1417638"/>
+            <a:ext cx="8229600" cy="4712918"/>
+          </a:xfrm>
+        </p:spPr>
+        <p:txBody>
           <a:bodyPr>
-            <a:normAutofit fontScale="90000"/>
+            <a:normAutofit/>
           </a:bodyPr>
           <a:lstStyle/>
           <a:p>
             <a:r>
-              <a:rPr lang="tr-TR" dirty="0" smtClean="0"/>
-              <a:t>Differences and Similarities with an Earlier Work</a:t>
-            </a:r>
+              <a:rPr lang="en-US" noProof="0" dirty="0" smtClean="0">
+                <a:cs typeface="Arial"/>
+              </a:rPr>
+              <a:t>Wide coverage</a:t>
+            </a:r>
+          </a:p>
+          <a:p>
+            <a:r>
+              <a:rPr lang="en-US" noProof="0" dirty="0" smtClean="0">
+                <a:cs typeface="Arial"/>
+              </a:rPr>
+              <a:t>Seamless Roaming</a:t>
+            </a:r>
+          </a:p>
+          <a:p>
+            <a:r>
+              <a:rPr lang="en-US" noProof="0" dirty="0" smtClean="0">
+                <a:cs typeface="Arial"/>
+              </a:rPr>
+              <a:t>Seamless Mobility (Handoff)</a:t>
+            </a:r>
+          </a:p>
+          <a:p>
+            <a:r>
+              <a:rPr lang="en-US" noProof="0" dirty="0" smtClean="0">
+                <a:cs typeface="Arial"/>
+              </a:rPr>
+              <a:t>Anonymity</a:t>
+            </a:r>
+          </a:p>
+          <a:p>
+            <a:r>
+              <a:rPr lang="en-US" noProof="0" dirty="0" smtClean="0">
+                <a:cs typeface="Arial"/>
+              </a:rPr>
+              <a:t>Mutual Authentication</a:t>
+            </a:r>
+          </a:p>
+          <a:p>
+            <a:r>
+              <a:rPr lang="en-US" noProof="0" dirty="0" smtClean="0">
+                <a:cs typeface="Arial"/>
+              </a:rPr>
+              <a:t>Two-way honesty</a:t>
+            </a:r>
+          </a:p>
+          <a:p>
+            <a:r>
+              <a:rPr lang="en-US" noProof="0" dirty="0" smtClean="0">
+                <a:cs typeface="Arial"/>
+              </a:rPr>
+              <a:t>Untraceability</a:t>
+            </a:r>
+          </a:p>
+          <a:p>
+            <a:r>
+              <a:rPr lang="en-US" noProof="0" dirty="0" smtClean="0">
+                <a:cs typeface="Arial"/>
+              </a:rPr>
+              <a:t>Performance</a:t>
+            </a:r>
+            <a:endParaRPr lang="en-US" noProof="0" dirty="0">
+              <a:cs typeface="Arial"/>
+            </a:endParaRPr>
+          </a:p>
+        </p:txBody>
+      </p:sp>
+      <p:sp>
+        <p:nvSpPr>
+          <p:cNvPr id="4" name="Slide Number Placeholder 3"/>
+          <p:cNvSpPr>
+            <a:spLocks noGrp="1"/>
+          </p:cNvSpPr>
+          <p:nvPr>
+            <p:ph type="sldNum" sz="quarter" idx="12"/>
+          </p:nvPr>
+        </p:nvSpPr>
+        <p:spPr/>
+        <p:txBody>
+          <a:bodyPr/>
+          <a:lstStyle/>
+          <a:p>
+            <a:fld id="{7F5CE407-6216-4202-80E4-A30DC2F709B2}" type="slidenum">
+              <a:rPr lang="en-US" smtClean="0"/>
+              <a:pPr/>
+              <a:t>5</a:t>
+            </a:fld>
             <a:endParaRPr lang="en-US" dirty="0"/>
           </a:p>
         </p:txBody>
       </p:sp>
-      <p:sp>
-        <p:nvSpPr>
-          <p:cNvPr id="3" name="Content Placeholder 2"/>
-          <p:cNvSpPr>
-            <a:spLocks noGrp="1"/>
-          </p:cNvSpPr>
-          <p:nvPr>
-            <p:ph idx="1"/>
-          </p:nvPr>
-        </p:nvSpPr>
-        <p:spPr/>
-        <p:txBody>
-          <a:bodyPr/>
-          <a:lstStyle/>
-          <a:p>
-            <a:endParaRPr lang="en-US"/>
-          </a:p>
-        </p:txBody>
-      </p:sp>
     </p:spTree>
+    <p:extLst>
+      <p:ext uri="{BB962C8B-B14F-4D97-AF65-F5344CB8AC3E}">
+        <p14:creationId xmlns:p14="http://schemas.microsoft.com/office/powerpoint/2010/main" xmlns="" val="4140221233"/>
+      </p:ext>
+    </p:extLst>
   </p:cSld>
   <p:clrMapOvr>
     <a:masterClrMapping/>
   </p:clrMapOvr>
+  <p:timing>
+    <p:tnLst>
+      <p:par>
+        <p:cTn id="1" dur="indefinite" restart="never" nodeType="tmRoot"/>
+      </p:par>
+    </p:tnLst>
+  </p:timing>
 </p:sld>
 </file>
 
@@ -8448,16 +9538,181 @@
         </p:nvSpPr>
         <p:spPr/>
         <p:txBody>
-          <a:bodyPr/>
-          <a:lstStyle/>
-          <a:p>
-            <a:r>
-              <a:rPr lang="en-US" noProof="0" smtClean="0">
+          <a:bodyPr>
+            <a:normAutofit fontScale="90000"/>
+          </a:bodyPr>
+          <a:lstStyle/>
+          <a:p>
+            <a:r>
+              <a:rPr lang="en-US" dirty="0" smtClean="0"/>
+              <a:t>Differences and Similarities with an Earlier Work</a:t>
+            </a:r>
+            <a:endParaRPr lang="en-US" dirty="0"/>
+          </a:p>
+        </p:txBody>
+      </p:sp>
+      <p:sp>
+        <p:nvSpPr>
+          <p:cNvPr id="3" name="Content Placeholder 2"/>
+          <p:cNvSpPr>
+            <a:spLocks noGrp="1"/>
+          </p:cNvSpPr>
+          <p:nvPr>
+            <p:ph idx="1"/>
+          </p:nvPr>
+        </p:nvSpPr>
+        <p:spPr>
+          <a:xfrm>
+            <a:off x="457200" y="1600200"/>
+            <a:ext cx="8229600" cy="4972072"/>
+          </a:xfrm>
+        </p:spPr>
+        <p:txBody>
+          <a:bodyPr>
+            <a:normAutofit fontScale="92500" lnSpcReduction="20000"/>
+          </a:bodyPr>
+          <a:lstStyle/>
+          <a:p>
+            <a:r>
+              <a:rPr lang="en-US" dirty="0" smtClean="0"/>
+              <a:t>Can Yücel, in his thesis, proposed a preliminary version of SSPayWMN.</a:t>
+            </a:r>
+          </a:p>
+          <a:p>
+            <a:r>
+              <a:rPr lang="en-US" dirty="0" smtClean="0"/>
+              <a:t>Access Point Authentication protocol is used intact, all of the protocols are altered, two new protocols are added.</a:t>
+            </a:r>
+          </a:p>
+          <a:p>
+            <a:r>
+              <a:rPr lang="en-US" dirty="0" smtClean="0"/>
+              <a:t>We improved his work by adding new features:</a:t>
+            </a:r>
+          </a:p>
+          <a:p>
+            <a:pPr lvl="1"/>
+            <a:r>
+              <a:rPr lang="en-US" dirty="0" smtClean="0"/>
+              <a:t>Anonymity</a:t>
+            </a:r>
+          </a:p>
+          <a:p>
+            <a:pPr lvl="1"/>
+            <a:r>
+              <a:rPr lang="en-US" dirty="0" smtClean="0"/>
+              <a:t>Untraceability</a:t>
+            </a:r>
+          </a:p>
+          <a:p>
+            <a:pPr lvl="1"/>
+            <a:r>
+              <a:rPr lang="en-US" dirty="0" smtClean="0"/>
+              <a:t>Seamless Roaming</a:t>
+            </a:r>
+          </a:p>
+          <a:p>
+            <a:pPr lvl="1"/>
+            <a:r>
+              <a:rPr lang="en-US" dirty="0" smtClean="0"/>
+              <a:t>Real-life scenario, user models and user mobility</a:t>
+            </a:r>
+          </a:p>
+          <a:p>
+            <a:pPr lvl="1"/>
+            <a:r>
+              <a:rPr lang="en-US" dirty="0" smtClean="0"/>
+              <a:t>Used real IEEE 802.11s in the mesh backbone</a:t>
+            </a:r>
+          </a:p>
+          <a:p>
+            <a:pPr lvl="1"/>
+            <a:r>
+              <a:rPr lang="en-US" dirty="0" smtClean="0"/>
+              <a:t>The simulation codes are implemented from scratch</a:t>
+            </a:r>
+            <a:endParaRPr lang="en-US" dirty="0" smtClean="0"/>
+          </a:p>
+        </p:txBody>
+      </p:sp>
+      <p:sp>
+        <p:nvSpPr>
+          <p:cNvPr id="4" name="Slide Number Placeholder 3"/>
+          <p:cNvSpPr>
+            <a:spLocks noGrp="1"/>
+          </p:cNvSpPr>
+          <p:nvPr>
+            <p:ph type="sldNum" sz="quarter" idx="12"/>
+          </p:nvPr>
+        </p:nvSpPr>
+        <p:spPr/>
+        <p:txBody>
+          <a:bodyPr/>
+          <a:lstStyle/>
+          <a:p>
+            <a:fld id="{CC32927E-8736-45CF-A6F9-390382C66E11}" type="slidenum">
+              <a:rPr lang="en-US" smtClean="0"/>
+              <a:pPr/>
+              <a:t>6</a:t>
+            </a:fld>
+            <a:endParaRPr lang="en-US" dirty="0"/>
+          </a:p>
+        </p:txBody>
+      </p:sp>
+    </p:spTree>
+  </p:cSld>
+  <p:clrMapOvr>
+    <a:masterClrMapping/>
+  </p:clrMapOvr>
+  <p:timing>
+    <p:tnLst>
+      <p:par>
+        <p:cTn id="1" dur="indefinite" restart="never" nodeType="tmRoot"/>
+      </p:par>
+    </p:tnLst>
+  </p:timing>
+</p:sld>
+</file>
+
+<file path=ppt/slides/slide7.xml><?xml version="1.0" encoding="utf-8"?>
+<p:sld xmlns:a="http://schemas.openxmlformats.org/drawingml/2006/main" xmlns:r="http://schemas.openxmlformats.org/officeDocument/2006/relationships" xmlns:p="http://schemas.openxmlformats.org/presentationml/2006/main">
+  <p:cSld>
+    <p:spTree>
+      <p:nvGrpSpPr>
+        <p:cNvPr id="1" name=""/>
+        <p:cNvGrpSpPr/>
+        <p:nvPr/>
+      </p:nvGrpSpPr>
+      <p:grpSpPr>
+        <a:xfrm>
+          <a:off x="0" y="0"/>
+          <a:ext cx="0" cy="0"/>
+          <a:chOff x="0" y="0"/>
+          <a:chExt cx="0" cy="0"/>
+        </a:xfrm>
+      </p:grpSpPr>
+      <p:sp>
+        <p:nvSpPr>
+          <p:cNvPr id="2" name="Title 1"/>
+          <p:cNvSpPr>
+            <a:spLocks noGrp="1"/>
+          </p:cNvSpPr>
+          <p:nvPr>
+            <p:ph type="title"/>
+          </p:nvPr>
+        </p:nvSpPr>
+        <p:spPr/>
+        <p:txBody>
+          <a:bodyPr/>
+          <a:lstStyle/>
+          <a:p>
+            <a:r>
+              <a:rPr lang="en-US" noProof="0" dirty="0" smtClean="0">
                 <a:cs typeface="Arial"/>
               </a:rPr>
               <a:t>System Entities</a:t>
             </a:r>
-            <a:endParaRPr lang="en-US" noProof="0">
+            <a:endParaRPr lang="en-US" noProof="0" dirty="0">
               <a:cs typeface="Arial"/>
             </a:endParaRPr>
           </a:p>
@@ -8481,7 +9736,7 @@
             <a:fld id="{7F5CE407-6216-4202-80E4-A30DC2F709B2}" type="slidenum">
               <a:rPr lang="en-US" smtClean="0"/>
               <a:pPr/>
-              <a:t>6</a:t>
+              <a:t>7</a:t>
             </a:fld>
             <a:endParaRPr lang="en-US" dirty="0"/>
           </a:p>
@@ -9553,7 +10808,7 @@
 </p:sld>
 </file>
 
-<file path=ppt/slides/slide7.xml><?xml version="1.0" encoding="utf-8"?>
+<file path=ppt/slides/slide8.xml><?xml version="1.0" encoding="utf-8"?>
 <p:sld xmlns:a="http://schemas.openxmlformats.org/drawingml/2006/main" xmlns:r="http://schemas.openxmlformats.org/officeDocument/2006/relationships" xmlns:p="http://schemas.openxmlformats.org/presentationml/2006/main">
   <p:cSld>
     <p:spTree>
@@ -9818,96 +11073,30 @@
           </a:p>
         </p:txBody>
       </p:sp>
-    </p:spTree>
-  </p:cSld>
-  <p:clrMapOvr>
-    <a:masterClrMapping/>
-  </p:clrMapOvr>
-  <p:timing>
-    <p:tnLst>
-      <p:par>
-        <p:cTn id="1" dur="indefinite" restart="never" nodeType="tmRoot"/>
-      </p:par>
-    </p:tnLst>
-  </p:timing>
-</p:sld>
-</file>
-
-<file path=ppt/slides/slide8.xml><?xml version="1.0" encoding="utf-8"?>
-<p:sld xmlns:a="http://schemas.openxmlformats.org/drawingml/2006/main" xmlns:r="http://schemas.openxmlformats.org/officeDocument/2006/relationships" xmlns:p="http://schemas.openxmlformats.org/presentationml/2006/main">
-  <p:cSld>
-    <p:spTree>
-      <p:nvGrpSpPr>
-        <p:cNvPr id="1" name=""/>
-        <p:cNvGrpSpPr/>
-        <p:nvPr/>
-      </p:nvGrpSpPr>
-      <p:grpSpPr>
-        <a:xfrm>
-          <a:off x="0" y="0"/>
-          <a:ext cx="0" cy="0"/>
-          <a:chOff x="0" y="0"/>
-          <a:chExt cx="0" cy="0"/>
-        </a:xfrm>
-      </p:grpSpPr>
-      <p:sp>
-        <p:nvSpPr>
-          <p:cNvPr id="2" name="Title 1"/>
-          <p:cNvSpPr>
-            <a:spLocks noGrp="1"/>
-          </p:cNvSpPr>
-          <p:nvPr>
-            <p:ph type="title"/>
-          </p:nvPr>
-        </p:nvSpPr>
-        <p:spPr/>
-        <p:txBody>
-          <a:bodyPr>
-            <a:normAutofit fontScale="90000"/>
-          </a:bodyPr>
-          <a:lstStyle/>
-          <a:p>
-            <a:r>
-              <a:rPr lang="en-US" noProof="0" smtClean="0"/>
-              <a:t>Initial Authorization and Reuse of a Connection Card</a:t>
-            </a:r>
-            <a:endParaRPr lang="en-US" noProof="0"/>
-          </a:p>
-        </p:txBody>
-      </p:sp>
-      <p:pic>
-        <p:nvPicPr>
-          <p:cNvPr id="4" name="Picture 3" descr="Macintosh HD:Users:canleloglu:Desktop:worddoc:thesisImages:protocolsInDetail:seqDiagram:pdf:initAuthReuse.pdf"/>
-          <p:cNvPicPr/>
-          <p:nvPr/>
-        </p:nvPicPr>
-        <p:blipFill>
-          <a:blip r:embed="rId2" cstate="print">
-            <a:extLst>
-              <a:ext uri="{28A0092B-C50C-407E-A947-70E740481C1C}">
-                <a14:useLocalDpi xmlns:a14="http://schemas.microsoft.com/office/drawing/2010/main" xmlns="" val="0"/>
-              </a:ext>
-            </a:extLst>
-          </a:blip>
-          <a:srcRect/>
-          <a:stretch>
-            <a:fillRect/>
-          </a:stretch>
-        </p:blipFill>
-        <p:spPr bwMode="auto">
-          <a:xfrm>
-            <a:off x="1785918" y="1357298"/>
-            <a:ext cx="5151454" cy="5313694"/>
-          </a:xfrm>
-          <a:prstGeom prst="rect">
-            <a:avLst/>
-          </a:prstGeom>
-          <a:noFill/>
-          <a:ln>
-            <a:noFill/>
-          </a:ln>
-        </p:spPr>
-      </p:pic>
+      <p:sp>
+        <p:nvSpPr>
+          <p:cNvPr id="9" name="Slide Number Placeholder 8"/>
+          <p:cNvSpPr>
+            <a:spLocks noGrp="1"/>
+          </p:cNvSpPr>
+          <p:nvPr>
+            <p:ph type="sldNum" sz="quarter" idx="12"/>
+          </p:nvPr>
+        </p:nvSpPr>
+        <p:spPr/>
+        <p:txBody>
+          <a:bodyPr/>
+          <a:lstStyle/>
+          <a:p>
+            <a:fld id="{CC32927E-8736-45CF-A6F9-390382C66E11}" type="slidenum">
+              <a:rPr lang="en-US" smtClean="0"/>
+              <a:pPr/>
+              <a:t>8</a:t>
+            </a:fld>
+            <a:endParaRPr lang="en-US" dirty="0"/>
+          </a:p>
+        </p:txBody>
+      </p:sp>
     </p:spTree>
   </p:cSld>
   <p:clrMapOvr>
@@ -9956,16 +11145,54 @@
           <a:lstStyle/>
           <a:p>
             <a:r>
-              <a:rPr lang="en-US" noProof="0" smtClean="0"/>
-              <a:t>Access Point Authentication</a:t>
-            </a:r>
-            <a:endParaRPr lang="en-US" noProof="0"/>
-          </a:p>
-        </p:txBody>
-      </p:sp>
-      <p:sp>
-        <p:nvSpPr>
-          <p:cNvPr id="4" name="Content Placeholder 2"/>
+              <a:rPr lang="en-US" noProof="0" dirty="0" smtClean="0"/>
+              <a:t>Alias Computation</a:t>
+            </a:r>
+            <a:endParaRPr lang="en-US" noProof="0" dirty="0"/>
+          </a:p>
+        </p:txBody>
+      </p:sp>
+      <p:sp>
+        <p:nvSpPr>
+          <p:cNvPr id="2055" name="Rectangle 7"/>
+          <p:cNvSpPr>
+            <a:spLocks noChangeArrowheads="1"/>
+          </p:cNvSpPr>
+          <p:nvPr/>
+        </p:nvSpPr>
+        <p:spPr bwMode="auto">
+          <a:xfrm>
+            <a:off x="0" y="0"/>
+            <a:ext cx="9144000" cy="0"/>
+          </a:xfrm>
+          <a:prstGeom prst="rect">
+            <a:avLst/>
+          </a:prstGeom>
+          <a:noFill/>
+          <a:ln w="9525">
+            <a:noFill/>
+            <a:miter lim="800000"/>
+            <a:headEnd/>
+            <a:tailEnd/>
+          </a:ln>
+          <a:effectLst/>
+        </p:spPr>
+        <p:txBody>
+          <a:bodyPr vert="horz" wrap="none" lIns="91440" tIns="45720" rIns="91440" bIns="45720" numCol="1" anchor="ctr" anchorCtr="0" compatLnSpc="1">
+            <a:prstTxWarp prst="textNoShape">
+              <a:avLst/>
+            </a:prstTxWarp>
+            <a:spAutoFit/>
+          </a:bodyPr>
+          <a:lstStyle/>
+          <a:p>
+            <a:endParaRPr lang="en-US" dirty="0"/>
+          </a:p>
+        </p:txBody>
+      </p:sp>
+      <p:sp>
+        <p:nvSpPr>
+          <p:cNvPr id="10" name="Content Placeholder 2"/>
           <p:cNvSpPr>
             <a:spLocks noGrp="1"/>
           </p:cNvSpPr>
@@ -9975,44 +11202,70 @@
         </p:nvSpPr>
         <p:spPr>
           <a:xfrm>
-            <a:off x="457200" y="1600201"/>
-            <a:ext cx="8229600" cy="1042981"/>
+            <a:off x="500034" y="1214422"/>
+            <a:ext cx="8229600" cy="5214974"/>
           </a:xfrm>
         </p:spPr>
         <p:txBody>
           <a:bodyPr>
-            <a:normAutofit lnSpcReduction="10000"/>
+            <a:normAutofit/>
           </a:bodyPr>
           <a:lstStyle/>
           <a:p>
             <a:r>
-              <a:rPr lang="en-US" noProof="0" smtClean="0"/>
-              <a:t>In order to authenticate the network by the client</a:t>
-            </a:r>
-            <a:endParaRPr lang="en-US" noProof="0"/>
-          </a:p>
-        </p:txBody>
-      </p:sp>
-      <p:graphicFrame>
-        <p:nvGraphicFramePr>
-          <p:cNvPr id="1026" name="Object 2"/>
-          <p:cNvGraphicFramePr>
-            <a:graphicFrameLocks noChangeAspect="1"/>
-          </p:cNvGraphicFramePr>
-          <p:nvPr/>
-        </p:nvGraphicFramePr>
-        <p:xfrm>
-          <a:off x="1785918" y="2786058"/>
-          <a:ext cx="5289452" cy="3429024"/>
-        </p:xfrm>
-        <a:graphic>
-          <a:graphicData uri="http://schemas.openxmlformats.org/presentationml/2006/ole">
-            <p:oleObj spid="_x0000_s1026" name="Acrobat Document" r:id="rId3" imgW="2762166" imgH="1790494" progId="AcroExch.Document.11">
-              <p:embed/>
-            </p:oleObj>
-          </a:graphicData>
-        </a:graphic>
-      </p:graphicFrame>
+              <a:rPr lang="en-US" noProof="0" dirty="0" smtClean="0"/>
+              <a:t>The serial number (SN) of the Connection Card will be used as a base for client’s aliases. </a:t>
+            </a:r>
+          </a:p>
+          <a:p>
+            <a:r>
+              <a:rPr lang="en-US" dirty="0" smtClean="0"/>
+              <a:t>Steps:</a:t>
+            </a:r>
+            <a:endParaRPr lang="en-US" noProof="0" dirty="0" smtClean="0"/>
+          </a:p>
+          <a:p>
+            <a:pPr lvl="1"/>
+            <a:r>
+              <a:rPr lang="en-US" noProof="0" dirty="0" smtClean="0"/>
+              <a:t>Client picks a random 128-bit unsigned number called nonce</a:t>
+            </a:r>
+          </a:p>
+          <a:p>
+            <a:pPr lvl="1"/>
+            <a:r>
+              <a:rPr lang="en-US" noProof="0" dirty="0" smtClean="0"/>
+              <a:t>Client performs XOR operation  with  SN and Nonce and take their hash and use the output as the Alias.</a:t>
+            </a:r>
+          </a:p>
+          <a:p>
+            <a:pPr lvl="1"/>
+            <a:r>
+              <a:rPr lang="en-US" noProof="0" dirty="0" smtClean="0"/>
+              <a:t>Client will use this alias whenever her identity is required.</a:t>
+            </a:r>
+          </a:p>
+          <a:p>
+            <a:pPr lvl="1"/>
+            <a:endParaRPr lang="en-US" noProof="0" dirty="0" smtClean="0"/>
+          </a:p>
+          <a:p>
+            <a:pPr lvl="1"/>
+            <a:endParaRPr lang="en-US" noProof="0" dirty="0" smtClean="0"/>
+          </a:p>
+          <a:p>
+            <a:pPr lvl="1"/>
+            <a:endParaRPr lang="en-US" noProof="0" dirty="0" smtClean="0"/>
+          </a:p>
+          <a:p>
+            <a:pPr lvl="1"/>
+            <a:endParaRPr lang="en-US" noProof="0" dirty="0" smtClean="0"/>
+          </a:p>
+          <a:p>
+            <a:endParaRPr lang="en-US" noProof="0" dirty="0"/>
+          </a:p>
+        </p:txBody>
+      </p:sp>
     </p:spTree>
   </p:cSld>
   <p:clrMapOvr>
